--- a/HW4/機器學習實作乒乓球-專案管理.pptx
+++ b/HW4/機器學習實作乒乓球-專案管理.pptx
@@ -5,19 +5,18 @@
     <p:sldMasterId id="2147483648" r:id="rId4"/>
   </p:sldMasterIdLst>
   <p:notesMasterIdLst>
-    <p:notesMasterId r:id="rId12"/>
+    <p:notesMasterId r:id="rId11"/>
   </p:notesMasterIdLst>
   <p:handoutMasterIdLst>
-    <p:handoutMasterId r:id="rId13"/>
+    <p:handoutMasterId r:id="rId12"/>
   </p:handoutMasterIdLst>
   <p:sldIdLst>
     <p:sldId id="265" r:id="rId5"/>
     <p:sldId id="267" r:id="rId6"/>
     <p:sldId id="268" r:id="rId7"/>
     <p:sldId id="269" r:id="rId8"/>
-    <p:sldId id="266" r:id="rId9"/>
-    <p:sldId id="271" r:id="rId10"/>
-    <p:sldId id="270" r:id="rId11"/>
+    <p:sldId id="272" r:id="rId9"/>
+    <p:sldId id="273" r:id="rId10"/>
   </p:sldIdLst>
   <p:sldSz cx="12192000" cy="6858000"/>
   <p:notesSz cx="6858000" cy="9144000"/>
@@ -217,7 +216,7 @@
                 <a:latin typeface="Microsoft JhengHei UI" panose="020B0604030504040204" pitchFamily="34" charset="-120"/>
                 <a:ea typeface="Microsoft JhengHei UI" panose="020B0604030504040204" pitchFamily="34" charset="-120"/>
               </a:rPr>
-              <a:t>2020/11/24</a:t>
+              <a:t>2020/11/25</a:t>
             </a:fld>
             <a:endParaRPr lang="zh-TW" altLang="en-US" dirty="0">
               <a:latin typeface="Microsoft JhengHei UI" panose="020B0604030504040204" pitchFamily="34" charset="-120"/>
@@ -403,7 +402,7 @@
           <a:p>
             <a:fld id="{9404F367-93B9-49BC-880B-5159144A5351}" type="datetime1">
               <a:rPr lang="zh-TW" altLang="en-US" noProof="0" smtClean="0"/>
-              <a:t>2020/11/24</a:t>
+              <a:t>2020/11/25</a:t>
             </a:fld>
             <a:endParaRPr lang="zh-TW" altLang="en-US" noProof="0" dirty="0"/>
           </a:p>
@@ -948,7 +947,7 @@
             <a:pPr rtl="0"/>
             <a:fld id="{E12C0BA9-8F23-4CC4-AE82-B0F47531C1D2}" type="datetime1">
               <a:rPr lang="zh-TW" altLang="en-US" noProof="0" smtClean="0"/>
-              <a:t>2020/11/24</a:t>
+              <a:t>2020/11/25</a:t>
             </a:fld>
             <a:endParaRPr lang="zh-TW" altLang="en-US" noProof="0" dirty="0"/>
           </a:p>
@@ -1260,7 +1259,7 @@
             <a:pPr rtl="0"/>
             <a:fld id="{1B727E20-C691-4194-BA67-50F4C10C0EC2}" type="datetime1">
               <a:rPr lang="zh-TW" altLang="en-US" noProof="0" smtClean="0"/>
-              <a:t>2020/11/24</a:t>
+              <a:t>2020/11/25</a:t>
             </a:fld>
             <a:endParaRPr lang="zh-TW" altLang="en-US" noProof="0" dirty="0"/>
           </a:p>
@@ -1481,7 +1480,7 @@
             <a:pPr rtl="0"/>
             <a:fld id="{6103ACFA-9EAB-4024-8398-7A9C45F03D95}" type="datetime1">
               <a:rPr lang="zh-TW" altLang="en-US" noProof="0" smtClean="0"/>
-              <a:t>2020/11/24</a:t>
+              <a:t>2020/11/25</a:t>
             </a:fld>
             <a:endParaRPr lang="zh-TW" altLang="en-US" noProof="0" dirty="0"/>
           </a:p>
@@ -1786,7 +1785,7 @@
           <a:p>
             <a:fld id="{83CA085F-1C8F-4249-B4B1-5B2A1F20CB23}" type="datetime1">
               <a:rPr lang="zh-TW" altLang="en-US" noProof="0" smtClean="0"/>
-              <a:t>2020/11/24</a:t>
+              <a:t>2020/11/25</a:t>
             </a:fld>
             <a:endParaRPr lang="zh-TW" altLang="en-US" noProof="0" dirty="0"/>
           </a:p>
@@ -2256,7 +2255,7 @@
             <a:pPr rtl="0"/>
             <a:fld id="{7A5C7F5A-6DFE-431A-AB24-FBF4917570BD}" type="datetime1">
               <a:rPr lang="zh-TW" altLang="en-US" noProof="0" smtClean="0"/>
-              <a:t>2020/11/24</a:t>
+              <a:t>2020/11/25</a:t>
             </a:fld>
             <a:endParaRPr lang="zh-TW" altLang="en-US" noProof="0" dirty="0"/>
           </a:p>
@@ -2831,7 +2830,7 @@
             <a:pPr rtl="0"/>
             <a:fld id="{53C6FD43-1739-4DAD-91B6-41A08EDEA5D8}" type="datetime1">
               <a:rPr lang="zh-TW" altLang="en-US" noProof="0" smtClean="0"/>
-              <a:t>2020/11/24</a:t>
+              <a:t>2020/11/25</a:t>
             </a:fld>
             <a:endParaRPr lang="zh-TW" altLang="en-US" noProof="0" dirty="0"/>
           </a:p>
@@ -3685,7 +3684,7 @@
             <a:pPr rtl="0"/>
             <a:fld id="{2C4EB9F9-C285-47DC-860B-BC96183E97E3}" type="datetime1">
               <a:rPr lang="zh-TW" altLang="en-US" noProof="0" smtClean="0"/>
-              <a:t>2020/11/24</a:t>
+              <a:t>2020/11/25</a:t>
             </a:fld>
             <a:endParaRPr lang="zh-TW" altLang="en-US" noProof="0" dirty="0"/>
           </a:p>
@@ -3889,7 +3888,7 @@
             <a:pPr rtl="0"/>
             <a:fld id="{CF2A209B-3BF9-4E58-9A30-3E71DB938777}" type="datetime1">
               <a:rPr lang="zh-TW" altLang="en-US" noProof="0" smtClean="0"/>
-              <a:t>2020/11/24</a:t>
+              <a:t>2020/11/25</a:t>
             </a:fld>
             <a:endParaRPr lang="zh-TW" altLang="en-US" noProof="0" dirty="0"/>
           </a:p>
@@ -4102,7 +4101,7 @@
             <a:pPr rtl="0"/>
             <a:fld id="{066E63C2-83D0-46B9-B929-DF2E4AF04A44}" type="datetime1">
               <a:rPr lang="zh-TW" altLang="en-US" noProof="0" smtClean="0"/>
-              <a:t>2020/11/24</a:t>
+              <a:t>2020/11/25</a:t>
             </a:fld>
             <a:endParaRPr lang="zh-TW" altLang="en-US" noProof="0" dirty="0"/>
           </a:p>
@@ -4306,7 +4305,7 @@
             <a:pPr rtl="0"/>
             <a:fld id="{B83C6DAE-E458-4FAA-BAAB-D22447F61CAD}" type="datetime1">
               <a:rPr lang="zh-TW" altLang="en-US" noProof="0" smtClean="0"/>
-              <a:t>2020/11/24</a:t>
+              <a:t>2020/11/25</a:t>
             </a:fld>
             <a:endParaRPr lang="zh-TW" altLang="en-US" noProof="0" dirty="0"/>
           </a:p>
@@ -4585,7 +4584,7 @@
             <a:pPr rtl="0"/>
             <a:fld id="{C348094D-2999-444A-A78A-7C564C88EAD4}" type="datetime1">
               <a:rPr lang="zh-TW" altLang="en-US" noProof="0" smtClean="0"/>
-              <a:t>2020/11/24</a:t>
+              <a:t>2020/11/25</a:t>
             </a:fld>
             <a:endParaRPr lang="zh-TW" altLang="en-US" noProof="0" dirty="0"/>
           </a:p>
@@ -4851,7 +4850,7 @@
             <a:pPr rtl="0"/>
             <a:fld id="{BE7A2E6B-7BCE-48D7-9543-BBCBDA6F478D}" type="datetime1">
               <a:rPr lang="zh-TW" altLang="en-US" noProof="0" smtClean="0"/>
-              <a:t>2020/11/24</a:t>
+              <a:t>2020/11/25</a:t>
             </a:fld>
             <a:endParaRPr lang="zh-TW" altLang="en-US" noProof="0" dirty="0"/>
           </a:p>
@@ -5265,7 +5264,7 @@
             <a:pPr rtl="0"/>
             <a:fld id="{BB2C03D1-57F6-4512-B0E7-E877B9DD54D7}" type="datetime1">
               <a:rPr lang="zh-TW" altLang="en-US" noProof="0" smtClean="0"/>
-              <a:t>2020/11/24</a:t>
+              <a:t>2020/11/25</a:t>
             </a:fld>
             <a:endParaRPr lang="zh-TW" altLang="en-US" noProof="0" dirty="0"/>
           </a:p>
@@ -5412,7 +5411,7 @@
             <a:pPr rtl="0"/>
             <a:fld id="{6F1BEF13-8B6E-402B-AD57-044C9022E01B}" type="datetime1">
               <a:rPr lang="zh-TW" altLang="en-US" noProof="0" smtClean="0"/>
-              <a:t>2020/11/24</a:t>
+              <a:t>2020/11/25</a:t>
             </a:fld>
             <a:endParaRPr lang="zh-TW" altLang="en-US" noProof="0" dirty="0"/>
           </a:p>
@@ -5535,7 +5534,7 @@
             <a:pPr rtl="0"/>
             <a:fld id="{786DD3D3-EA80-4C78-8F88-AB153A9EFE8F}" type="datetime1">
               <a:rPr lang="zh-TW" altLang="en-US" noProof="0" smtClean="0"/>
-              <a:t>2020/11/24</a:t>
+              <a:t>2020/11/25</a:t>
             </a:fld>
             <a:endParaRPr lang="zh-TW" altLang="en-US" noProof="0" dirty="0"/>
           </a:p>
@@ -5813,7 +5812,7 @@
             <a:pPr rtl="0"/>
             <a:fld id="{690EC74D-164A-4B44-AE4B-F4CF5F770953}" type="datetime1">
               <a:rPr lang="zh-TW" altLang="en-US" noProof="0" smtClean="0"/>
-              <a:t>2020/11/24</a:t>
+              <a:t>2020/11/25</a:t>
             </a:fld>
             <a:endParaRPr lang="zh-TW" altLang="en-US" noProof="0" dirty="0"/>
           </a:p>
@@ -6125,7 +6124,7 @@
             <a:pPr rtl="0"/>
             <a:fld id="{C3E4EAD1-F3D6-4B5B-BF18-BAB318D99FEC}" type="datetime1">
               <a:rPr lang="zh-TW" altLang="en-US" noProof="0" smtClean="0"/>
-              <a:t>2020/11/24</a:t>
+              <a:t>2020/11/25</a:t>
             </a:fld>
             <a:endParaRPr lang="zh-TW" altLang="en-US" noProof="0" dirty="0"/>
           </a:p>
@@ -6376,7 +6375,7 @@
           <a:p>
             <a:fld id="{DA4BB9F2-61FB-4780-88E3-BB8FD94F52A9}" type="datetime1">
               <a:rPr lang="zh-TW" altLang="en-US" noProof="0" smtClean="0"/>
-              <a:t>2020/11/24</a:t>
+              <a:t>2020/11/25</a:t>
             </a:fld>
             <a:endParaRPr lang="zh-TW" altLang="en-US" noProof="0" dirty="0"/>
           </a:p>
@@ -8650,10 +8649,10 @@
       </p:grpSpPr>
       <p:sp>
         <p:nvSpPr>
-          <p:cNvPr id="2" name="標題 1">
+          <p:cNvPr id="3" name="內容版面配置區 2">
             <a:extLst>
               <a:ext uri="{FF2B5EF4-FFF2-40B4-BE49-F238E27FC236}">
-                <a16:creationId xmlns:a16="http://schemas.microsoft.com/office/drawing/2014/main" id="{8544A860-7D68-469C-965A-36FD493D0DF3}"/>
+                <a16:creationId xmlns:a16="http://schemas.microsoft.com/office/drawing/2014/main" id="{CB684B64-28F6-47CE-9A5A-E3FECF3475EE}"/>
               </a:ext>
             </a:extLst>
           </p:cNvPr>
@@ -8661,901 +8660,371 @@
             <a:spLocks noGrp="1"/>
           </p:cNvSpPr>
           <p:nvPr>
-            <p:ph type="title"/>
-          </p:nvPr>
-        </p:nvSpPr>
-        <p:spPr>
-          <a:xfrm>
-            <a:off x="981799" y="131296"/>
-            <a:ext cx="10106733" cy="605984"/>
-          </a:xfrm>
-        </p:spPr>
-        <p:txBody>
-          <a:bodyPr/>
+            <p:ph sz="quarter" idx="13"/>
+          </p:nvPr>
+        </p:nvSpPr>
+        <p:spPr>
+          <a:xfrm>
+            <a:off x="913774" y="1630018"/>
+            <a:ext cx="10363826" cy="4161182"/>
+          </a:xfrm>
+        </p:spPr>
+        <p:txBody>
+          <a:bodyPr>
+            <a:normAutofit fontScale="92500" lnSpcReduction="10000"/>
+          </a:bodyPr>
           <a:lstStyle/>
           <a:p>
-            <a:r>
-              <a:rPr lang="zh-TW" altLang="en-US" dirty="0"/>
-              <a:t>專案分析</a:t>
-            </a:r>
-            <a:r>
-              <a:rPr lang="en-US" altLang="zh-TW" dirty="0"/>
-              <a:t>-</a:t>
-            </a:r>
-            <a:r>
-              <a:rPr lang="zh-TW" altLang="en-US" dirty="0"/>
-              <a:t>基本遊戲分析</a:t>
-            </a:r>
-          </a:p>
-        </p:txBody>
-      </p:sp>
-      <mc:AlternateContent xmlns:mc="http://schemas.openxmlformats.org/markup-compatibility/2006" xmlns:a14="http://schemas.microsoft.com/office/drawing/2010/main">
-        <mc:Choice Requires="a14">
-          <p:sp>
-            <p:nvSpPr>
-              <p:cNvPr id="4" name="文字方塊 3">
-                <a:extLst>
-                  <a:ext uri="{FF2B5EF4-FFF2-40B4-BE49-F238E27FC236}">
-                    <a16:creationId xmlns:a16="http://schemas.microsoft.com/office/drawing/2014/main" id="{9E6C36E6-CF15-4D83-92CA-89166D71208E}"/>
-                  </a:ext>
-                </a:extLst>
-              </p:cNvPr>
-              <p:cNvSpPr txBox="1"/>
-              <p:nvPr/>
-            </p:nvSpPr>
-            <p:spPr>
-              <a:xfrm>
-                <a:off x="7620367" y="1058778"/>
-                <a:ext cx="3480769" cy="4524315"/>
-              </a:xfrm>
-              <a:prstGeom prst="rect">
-                <a:avLst/>
-              </a:prstGeom>
-              <a:noFill/>
-            </p:spPr>
-            <p:txBody>
-              <a:bodyPr wrap="square" rtlCol="0">
-                <a:spAutoFit/>
-              </a:bodyPr>
-              <a:lstStyle/>
-              <a:p>
-                <a:pPr marL="285750" indent="-285750">
-                  <a:buFont typeface="Arial" panose="020B0604020202020204" pitchFamily="34" charset="0"/>
-                  <a:buChar char="•"/>
-                </a:pPr>
-                <a:r>
-                  <a:rPr lang="zh-TW" altLang="en-US" dirty="0"/>
-                  <a:t>遊戲規則</a:t>
-                </a:r>
-                <a:r>
-                  <a:rPr lang="en-US" altLang="zh-TW" dirty="0"/>
-                  <a:t>:</a:t>
-                </a:r>
-              </a:p>
-              <a:p>
-                <a:pPr lvl="1"/>
-                <a:r>
-                  <a:rPr lang="zh-TW" altLang="en-US" dirty="0"/>
-                  <a:t>發球為</a:t>
-                </a:r>
-                <a:r>
-                  <a:rPr lang="en-US" altLang="zh-TW" dirty="0"/>
-                  <a:t>1P</a:t>
-                </a:r>
-                <a:r>
-                  <a:rPr lang="zh-TW" altLang="en-US" dirty="0"/>
-                  <a:t>往</a:t>
-                </a:r>
-                <a:r>
-                  <a:rPr lang="en-US" altLang="zh-TW" dirty="0"/>
-                  <a:t>2P</a:t>
-                </a:r>
-                <a:r>
-                  <a:rPr lang="zh-TW" altLang="en-US" dirty="0"/>
-                  <a:t>移動，球若撞擊到邊界或平板則會反彈，若球移動到</a:t>
-                </a:r>
-                <a:r>
-                  <a:rPr lang="en-US" altLang="zh-TW" dirty="0"/>
-                  <a:t>1P</a:t>
-                </a:r>
-                <a:r>
-                  <a:rPr lang="zh-TW" altLang="en-US" dirty="0"/>
-                  <a:t>平板的後方，則判別</a:t>
-                </a:r>
-                <a:r>
-                  <a:rPr lang="en-US" altLang="zh-TW" dirty="0"/>
-                  <a:t>2P</a:t>
-                </a:r>
-                <a:r>
-                  <a:rPr lang="zh-TW" altLang="en-US" dirty="0"/>
-                  <a:t>得分，反之亦然。</a:t>
-                </a:r>
-                <a:endParaRPr lang="en-US" altLang="zh-TW" dirty="0"/>
-              </a:p>
-              <a:p>
-                <a:pPr lvl="1"/>
-                <a:endParaRPr lang="en-US" altLang="zh-TW" dirty="0"/>
-              </a:p>
-              <a:p>
-                <a:pPr marL="285750" indent="-285750">
-                  <a:buFont typeface="Arial" panose="020B0604020202020204" pitchFamily="34" charset="0"/>
-                  <a:buChar char="•"/>
-                </a:pPr>
-                <a:r>
-                  <a:rPr lang="zh-TW" altLang="en-US" dirty="0"/>
-                  <a:t>物件大小</a:t>
-                </a:r>
-                <a:r>
-                  <a:rPr lang="en-US" altLang="zh-TW" dirty="0"/>
-                  <a:t>:</a:t>
-                </a:r>
-              </a:p>
-              <a:p>
-                <a:pPr lvl="1"/>
-                <a:r>
-                  <a:rPr lang="zh-TW" altLang="en-US" dirty="0"/>
-                  <a:t>球</a:t>
-                </a:r>
-                <a:r>
-                  <a:rPr lang="en-US" altLang="zh-TW" dirty="0"/>
-                  <a:t>5x5</a:t>
-                </a:r>
-                <a:r>
-                  <a:rPr lang="zh-TW" altLang="en-US" dirty="0"/>
-                  <a:t>單位面積</a:t>
-                </a:r>
-                <a:endParaRPr lang="en-US" altLang="zh-TW" dirty="0"/>
-              </a:p>
-              <a:p>
-                <a:pPr lvl="1"/>
-                <a:r>
-                  <a:rPr lang="zh-TW" altLang="en-US" dirty="0"/>
-                  <a:t>平板</a:t>
-                </a:r>
-                <a:r>
-                  <a:rPr lang="en-US" altLang="zh-TW" dirty="0"/>
-                  <a:t>40x30</a:t>
-                </a:r>
-                <a:r>
-                  <a:rPr lang="zh-TW" altLang="en-US" dirty="0"/>
-                  <a:t>單位面積</a:t>
-                </a:r>
-                <a:endParaRPr lang="en-US" altLang="zh-TW" dirty="0"/>
-              </a:p>
-              <a:p>
-                <a:pPr lvl="1"/>
-                <a:r>
-                  <a:rPr lang="zh-TW" altLang="en-US" dirty="0"/>
-                  <a:t>場地</a:t>
-                </a:r>
-                <a:r>
-                  <a:rPr lang="en-US" altLang="zh-TW" dirty="0"/>
-                  <a:t>200x500</a:t>
-                </a:r>
-                <a:r>
-                  <a:rPr lang="zh-TW" altLang="en-US" dirty="0"/>
-                  <a:t>單位面積</a:t>
-                </a:r>
-                <a:endParaRPr lang="en-US" altLang="zh-TW" dirty="0"/>
-              </a:p>
-              <a:p>
-                <a:pPr lvl="1"/>
-                <a:endParaRPr lang="zh-TW" altLang="en-US" dirty="0"/>
-              </a:p>
-              <a:p>
-                <a:pPr marL="285750" indent="-285750">
-                  <a:buFont typeface="Arial" panose="020B0604020202020204" pitchFamily="34" charset="0"/>
-                  <a:buChar char="•"/>
-                </a:pPr>
-                <a:r>
-                  <a:rPr lang="zh-TW" altLang="en-US" dirty="0"/>
-                  <a:t>變動係數</a:t>
-                </a:r>
-                <a:r>
-                  <a:rPr lang="en-US" altLang="zh-TW" dirty="0"/>
-                  <a:t>:</a:t>
-                </a:r>
-              </a:p>
-              <a:p>
-                <a:pPr lvl="1"/>
-                <a:r>
-                  <a:rPr lang="zh-TW" altLang="en-US" dirty="0"/>
-                  <a:t>球的初始速度為每</a:t>
-                </a:r>
-                <a:r>
-                  <a:rPr lang="en-US" altLang="zh-TW" dirty="0"/>
-                  <a:t>frame</a:t>
-                </a:r>
-                <a:r>
-                  <a:rPr lang="zh-TW" altLang="en-US" dirty="0"/>
-                  <a:t>移動</a:t>
-                </a:r>
-                <a:r>
-                  <a:rPr lang="en-US" altLang="zh-TW" dirty="0"/>
-                  <a:t>±7</a:t>
-                </a:r>
-                <a:r>
-                  <a:rPr lang="zh-TW" altLang="en-US" dirty="0"/>
-                  <a:t>單位，每過</a:t>
-                </a:r>
-                <a:r>
-                  <a:rPr lang="en-US" altLang="zh-TW" dirty="0"/>
-                  <a:t>200frames</a:t>
-                </a:r>
-                <a:r>
-                  <a:rPr lang="zh-TW" altLang="en-US" dirty="0"/>
-                  <a:t>則增加</a:t>
-                </a:r>
-                <a14:m>
-                  <m:oMath xmlns:m="http://schemas.openxmlformats.org/officeDocument/2006/math">
-                    <m:r>
-                      <a:rPr lang="en-US" altLang="zh-TW" i="1">
-                        <a:latin typeface="Cambria Math" panose="02040503050406030204" pitchFamily="18" charset="0"/>
-                      </a:rPr>
-                      <m:t>±</m:t>
-                    </m:r>
-                  </m:oMath>
-                </a14:m>
-                <a:r>
-                  <a:rPr lang="en-US" altLang="zh-TW" dirty="0"/>
-                  <a:t>1</a:t>
-                </a:r>
-                <a:r>
-                  <a:rPr lang="zh-TW" altLang="en-US" dirty="0"/>
-                  <a:t>，並無上限。</a:t>
-                </a:r>
-              </a:p>
-              <a:p>
-                <a:endParaRPr lang="zh-TW" altLang="en-US" dirty="0"/>
-              </a:p>
-            </p:txBody>
-          </p:sp>
-        </mc:Choice>
-        <mc:Fallback xmlns="">
-          <p:sp>
-            <p:nvSpPr>
-              <p:cNvPr id="4" name="文字方塊 3">
-                <a:extLst>
-                  <a:ext uri="{FF2B5EF4-FFF2-40B4-BE49-F238E27FC236}">
-                    <a16:creationId xmlns:a16="http://schemas.microsoft.com/office/drawing/2014/main" id="{9E6C36E6-CF15-4D83-92CA-89166D71208E}"/>
-                  </a:ext>
-                </a:extLst>
-              </p:cNvPr>
-              <p:cNvSpPr txBox="1">
-                <a:spLocks noRot="1" noChangeAspect="1" noMove="1" noResize="1" noEditPoints="1" noAdjustHandles="1" noChangeArrowheads="1" noChangeShapeType="1" noTextEdit="1"/>
-              </p:cNvSpPr>
-              <p:nvPr/>
-            </p:nvSpPr>
-            <p:spPr>
-              <a:xfrm>
-                <a:off x="7620367" y="1058778"/>
-                <a:ext cx="3480769" cy="4524315"/>
-              </a:xfrm>
-              <a:prstGeom prst="rect">
-                <a:avLst/>
-              </a:prstGeom>
-              <a:blipFill>
-                <a:blip r:embed="rId2"/>
-                <a:stretch>
-                  <a:fillRect l="-1051" t="-674" r="-1576"/>
-                </a:stretch>
-              </a:blipFill>
-            </p:spPr>
-            <p:txBody>
-              <a:bodyPr/>
-              <a:lstStyle/>
-              <a:p>
-                <a:r>
-                  <a:rPr lang="zh-TW" altLang="en-US">
-                    <a:noFill/>
-                  </a:rPr>
-                  <a:t> </a:t>
-                </a:r>
-              </a:p>
-            </p:txBody>
-          </p:sp>
-        </mc:Fallback>
-      </mc:AlternateContent>
-      <p:pic>
-        <p:nvPicPr>
-          <p:cNvPr id="5" name="圖片 4">
+            <a:pPr marL="457200" indent="-457200">
+              <a:buFont typeface="Wingdings" panose="05000000000000000000" pitchFamily="2" charset="2"/>
+              <a:buChar char="l"/>
+            </a:pPr>
+            <a:r>
+              <a:rPr lang="zh-TW" altLang="en-US" sz="2000" dirty="0">
+                <a:solidFill>
+                  <a:schemeClr val="accent1">
+                    <a:lumMod val="75000"/>
+                  </a:schemeClr>
+                </a:solidFill>
+              </a:rPr>
+              <a:t>訓練</a:t>
+            </a:r>
+            <a:endParaRPr lang="en-US" altLang="zh-TW" sz="2000" dirty="0">
+              <a:solidFill>
+                <a:schemeClr val="accent1">
+                  <a:lumMod val="75000"/>
+                </a:schemeClr>
+              </a:solidFill>
+            </a:endParaRPr>
+          </a:p>
+          <a:p>
+            <a:pPr marL="0" indent="0">
+              <a:buNone/>
+            </a:pPr>
+            <a:r>
+              <a:rPr lang="zh-TW" altLang="en-US" sz="2000" dirty="0">
+                <a:solidFill>
+                  <a:schemeClr val="accent1">
+                    <a:lumMod val="75000"/>
+                  </a:schemeClr>
+                </a:solidFill>
+              </a:rPr>
+              <a:t>     </a:t>
+            </a:r>
+            <a:r>
+              <a:rPr lang="en-US" altLang="zh-TW" sz="2000" dirty="0">
+                <a:solidFill>
+                  <a:schemeClr val="accent1">
+                    <a:lumMod val="75000"/>
+                  </a:schemeClr>
+                </a:solidFill>
+              </a:rPr>
+              <a:t>1.</a:t>
+            </a:r>
+            <a:r>
+              <a:rPr lang="zh-TW" altLang="en-US" dirty="0">
+                <a:solidFill>
+                  <a:schemeClr val="accent1">
+                    <a:lumMod val="75000"/>
+                  </a:schemeClr>
+                </a:solidFill>
+              </a:rPr>
+              <a:t>擊球</a:t>
+            </a:r>
+            <a:r>
+              <a:rPr lang="zh-TW" altLang="en-US" sz="2000" dirty="0">
+                <a:solidFill>
+                  <a:schemeClr val="accent1">
+                    <a:lumMod val="75000"/>
+                  </a:schemeClr>
+                </a:solidFill>
+              </a:rPr>
+              <a:t>、接球訓練</a:t>
+            </a:r>
+            <a:endParaRPr lang="en-US" altLang="zh-TW" sz="2000" dirty="0">
+              <a:solidFill>
+                <a:schemeClr val="accent1">
+                  <a:lumMod val="75000"/>
+                </a:schemeClr>
+              </a:solidFill>
+            </a:endParaRPr>
+          </a:p>
+          <a:p>
+            <a:pPr marL="0" indent="0">
+              <a:buNone/>
+            </a:pPr>
+            <a:r>
+              <a:rPr lang="zh-TW" altLang="en-US" sz="2000" dirty="0">
+                <a:solidFill>
+                  <a:schemeClr val="accent1">
+                    <a:lumMod val="75000"/>
+                  </a:schemeClr>
+                </a:solidFill>
+              </a:rPr>
+              <a:t>     </a:t>
+            </a:r>
+            <a:endParaRPr lang="en-US" altLang="zh-TW" sz="2000" dirty="0">
+              <a:solidFill>
+                <a:schemeClr val="accent1">
+                  <a:lumMod val="75000"/>
+                </a:schemeClr>
+              </a:solidFill>
+            </a:endParaRPr>
+          </a:p>
+          <a:p>
+            <a:pPr marL="514350" indent="-514350">
+              <a:buFont typeface="Wingdings" panose="05000000000000000000" pitchFamily="2" charset="2"/>
+              <a:buChar char="l"/>
+            </a:pPr>
+            <a:r>
+              <a:rPr lang="zh-TW" altLang="en-US" sz="2000" dirty="0">
+                <a:solidFill>
+                  <a:schemeClr val="accent1">
+                    <a:lumMod val="75000"/>
+                  </a:schemeClr>
+                </a:solidFill>
+              </a:rPr>
+              <a:t>測試</a:t>
+            </a:r>
+            <a:endParaRPr lang="en-US" altLang="zh-TW" sz="2000" dirty="0">
+              <a:solidFill>
+                <a:schemeClr val="accent1">
+                  <a:lumMod val="75000"/>
+                </a:schemeClr>
+              </a:solidFill>
+            </a:endParaRPr>
+          </a:p>
+          <a:p>
+            <a:pPr marL="0" indent="0">
+              <a:buNone/>
+            </a:pPr>
+            <a:r>
+              <a:rPr lang="zh-TW" altLang="en-US" sz="2000" dirty="0">
+                <a:solidFill>
+                  <a:schemeClr val="accent1">
+                    <a:lumMod val="75000"/>
+                  </a:schemeClr>
+                </a:solidFill>
+              </a:rPr>
+              <a:t>      </a:t>
+            </a:r>
+            <a:r>
+              <a:rPr lang="en-US" altLang="zh-TW" sz="2000" dirty="0">
+                <a:solidFill>
+                  <a:schemeClr val="accent1">
+                    <a:lumMod val="75000"/>
+                  </a:schemeClr>
+                </a:solidFill>
+              </a:rPr>
+              <a:t>1.</a:t>
+            </a:r>
+            <a:r>
+              <a:rPr lang="zh-TW" altLang="en-US" sz="2000" dirty="0">
+                <a:solidFill>
+                  <a:schemeClr val="accent1">
+                    <a:lumMod val="75000"/>
+                  </a:schemeClr>
+                </a:solidFill>
+              </a:rPr>
+              <a:t>不同球速的測試</a:t>
+            </a:r>
+            <a:endParaRPr lang="en-US" altLang="zh-TW" sz="2000" dirty="0">
+              <a:solidFill>
+                <a:schemeClr val="accent1">
+                  <a:lumMod val="75000"/>
+                </a:schemeClr>
+              </a:solidFill>
+            </a:endParaRPr>
+          </a:p>
+          <a:p>
+            <a:pPr marL="0" indent="0">
+              <a:buNone/>
+            </a:pPr>
+            <a:r>
+              <a:rPr lang="zh-TW" altLang="en-US" sz="2000" dirty="0">
+                <a:solidFill>
+                  <a:schemeClr val="accent1">
+                    <a:lumMod val="75000"/>
+                  </a:schemeClr>
+                </a:solidFill>
+              </a:rPr>
+              <a:t>      </a:t>
+            </a:r>
+            <a:r>
+              <a:rPr lang="en-US" altLang="zh-TW" sz="2000" dirty="0">
+                <a:solidFill>
+                  <a:schemeClr val="accent1">
+                    <a:lumMod val="75000"/>
+                  </a:schemeClr>
+                </a:solidFill>
+              </a:rPr>
+              <a:t>2.</a:t>
+            </a:r>
+            <a:r>
+              <a:rPr lang="zh-TW" altLang="en-US" sz="2000" dirty="0">
+                <a:solidFill>
+                  <a:schemeClr val="accent1">
+                    <a:lumMod val="75000"/>
+                  </a:schemeClr>
+                </a:solidFill>
+              </a:rPr>
+              <a:t>利用不同的訓練模式互相對打 </a:t>
+            </a:r>
+            <a:r>
+              <a:rPr lang="en-US" altLang="zh-TW" sz="2000" dirty="0">
+                <a:solidFill>
+                  <a:schemeClr val="accent1">
+                    <a:lumMod val="75000"/>
+                  </a:schemeClr>
+                </a:solidFill>
+              </a:rPr>
+              <a:t>ex:P1_KNN, P2_SVM</a:t>
+            </a:r>
+          </a:p>
+          <a:p>
+            <a:endParaRPr lang="en-US" altLang="zh-TW" sz="2000" dirty="0">
+              <a:solidFill>
+                <a:schemeClr val="accent1">
+                  <a:lumMod val="75000"/>
+                </a:schemeClr>
+              </a:solidFill>
+            </a:endParaRPr>
+          </a:p>
+          <a:p>
+            <a:pPr marL="457200" indent="-457200">
+              <a:buFont typeface="Wingdings" panose="05000000000000000000" pitchFamily="2" charset="2"/>
+              <a:buChar char="l"/>
+            </a:pPr>
+            <a:r>
+              <a:rPr lang="zh-TW" altLang="en-US" sz="2000" dirty="0">
+                <a:solidFill>
+                  <a:schemeClr val="accent1">
+                    <a:lumMod val="75000"/>
+                  </a:schemeClr>
+                </a:solidFill>
+              </a:rPr>
+              <a:t>判斷</a:t>
+            </a:r>
+            <a:r>
+              <a:rPr lang="en-US" altLang="zh-TW" sz="2000" dirty="0">
+                <a:solidFill>
+                  <a:schemeClr val="accent1">
+                    <a:lumMod val="75000"/>
+                  </a:schemeClr>
+                </a:solidFill>
+              </a:rPr>
+              <a:t>/</a:t>
+            </a:r>
+            <a:r>
+              <a:rPr lang="zh-TW" altLang="en-US" sz="2000" dirty="0">
+                <a:solidFill>
+                  <a:schemeClr val="accent1">
+                    <a:lumMod val="75000"/>
+                  </a:schemeClr>
+                </a:solidFill>
+              </a:rPr>
+              <a:t>預測</a:t>
+            </a:r>
+            <a:endParaRPr lang="en-US" altLang="zh-TW" sz="2000" dirty="0">
+              <a:solidFill>
+                <a:schemeClr val="accent1">
+                  <a:lumMod val="75000"/>
+                </a:schemeClr>
+              </a:solidFill>
+            </a:endParaRPr>
+          </a:p>
+          <a:p>
+            <a:pPr marL="0" indent="0">
+              <a:buNone/>
+            </a:pPr>
+            <a:r>
+              <a:rPr lang="zh-TW" altLang="en-US" sz="2000" dirty="0">
+                <a:solidFill>
+                  <a:schemeClr val="accent1">
+                    <a:lumMod val="75000"/>
+                  </a:schemeClr>
+                </a:solidFill>
+              </a:rPr>
+              <a:t>      </a:t>
+            </a:r>
+            <a:r>
+              <a:rPr lang="en-US" altLang="zh-TW" sz="2000" dirty="0">
+                <a:solidFill>
+                  <a:schemeClr val="accent1">
+                    <a:lumMod val="75000"/>
+                  </a:schemeClr>
+                </a:solidFill>
+              </a:rPr>
+              <a:t>1.</a:t>
+            </a:r>
+            <a:r>
+              <a:rPr lang="zh-TW" altLang="en-US" sz="2000" dirty="0">
+                <a:solidFill>
+                  <a:schemeClr val="accent1">
+                    <a:lumMod val="75000"/>
+                  </a:schemeClr>
+                </a:solidFill>
+              </a:rPr>
+              <a:t>軌跡、速度、落點判斷</a:t>
+            </a:r>
+            <a:endParaRPr lang="en-US" altLang="zh-TW" sz="2000" dirty="0">
+              <a:solidFill>
+                <a:schemeClr val="accent1">
+                  <a:lumMod val="75000"/>
+                </a:schemeClr>
+              </a:solidFill>
+            </a:endParaRPr>
+          </a:p>
+          <a:p>
+            <a:endParaRPr lang="zh-TW" altLang="en-US" dirty="0"/>
+          </a:p>
+        </p:txBody>
+      </p:sp>
+      <p:sp>
+        <p:nvSpPr>
+          <p:cNvPr id="4" name="標題 1">
             <a:extLst>
               <a:ext uri="{FF2B5EF4-FFF2-40B4-BE49-F238E27FC236}">
-                <a16:creationId xmlns:a16="http://schemas.microsoft.com/office/drawing/2014/main" id="{36245EA3-7010-4A5B-878C-8F0FBE3A608D}"/>
+                <a16:creationId xmlns:a16="http://schemas.microsoft.com/office/drawing/2014/main" id="{33E556F8-B516-4B99-9131-FC56DD848B45}"/>
               </a:ext>
             </a:extLst>
           </p:cNvPr>
-          <p:cNvPicPr>
-            <a:picLocks noChangeAspect="1"/>
-          </p:cNvPicPr>
-          <p:nvPr/>
-        </p:nvPicPr>
-        <p:blipFill>
-          <a:blip r:embed="rId3">
-            <a:extLst>
-              <a:ext uri="{28A0092B-C50C-407E-A947-70E740481C1C}">
-                <a14:useLocalDpi xmlns:a14="http://schemas.microsoft.com/office/drawing/2010/main" val="0"/>
-              </a:ext>
-            </a:extLst>
-          </a:blip>
-          <a:stretch>
-            <a:fillRect/>
-          </a:stretch>
-        </p:blipFill>
-        <p:spPr>
-          <a:xfrm>
-            <a:off x="2575893" y="891320"/>
-            <a:ext cx="1920406" cy="5075360"/>
-          </a:xfrm>
-          <a:prstGeom prst="rect">
-            <a:avLst/>
-          </a:prstGeom>
-        </p:spPr>
-      </p:pic>
-      <p:sp>
-        <p:nvSpPr>
-          <p:cNvPr id="6" name="右大括弧 5">
-            <a:extLst>
-              <a:ext uri="{FF2B5EF4-FFF2-40B4-BE49-F238E27FC236}">
-                <a16:creationId xmlns:a16="http://schemas.microsoft.com/office/drawing/2014/main" id="{EF187D76-84DE-475D-8124-60F284656061}"/>
-              </a:ext>
-            </a:extLst>
-          </p:cNvPr>
-          <p:cNvSpPr/>
-          <p:nvPr/>
-        </p:nvSpPr>
-        <p:spPr>
-          <a:xfrm>
-            <a:off x="4660233" y="1259304"/>
-            <a:ext cx="152400" cy="4707375"/>
-          </a:xfrm>
-          <a:prstGeom prst="rightBrace">
-            <a:avLst/>
-          </a:prstGeom>
-          <a:ln w="38100"/>
-        </p:spPr>
-        <p:style>
-          <a:lnRef idx="1">
-            <a:schemeClr val="accent1"/>
-          </a:lnRef>
-          <a:fillRef idx="0">
-            <a:schemeClr val="accent1"/>
-          </a:fillRef>
-          <a:effectRef idx="0">
-            <a:schemeClr val="accent1"/>
-          </a:effectRef>
-          <a:fontRef idx="minor">
-            <a:schemeClr val="tx1"/>
-          </a:fontRef>
-        </p:style>
-        <p:txBody>
-          <a:bodyPr rtlCol="0" anchor="ctr"/>
+          <p:cNvSpPr>
+            <a:spLocks noGrp="1"/>
+          </p:cNvSpPr>
+          <p:nvPr>
+            <p:ph type="title"/>
+          </p:nvPr>
+        </p:nvSpPr>
+        <p:spPr>
+          <a:xfrm>
+            <a:off x="913774" y="592471"/>
+            <a:ext cx="10106733" cy="605984"/>
+          </a:xfrm>
+        </p:spPr>
+        <p:txBody>
+          <a:bodyPr/>
           <a:lstStyle/>
           <a:p>
-            <a:pPr algn="ctr"/>
-            <a:endParaRPr lang="zh-TW" altLang="en-US"/>
-          </a:p>
-        </p:txBody>
-      </p:sp>
-      <p:sp>
-        <p:nvSpPr>
-          <p:cNvPr id="7" name="文字方塊 6">
-            <a:extLst>
-              <a:ext uri="{FF2B5EF4-FFF2-40B4-BE49-F238E27FC236}">
-                <a16:creationId xmlns:a16="http://schemas.microsoft.com/office/drawing/2014/main" id="{BA1FFCD8-4CF6-4C53-BA16-4BFBE7D4EF39}"/>
-              </a:ext>
-            </a:extLst>
-          </p:cNvPr>
-          <p:cNvSpPr txBox="1"/>
-          <p:nvPr/>
-        </p:nvSpPr>
-        <p:spPr>
-          <a:xfrm>
-            <a:off x="5095979" y="3429000"/>
-            <a:ext cx="2569934" cy="369332"/>
-          </a:xfrm>
-          <a:prstGeom prst="rect">
-            <a:avLst/>
-          </a:prstGeom>
-          <a:noFill/>
-        </p:spPr>
-        <p:txBody>
-          <a:bodyPr wrap="none" rtlCol="0">
-            <a:spAutoFit/>
-          </a:bodyPr>
-          <a:lstStyle/>
-          <a:p>
+            <a:r>
+              <a:rPr lang="zh-TW" altLang="en-US" dirty="0"/>
+              <a:t>專案分析</a:t>
+            </a:r>
             <a:r>
               <a:rPr lang="en-US" altLang="zh-TW" dirty="0"/>
-              <a:t>Y</a:t>
+              <a:t>-</a:t>
             </a:r>
             <a:r>
               <a:rPr lang="zh-TW" altLang="en-US" dirty="0"/>
-              <a:t>軸長度為</a:t>
-            </a:r>
-            <a:r>
-              <a:rPr lang="en-US" altLang="zh-TW" dirty="0"/>
-              <a:t>500</a:t>
-            </a:r>
-            <a:r>
-              <a:rPr lang="zh-TW" altLang="en-US" dirty="0"/>
-              <a:t>單位長度</a:t>
-            </a:r>
-          </a:p>
-        </p:txBody>
-      </p:sp>
-      <p:sp>
-        <p:nvSpPr>
-          <p:cNvPr id="8" name="文字方塊 7">
-            <a:extLst>
-              <a:ext uri="{FF2B5EF4-FFF2-40B4-BE49-F238E27FC236}">
-                <a16:creationId xmlns:a16="http://schemas.microsoft.com/office/drawing/2014/main" id="{05217115-3445-49CE-AE75-C272E73881A7}"/>
-              </a:ext>
-            </a:extLst>
-          </p:cNvPr>
-          <p:cNvSpPr txBox="1"/>
-          <p:nvPr/>
-        </p:nvSpPr>
-        <p:spPr>
-          <a:xfrm>
-            <a:off x="2329122" y="6439772"/>
-            <a:ext cx="2569934" cy="369332"/>
-          </a:xfrm>
-          <a:prstGeom prst="rect">
-            <a:avLst/>
-          </a:prstGeom>
-          <a:noFill/>
-        </p:spPr>
-        <p:txBody>
-          <a:bodyPr wrap="none" rtlCol="0">
-            <a:spAutoFit/>
-          </a:bodyPr>
-          <a:lstStyle/>
-          <a:p>
-            <a:r>
-              <a:rPr lang="en-US" altLang="zh-TW" dirty="0"/>
-              <a:t>X</a:t>
-            </a:r>
-            <a:r>
-              <a:rPr lang="zh-TW" altLang="en-US" dirty="0"/>
-              <a:t>軸長度為</a:t>
-            </a:r>
-            <a:r>
-              <a:rPr lang="en-US" altLang="zh-TW" dirty="0"/>
-              <a:t>200</a:t>
-            </a:r>
-            <a:r>
-              <a:rPr lang="zh-TW" altLang="en-US" dirty="0"/>
-              <a:t>單位長度</a:t>
-            </a:r>
-          </a:p>
-        </p:txBody>
-      </p:sp>
-      <p:sp>
-        <p:nvSpPr>
-          <p:cNvPr id="9" name="左大括弧 8">
-            <a:extLst>
-              <a:ext uri="{FF2B5EF4-FFF2-40B4-BE49-F238E27FC236}">
-                <a16:creationId xmlns:a16="http://schemas.microsoft.com/office/drawing/2014/main" id="{648C74FB-AE97-4346-8AC0-7B1F16166A92}"/>
-              </a:ext>
-            </a:extLst>
-          </p:cNvPr>
-          <p:cNvSpPr/>
-          <p:nvPr/>
-        </p:nvSpPr>
-        <p:spPr>
-          <a:xfrm rot="16200000">
-            <a:off x="3390284" y="5203742"/>
-            <a:ext cx="291624" cy="1920406"/>
-          </a:xfrm>
-          <a:prstGeom prst="leftBrace">
-            <a:avLst/>
-          </a:prstGeom>
-          <a:ln w="38100">
-            <a:solidFill>
-              <a:srgbClr val="DB465C"/>
-            </a:solidFill>
-          </a:ln>
-        </p:spPr>
-        <p:style>
-          <a:lnRef idx="1">
-            <a:schemeClr val="accent1"/>
-          </a:lnRef>
-          <a:fillRef idx="0">
-            <a:schemeClr val="accent1"/>
-          </a:fillRef>
-          <a:effectRef idx="0">
-            <a:schemeClr val="accent1"/>
-          </a:effectRef>
-          <a:fontRef idx="minor">
-            <a:schemeClr val="tx1"/>
-          </a:fontRef>
-        </p:style>
-        <p:txBody>
-          <a:bodyPr rtlCol="0" anchor="ctr"/>
-          <a:lstStyle/>
-          <a:p>
-            <a:pPr algn="ctr"/>
-            <a:endParaRPr lang="zh-TW" altLang="en-US"/>
-          </a:p>
-        </p:txBody>
-      </p:sp>
-      <p:cxnSp>
-        <p:nvCxnSpPr>
-          <p:cNvPr id="10" name="直線單箭頭接點 9">
-            <a:extLst>
-              <a:ext uri="{FF2B5EF4-FFF2-40B4-BE49-F238E27FC236}">
-                <a16:creationId xmlns:a16="http://schemas.microsoft.com/office/drawing/2014/main" id="{64654B62-0584-40EE-A1A3-6C01A8F7F0D5}"/>
-              </a:ext>
-            </a:extLst>
-          </p:cNvPr>
-          <p:cNvCxnSpPr/>
-          <p:nvPr/>
-        </p:nvCxnSpPr>
-        <p:spPr>
-          <a:xfrm flipH="1">
-            <a:off x="1860884" y="1949116"/>
-            <a:ext cx="1106905" cy="360947"/>
-          </a:xfrm>
-          <a:prstGeom prst="straightConnector1">
-            <a:avLst/>
-          </a:prstGeom>
-          <a:ln w="38100">
-            <a:solidFill>
-              <a:schemeClr val="bg1">
-                <a:lumMod val="95000"/>
-              </a:schemeClr>
-            </a:solidFill>
-            <a:tailEnd type="triangle"/>
-          </a:ln>
-        </p:spPr>
-        <p:style>
-          <a:lnRef idx="1">
-            <a:schemeClr val="accent1"/>
-          </a:lnRef>
-          <a:fillRef idx="0">
-            <a:schemeClr val="accent1"/>
-          </a:fillRef>
-          <a:effectRef idx="0">
-            <a:schemeClr val="accent1"/>
-          </a:effectRef>
-          <a:fontRef idx="minor">
-            <a:schemeClr val="tx1"/>
-          </a:fontRef>
-        </p:style>
-      </p:cxnSp>
-      <p:sp>
-        <p:nvSpPr>
-          <p:cNvPr id="11" name="文字方塊 10">
-            <a:extLst>
-              <a:ext uri="{FF2B5EF4-FFF2-40B4-BE49-F238E27FC236}">
-                <a16:creationId xmlns:a16="http://schemas.microsoft.com/office/drawing/2014/main" id="{3F3F9A51-9077-432B-B34E-6F655668964C}"/>
-              </a:ext>
-            </a:extLst>
-          </p:cNvPr>
-          <p:cNvSpPr txBox="1"/>
-          <p:nvPr/>
-        </p:nvSpPr>
-        <p:spPr>
-          <a:xfrm>
-            <a:off x="81553" y="2166774"/>
-            <a:ext cx="1800493" cy="646331"/>
-          </a:xfrm>
-          <a:prstGeom prst="rect">
-            <a:avLst/>
-          </a:prstGeom>
-          <a:noFill/>
-        </p:spPr>
-        <p:txBody>
-          <a:bodyPr wrap="none" rtlCol="0">
-            <a:spAutoFit/>
-          </a:bodyPr>
-          <a:lstStyle/>
-          <a:p>
-            <a:r>
-              <a:rPr lang="en-US" altLang="zh-TW" dirty="0"/>
-              <a:t>2P</a:t>
-            </a:r>
-            <a:r>
-              <a:rPr lang="zh-TW" altLang="en-US" dirty="0"/>
-              <a:t>平板</a:t>
-            </a:r>
-            <a:r>
-              <a:rPr lang="en-US" altLang="zh-TW" dirty="0"/>
-              <a:t>Y</a:t>
-            </a:r>
-            <a:r>
-              <a:rPr lang="zh-TW" altLang="en-US" dirty="0"/>
-              <a:t>座標</a:t>
-            </a:r>
-            <a:r>
-              <a:rPr lang="en-US" altLang="zh-TW" dirty="0"/>
-              <a:t>80</a:t>
-            </a:r>
-          </a:p>
-          <a:p>
-            <a:r>
-              <a:rPr lang="en-US" altLang="zh-TW" dirty="0"/>
-              <a:t>(</a:t>
-            </a:r>
-            <a:r>
-              <a:rPr lang="zh-TW" altLang="en-US" dirty="0"/>
-              <a:t>擊球面座標</a:t>
-            </a:r>
-            <a:r>
-              <a:rPr lang="en-US" altLang="zh-TW" dirty="0"/>
-              <a:t>)</a:t>
-            </a:r>
-            <a:r>
-              <a:rPr lang="zh-TW" altLang="en-US" dirty="0"/>
-              <a:t> </a:t>
-            </a:r>
-          </a:p>
-        </p:txBody>
-      </p:sp>
-      <p:cxnSp>
-        <p:nvCxnSpPr>
-          <p:cNvPr id="12" name="直線單箭頭接點 11">
-            <a:extLst>
-              <a:ext uri="{FF2B5EF4-FFF2-40B4-BE49-F238E27FC236}">
-                <a16:creationId xmlns:a16="http://schemas.microsoft.com/office/drawing/2014/main" id="{3832BD37-B138-4B67-891A-94FF0DB187C5}"/>
-              </a:ext>
-            </a:extLst>
-          </p:cNvPr>
-          <p:cNvCxnSpPr>
-            <a:cxnSpLocks/>
-          </p:cNvCxnSpPr>
-          <p:nvPr/>
-        </p:nvCxnSpPr>
-        <p:spPr>
-          <a:xfrm flipH="1" flipV="1">
-            <a:off x="1999027" y="4749489"/>
-            <a:ext cx="1106553" cy="480239"/>
-          </a:xfrm>
-          <a:prstGeom prst="straightConnector1">
-            <a:avLst/>
-          </a:prstGeom>
-          <a:ln w="38100">
-            <a:solidFill>
-              <a:schemeClr val="bg1">
-                <a:lumMod val="95000"/>
-              </a:schemeClr>
-            </a:solidFill>
-            <a:tailEnd type="triangle"/>
-          </a:ln>
-        </p:spPr>
-        <p:style>
-          <a:lnRef idx="1">
-            <a:schemeClr val="accent1"/>
-          </a:lnRef>
-          <a:fillRef idx="0">
-            <a:schemeClr val="accent1"/>
-          </a:fillRef>
-          <a:effectRef idx="0">
-            <a:schemeClr val="accent1"/>
-          </a:effectRef>
-          <a:fontRef idx="minor">
-            <a:schemeClr val="tx1"/>
-          </a:fontRef>
-        </p:style>
-      </p:cxnSp>
-      <p:sp>
-        <p:nvSpPr>
-          <p:cNvPr id="13" name="文字方塊 12">
-            <a:extLst>
-              <a:ext uri="{FF2B5EF4-FFF2-40B4-BE49-F238E27FC236}">
-                <a16:creationId xmlns:a16="http://schemas.microsoft.com/office/drawing/2014/main" id="{BB92BC7A-0324-4324-B8C5-A902B8319700}"/>
-              </a:ext>
-            </a:extLst>
-          </p:cNvPr>
-          <p:cNvSpPr txBox="1"/>
-          <p:nvPr/>
-        </p:nvSpPr>
-        <p:spPr>
-          <a:xfrm>
-            <a:off x="81553" y="4564823"/>
-            <a:ext cx="1928733" cy="646331"/>
-          </a:xfrm>
-          <a:prstGeom prst="rect">
-            <a:avLst/>
-          </a:prstGeom>
-          <a:noFill/>
-        </p:spPr>
-        <p:txBody>
-          <a:bodyPr wrap="none" rtlCol="0">
-            <a:spAutoFit/>
-          </a:bodyPr>
-          <a:lstStyle/>
-          <a:p>
-            <a:r>
-              <a:rPr lang="en-US" altLang="zh-TW" dirty="0"/>
-              <a:t>1P</a:t>
-            </a:r>
-            <a:r>
-              <a:rPr lang="zh-TW" altLang="en-US" dirty="0"/>
-              <a:t>平板</a:t>
-            </a:r>
-            <a:r>
-              <a:rPr lang="en-US" altLang="zh-TW" dirty="0"/>
-              <a:t>Y</a:t>
-            </a:r>
-            <a:r>
-              <a:rPr lang="zh-TW" altLang="en-US" dirty="0"/>
-              <a:t>座標</a:t>
-            </a:r>
-            <a:r>
-              <a:rPr lang="en-US" altLang="zh-TW" dirty="0"/>
-              <a:t>420</a:t>
-            </a:r>
-          </a:p>
-          <a:p>
-            <a:r>
-              <a:rPr lang="en-US" altLang="zh-TW" dirty="0"/>
-              <a:t>(</a:t>
-            </a:r>
-            <a:r>
-              <a:rPr lang="zh-TW" altLang="en-US" dirty="0"/>
-              <a:t>擊球面座標</a:t>
-            </a:r>
-            <a:r>
-              <a:rPr lang="en-US" altLang="zh-TW" dirty="0"/>
-              <a:t>)</a:t>
-            </a:r>
-            <a:r>
-              <a:rPr lang="zh-TW" altLang="en-US" dirty="0"/>
-              <a:t>  </a:t>
-            </a:r>
-          </a:p>
-        </p:txBody>
-      </p:sp>
-      <p:sp>
-        <p:nvSpPr>
-          <p:cNvPr id="14" name="文字方塊 13">
-            <a:extLst>
-              <a:ext uri="{FF2B5EF4-FFF2-40B4-BE49-F238E27FC236}">
-                <a16:creationId xmlns:a16="http://schemas.microsoft.com/office/drawing/2014/main" id="{58E442D1-8E70-49EF-8B71-3DFC2E2B918B}"/>
-              </a:ext>
-            </a:extLst>
-          </p:cNvPr>
-          <p:cNvSpPr txBox="1"/>
-          <p:nvPr/>
-        </p:nvSpPr>
-        <p:spPr>
-          <a:xfrm>
-            <a:off x="4707933" y="1074638"/>
-            <a:ext cx="312906" cy="369332"/>
-          </a:xfrm>
-          <a:prstGeom prst="rect">
-            <a:avLst/>
-          </a:prstGeom>
-          <a:noFill/>
-        </p:spPr>
-        <p:txBody>
-          <a:bodyPr wrap="none" rtlCol="0">
-            <a:spAutoFit/>
-          </a:bodyPr>
-          <a:lstStyle/>
-          <a:p>
-            <a:r>
-              <a:rPr lang="en-US" altLang="zh-TW" dirty="0"/>
-              <a:t>0</a:t>
-            </a:r>
-            <a:endParaRPr lang="zh-TW" altLang="en-US" dirty="0"/>
-          </a:p>
-        </p:txBody>
-      </p:sp>
-      <p:sp>
-        <p:nvSpPr>
-          <p:cNvPr id="15" name="文字方塊 14">
-            <a:extLst>
-              <a:ext uri="{FF2B5EF4-FFF2-40B4-BE49-F238E27FC236}">
-                <a16:creationId xmlns:a16="http://schemas.microsoft.com/office/drawing/2014/main" id="{6ECF2BE6-DC39-413F-B753-55F81CFD1DDB}"/>
-              </a:ext>
-            </a:extLst>
-          </p:cNvPr>
-          <p:cNvSpPr txBox="1"/>
-          <p:nvPr/>
-        </p:nvSpPr>
-        <p:spPr>
-          <a:xfrm>
-            <a:off x="4736145" y="5727362"/>
-            <a:ext cx="569387" cy="369332"/>
-          </a:xfrm>
-          <a:prstGeom prst="rect">
-            <a:avLst/>
-          </a:prstGeom>
-          <a:noFill/>
-        </p:spPr>
-        <p:txBody>
-          <a:bodyPr wrap="none" rtlCol="0">
-            <a:spAutoFit/>
-          </a:bodyPr>
-          <a:lstStyle/>
-          <a:p>
-            <a:r>
-              <a:rPr lang="en-US" altLang="zh-TW" dirty="0"/>
-              <a:t>500</a:t>
-            </a:r>
-            <a:endParaRPr lang="zh-TW" altLang="en-US" dirty="0"/>
-          </a:p>
-        </p:txBody>
-      </p:sp>
-      <p:sp>
-        <p:nvSpPr>
-          <p:cNvPr id="16" name="文字方塊 15">
-            <a:extLst>
-              <a:ext uri="{FF2B5EF4-FFF2-40B4-BE49-F238E27FC236}">
-                <a16:creationId xmlns:a16="http://schemas.microsoft.com/office/drawing/2014/main" id="{82A5ADF6-C1DB-48A0-B082-DDD7C940C8FD}"/>
-              </a:ext>
-            </a:extLst>
-          </p:cNvPr>
-          <p:cNvSpPr txBox="1"/>
-          <p:nvPr/>
-        </p:nvSpPr>
-        <p:spPr>
-          <a:xfrm>
-            <a:off x="2424968" y="6131692"/>
-            <a:ext cx="312906" cy="369332"/>
-          </a:xfrm>
-          <a:prstGeom prst="rect">
-            <a:avLst/>
-          </a:prstGeom>
-          <a:noFill/>
-        </p:spPr>
-        <p:txBody>
-          <a:bodyPr wrap="none" rtlCol="0">
-            <a:spAutoFit/>
-          </a:bodyPr>
-          <a:lstStyle/>
-          <a:p>
-            <a:r>
-              <a:rPr lang="en-US" altLang="zh-TW" dirty="0"/>
-              <a:t>0</a:t>
-            </a:r>
-            <a:endParaRPr lang="zh-TW" altLang="en-US" dirty="0"/>
-          </a:p>
-        </p:txBody>
-      </p:sp>
-      <p:sp>
-        <p:nvSpPr>
-          <p:cNvPr id="17" name="文字方塊 16">
-            <a:extLst>
-              <a:ext uri="{FF2B5EF4-FFF2-40B4-BE49-F238E27FC236}">
-                <a16:creationId xmlns:a16="http://schemas.microsoft.com/office/drawing/2014/main" id="{A80276EA-D49C-42DC-9710-9DD989B51596}"/>
-              </a:ext>
-            </a:extLst>
-          </p:cNvPr>
-          <p:cNvSpPr txBox="1"/>
-          <p:nvPr/>
-        </p:nvSpPr>
-        <p:spPr>
-          <a:xfrm>
-            <a:off x="4303316" y="6149539"/>
-            <a:ext cx="569387" cy="369332"/>
-          </a:xfrm>
-          <a:prstGeom prst="rect">
-            <a:avLst/>
-          </a:prstGeom>
-          <a:noFill/>
-        </p:spPr>
-        <p:txBody>
-          <a:bodyPr wrap="none" rtlCol="0">
-            <a:spAutoFit/>
-          </a:bodyPr>
-          <a:lstStyle/>
-          <a:p>
-            <a:r>
-              <a:rPr lang="en-US" altLang="zh-TW" dirty="0"/>
-              <a:t>200</a:t>
-            </a:r>
-            <a:endParaRPr lang="zh-TW" altLang="en-US" dirty="0"/>
+              <a:t>需求分析</a:t>
+            </a:r>
           </a:p>
         </p:txBody>
       </p:sp>
     </p:spTree>
     <p:extLst>
       <p:ext uri="{BB962C8B-B14F-4D97-AF65-F5344CB8AC3E}">
-        <p14:creationId xmlns:p14="http://schemas.microsoft.com/office/powerpoint/2010/main" val="888858479"/>
+        <p14:creationId xmlns:p14="http://schemas.microsoft.com/office/powerpoint/2010/main" val="3737868125"/>
       </p:ext>
     </p:extLst>
   </p:cSld>
@@ -9584,240 +9053,10 @@
       </p:grpSpPr>
       <p:sp>
         <p:nvSpPr>
-          <p:cNvPr id="3" name="內容版面配置區 2">
+          <p:cNvPr id="4" name="矩形: 圓角 3">
             <a:extLst>
               <a:ext uri="{FF2B5EF4-FFF2-40B4-BE49-F238E27FC236}">
-                <a16:creationId xmlns:a16="http://schemas.microsoft.com/office/drawing/2014/main" id="{3BD483F1-7887-4C2D-AECD-D3682F539DC0}"/>
-              </a:ext>
-            </a:extLst>
-          </p:cNvPr>
-          <p:cNvSpPr>
-            <a:spLocks noGrp="1"/>
-          </p:cNvSpPr>
-          <p:nvPr>
-            <p:ph sz="quarter" idx="13"/>
-          </p:nvPr>
-        </p:nvSpPr>
-        <p:spPr/>
-        <p:txBody>
-          <a:bodyPr/>
-          <a:lstStyle/>
-          <a:p>
-            <a:r>
-              <a:rPr lang="zh-TW" altLang="en-US" dirty="0">
-                <a:latin typeface="+mn-ea"/>
-                <a:ea typeface="+mn-ea"/>
-              </a:rPr>
-              <a:t>訓練</a:t>
-            </a:r>
-            <a:r>
-              <a:rPr lang="en-US" altLang="zh-TW" dirty="0">
-                <a:latin typeface="+mn-ea"/>
-                <a:ea typeface="+mn-ea"/>
-              </a:rPr>
-              <a:t>:</a:t>
-            </a:r>
-            <a:r>
-              <a:rPr lang="zh-TW" altLang="en-US" sz="2000" dirty="0">
-                <a:latin typeface="+mn-ea"/>
-                <a:ea typeface="+mn-ea"/>
-              </a:rPr>
-              <a:t>透過</a:t>
-            </a:r>
-            <a:r>
-              <a:rPr lang="en-US" altLang="zh-TW" sz="2000" dirty="0">
-                <a:latin typeface="+mn-ea"/>
-                <a:ea typeface="+mn-ea"/>
-              </a:rPr>
-              <a:t>Rule</a:t>
-            </a:r>
-            <a:r>
-              <a:rPr lang="zh-TW" altLang="en-US" sz="2000" dirty="0">
-                <a:latin typeface="+mn-ea"/>
-                <a:ea typeface="+mn-ea"/>
-              </a:rPr>
-              <a:t> </a:t>
-            </a:r>
-            <a:r>
-              <a:rPr lang="en-US" altLang="zh-TW" sz="2000" dirty="0">
-                <a:latin typeface="+mn-ea"/>
-                <a:ea typeface="+mn-ea"/>
-              </a:rPr>
-              <a:t>Base</a:t>
-            </a:r>
-            <a:r>
-              <a:rPr lang="zh-TW" altLang="en-US" sz="2000" dirty="0">
-                <a:latin typeface="+mn-ea"/>
-                <a:ea typeface="+mn-ea"/>
-              </a:rPr>
-              <a:t>產生的</a:t>
-            </a:r>
-            <a:r>
-              <a:rPr lang="en-US" altLang="zh-TW" sz="2000" dirty="0">
-                <a:latin typeface="+mn-ea"/>
-                <a:ea typeface="+mn-ea"/>
-              </a:rPr>
-              <a:t>Log</a:t>
-            </a:r>
-            <a:r>
-              <a:rPr lang="zh-TW" altLang="en-US" sz="2000" dirty="0">
-                <a:latin typeface="+mn-ea"/>
-                <a:ea typeface="+mn-ea"/>
-              </a:rPr>
-              <a:t>檔來產生訓練模型。</a:t>
-            </a:r>
-            <a:endParaRPr lang="en-US" altLang="zh-TW" sz="2000" dirty="0">
-              <a:latin typeface="+mn-ea"/>
-              <a:ea typeface="+mn-ea"/>
-            </a:endParaRPr>
-          </a:p>
-          <a:p>
-            <a:r>
-              <a:rPr lang="zh-TW" altLang="en-US" dirty="0">
-                <a:latin typeface="+mn-ea"/>
-                <a:ea typeface="+mn-ea"/>
-              </a:rPr>
-              <a:t>執行</a:t>
-            </a:r>
-            <a:r>
-              <a:rPr lang="en-US" altLang="zh-TW" dirty="0">
-                <a:latin typeface="+mn-ea"/>
-                <a:ea typeface="+mn-ea"/>
-              </a:rPr>
-              <a:t>:</a:t>
-            </a:r>
-            <a:r>
-              <a:rPr lang="zh-TW" altLang="en-US" dirty="0">
-                <a:latin typeface="+mn-ea"/>
-                <a:ea typeface="+mn-ea"/>
-              </a:rPr>
-              <a:t>讀取訓練完整的程式模型，依照模型來執行遊戲。</a:t>
-            </a:r>
-            <a:endParaRPr lang="en-US" altLang="zh-TW" dirty="0">
-              <a:latin typeface="+mn-ea"/>
-              <a:ea typeface="+mn-ea"/>
-            </a:endParaRPr>
-          </a:p>
-        </p:txBody>
-      </p:sp>
-      <p:sp>
-        <p:nvSpPr>
-          <p:cNvPr id="4" name="標題 1">
-            <a:extLst>
-              <a:ext uri="{FF2B5EF4-FFF2-40B4-BE49-F238E27FC236}">
-                <a16:creationId xmlns:a16="http://schemas.microsoft.com/office/drawing/2014/main" id="{D7213B5B-16D4-401B-9532-1CCC4071532E}"/>
-              </a:ext>
-            </a:extLst>
-          </p:cNvPr>
-          <p:cNvSpPr>
-            <a:spLocks noGrp="1"/>
-          </p:cNvSpPr>
-          <p:nvPr>
-            <p:ph type="title"/>
-          </p:nvPr>
-        </p:nvSpPr>
-        <p:spPr>
-          <a:xfrm>
-            <a:off x="913774" y="592471"/>
-            <a:ext cx="10106733" cy="605984"/>
-          </a:xfrm>
-        </p:spPr>
-        <p:txBody>
-          <a:bodyPr/>
-          <a:lstStyle/>
-          <a:p>
-            <a:r>
-              <a:rPr lang="zh-TW" altLang="en-US" dirty="0"/>
-              <a:t>專案分析</a:t>
-            </a:r>
-            <a:r>
-              <a:rPr lang="en-US" altLang="zh-TW" dirty="0"/>
-              <a:t>-</a:t>
-            </a:r>
-            <a:r>
-              <a:rPr lang="zh-TW" altLang="en-US" dirty="0"/>
-              <a:t>功能分析</a:t>
-            </a:r>
-          </a:p>
-        </p:txBody>
-      </p:sp>
-    </p:spTree>
-    <p:extLst>
-      <p:ext uri="{BB962C8B-B14F-4D97-AF65-F5344CB8AC3E}">
-        <p14:creationId xmlns:p14="http://schemas.microsoft.com/office/powerpoint/2010/main" val="1712024699"/>
-      </p:ext>
-    </p:extLst>
-  </p:cSld>
-  <p:clrMapOvr>
-    <a:masterClrMapping/>
-  </p:clrMapOvr>
-</p:sld>
-</file>
-
-<file path=ppt/slides/slide7.xml><?xml version="1.0" encoding="utf-8"?>
-<p:sld xmlns:a="http://schemas.openxmlformats.org/drawingml/2006/main" xmlns:r="http://schemas.openxmlformats.org/officeDocument/2006/relationships" xmlns:p="http://schemas.openxmlformats.org/presentationml/2006/main">
-  <p:cSld>
-    <p:spTree>
-      <p:nvGrpSpPr>
-        <p:cNvPr id="1" name=""/>
-        <p:cNvGrpSpPr/>
-        <p:nvPr/>
-      </p:nvGrpSpPr>
-      <p:grpSpPr>
-        <a:xfrm>
-          <a:off x="0" y="0"/>
-          <a:ext cx="0" cy="0"/>
-          <a:chOff x="0" y="0"/>
-          <a:chExt cx="0" cy="0"/>
-        </a:xfrm>
-      </p:grpSpPr>
-      <p:sp>
-        <p:nvSpPr>
-          <p:cNvPr id="4" name="標題 1">
-            <a:extLst>
-              <a:ext uri="{FF2B5EF4-FFF2-40B4-BE49-F238E27FC236}">
-                <a16:creationId xmlns:a16="http://schemas.microsoft.com/office/drawing/2014/main" id="{AF9254AB-D8D6-4624-BDCF-23250BA0B5CD}"/>
-              </a:ext>
-            </a:extLst>
-          </p:cNvPr>
-          <p:cNvSpPr>
-            <a:spLocks noGrp="1"/>
-          </p:cNvSpPr>
-          <p:nvPr>
-            <p:ph type="title"/>
-          </p:nvPr>
-        </p:nvSpPr>
-        <p:spPr>
-          <a:xfrm>
-            <a:off x="981799" y="131296"/>
-            <a:ext cx="10106733" cy="605984"/>
-          </a:xfrm>
-        </p:spPr>
-        <p:txBody>
-          <a:bodyPr/>
-          <a:lstStyle/>
-          <a:p>
-            <a:r>
-              <a:rPr lang="zh-TW" altLang="en-US" dirty="0"/>
-              <a:t>專案分析</a:t>
-            </a:r>
-            <a:r>
-              <a:rPr lang="en-US" altLang="zh-TW" dirty="0"/>
-              <a:t>-</a:t>
-            </a:r>
-            <a:r>
-              <a:rPr lang="zh-TW" altLang="en-US" dirty="0"/>
-              <a:t>遊戲流程分析</a:t>
-            </a:r>
-          </a:p>
-        </p:txBody>
-      </p:sp>
-      <p:sp>
-        <p:nvSpPr>
-          <p:cNvPr id="5" name="矩形: 圓角 4">
-            <a:extLst>
-              <a:ext uri="{FF2B5EF4-FFF2-40B4-BE49-F238E27FC236}">
-                <a16:creationId xmlns:a16="http://schemas.microsoft.com/office/drawing/2014/main" id="{5F1B7FFA-B57E-4DDF-982E-18EF08CF0BFC}"/>
+                <a16:creationId xmlns:a16="http://schemas.microsoft.com/office/drawing/2014/main" id="{D86BF1EA-C9F9-4286-95C8-B5AAD87546B1}"/>
               </a:ext>
             </a:extLst>
           </p:cNvPr>
@@ -9826,12 +9065,15 @@
         </p:nvSpPr>
         <p:spPr>
           <a:xfrm>
-            <a:off x="1118070" y="1058456"/>
-            <a:ext cx="1431758" cy="527084"/>
+            <a:off x="5121442" y="1021696"/>
+            <a:ext cx="1949115" cy="697832"/>
           </a:xfrm>
           <a:prstGeom prst="roundRect">
             <a:avLst/>
           </a:prstGeom>
+          <a:solidFill>
+            <a:schemeClr val="accent4"/>
+          </a:solidFill>
         </p:spPr>
         <p:style>
           <a:lnRef idx="2">
@@ -9851,25 +9093,116 @@
         </p:style>
         <p:txBody>
           <a:bodyPr rtlCol="0" anchor="ctr"/>
-          <a:lstStyle/>
+          <a:lstStyle>
+            <a:defPPr>
+              <a:defRPr lang="en-US"/>
+            </a:defPPr>
+            <a:lvl1pPr marL="0" algn="l" defTabSz="457200" rtl="0" eaLnBrk="1" latinLnBrk="0" hangingPunct="1">
+              <a:defRPr sz="1800" kern="1200">
+                <a:solidFill>
+                  <a:schemeClr val="lt1"/>
+                </a:solidFill>
+                <a:latin typeface="+mn-lt"/>
+                <a:ea typeface="+mn-ea"/>
+                <a:cs typeface="+mn-cs"/>
+              </a:defRPr>
+            </a:lvl1pPr>
+            <a:lvl2pPr marL="457200" algn="l" defTabSz="457200" rtl="0" eaLnBrk="1" latinLnBrk="0" hangingPunct="1">
+              <a:defRPr sz="1800" kern="1200">
+                <a:solidFill>
+                  <a:schemeClr val="lt1"/>
+                </a:solidFill>
+                <a:latin typeface="+mn-lt"/>
+                <a:ea typeface="+mn-ea"/>
+                <a:cs typeface="+mn-cs"/>
+              </a:defRPr>
+            </a:lvl2pPr>
+            <a:lvl3pPr marL="914400" algn="l" defTabSz="457200" rtl="0" eaLnBrk="1" latinLnBrk="0" hangingPunct="1">
+              <a:defRPr sz="1800" kern="1200">
+                <a:solidFill>
+                  <a:schemeClr val="lt1"/>
+                </a:solidFill>
+                <a:latin typeface="+mn-lt"/>
+                <a:ea typeface="+mn-ea"/>
+                <a:cs typeface="+mn-cs"/>
+              </a:defRPr>
+            </a:lvl3pPr>
+            <a:lvl4pPr marL="1371600" algn="l" defTabSz="457200" rtl="0" eaLnBrk="1" latinLnBrk="0" hangingPunct="1">
+              <a:defRPr sz="1800" kern="1200">
+                <a:solidFill>
+                  <a:schemeClr val="lt1"/>
+                </a:solidFill>
+                <a:latin typeface="+mn-lt"/>
+                <a:ea typeface="+mn-ea"/>
+                <a:cs typeface="+mn-cs"/>
+              </a:defRPr>
+            </a:lvl4pPr>
+            <a:lvl5pPr marL="1828800" algn="l" defTabSz="457200" rtl="0" eaLnBrk="1" latinLnBrk="0" hangingPunct="1">
+              <a:defRPr sz="1800" kern="1200">
+                <a:solidFill>
+                  <a:schemeClr val="lt1"/>
+                </a:solidFill>
+                <a:latin typeface="+mn-lt"/>
+                <a:ea typeface="+mn-ea"/>
+                <a:cs typeface="+mn-cs"/>
+              </a:defRPr>
+            </a:lvl5pPr>
+            <a:lvl6pPr marL="2286000" algn="l" defTabSz="457200" rtl="0" eaLnBrk="1" latinLnBrk="0" hangingPunct="1">
+              <a:defRPr sz="1800" kern="1200">
+                <a:solidFill>
+                  <a:schemeClr val="lt1"/>
+                </a:solidFill>
+                <a:latin typeface="+mn-lt"/>
+                <a:ea typeface="+mn-ea"/>
+                <a:cs typeface="+mn-cs"/>
+              </a:defRPr>
+            </a:lvl6pPr>
+            <a:lvl7pPr marL="2743200" algn="l" defTabSz="457200" rtl="0" eaLnBrk="1" latinLnBrk="0" hangingPunct="1">
+              <a:defRPr sz="1800" kern="1200">
+                <a:solidFill>
+                  <a:schemeClr val="lt1"/>
+                </a:solidFill>
+                <a:latin typeface="+mn-lt"/>
+                <a:ea typeface="+mn-ea"/>
+                <a:cs typeface="+mn-cs"/>
+              </a:defRPr>
+            </a:lvl7pPr>
+            <a:lvl8pPr marL="3200400" algn="l" defTabSz="457200" rtl="0" eaLnBrk="1" latinLnBrk="0" hangingPunct="1">
+              <a:defRPr sz="1800" kern="1200">
+                <a:solidFill>
+                  <a:schemeClr val="lt1"/>
+                </a:solidFill>
+                <a:latin typeface="+mn-lt"/>
+                <a:ea typeface="+mn-ea"/>
+                <a:cs typeface="+mn-cs"/>
+              </a:defRPr>
+            </a:lvl8pPr>
+            <a:lvl9pPr marL="3657600" algn="l" defTabSz="457200" rtl="0" eaLnBrk="1" latinLnBrk="0" hangingPunct="1">
+              <a:defRPr sz="1800" kern="1200">
+                <a:solidFill>
+                  <a:schemeClr val="lt1"/>
+                </a:solidFill>
+                <a:latin typeface="+mn-lt"/>
+                <a:ea typeface="+mn-ea"/>
+                <a:cs typeface="+mn-cs"/>
+              </a:defRPr>
+            </a:lvl9pPr>
+          </a:lstStyle>
           <a:p>
             <a:pPr algn="ctr"/>
             <a:r>
-              <a:rPr lang="zh-TW" altLang="en-US" dirty="0">
-                <a:latin typeface="微軟正黑體" panose="020B0604030504040204" pitchFamily="34" charset="-120"/>
-                <a:ea typeface="微軟正黑體" panose="020B0604030504040204" pitchFamily="34" charset="-120"/>
-              </a:rPr>
-              <a:t>遊戲開始</a:t>
-            </a:r>
-          </a:p>
-        </p:txBody>
-      </p:sp>
-      <p:sp>
-        <p:nvSpPr>
-          <p:cNvPr id="6" name="矩形 5">
+              <a:rPr lang="zh-TW" altLang="en-US" dirty="0"/>
+              <a:t>乒乓球自動對打</a:t>
+            </a:r>
+          </a:p>
+        </p:txBody>
+      </p:sp>
+      <p:sp>
+        <p:nvSpPr>
+          <p:cNvPr id="5" name="矩形: 圓角 4">
             <a:extLst>
               <a:ext uri="{FF2B5EF4-FFF2-40B4-BE49-F238E27FC236}">
-                <a16:creationId xmlns:a16="http://schemas.microsoft.com/office/drawing/2014/main" id="{2ABA1CF1-74A1-469F-A417-0D32CB6865C1}"/>
+                <a16:creationId xmlns:a16="http://schemas.microsoft.com/office/drawing/2014/main" id="{6C6CA810-50E8-4930-8355-6DD4A7A916C7}"/>
               </a:ext>
             </a:extLst>
           </p:cNvPr>
@@ -9878,12 +9211,15 @@
         </p:nvSpPr>
         <p:spPr>
           <a:xfrm>
-            <a:off x="1244401" y="3130954"/>
-            <a:ext cx="1179095" cy="625000"/>
-          </a:xfrm>
-          <a:prstGeom prst="rect">
+            <a:off x="1572125" y="2347174"/>
+            <a:ext cx="1949115" cy="697832"/>
+          </a:xfrm>
+          <a:prstGeom prst="roundRect">
             <a:avLst/>
           </a:prstGeom>
+          <a:solidFill>
+            <a:schemeClr val="accent3"/>
+          </a:solidFill>
         </p:spPr>
         <p:style>
           <a:lnRef idx="2">
@@ -9903,25 +9239,116 @@
         </p:style>
         <p:txBody>
           <a:bodyPr rtlCol="0" anchor="ctr"/>
-          <a:lstStyle/>
+          <a:lstStyle>
+            <a:defPPr>
+              <a:defRPr lang="en-US"/>
+            </a:defPPr>
+            <a:lvl1pPr marL="0" algn="l" defTabSz="457200" rtl="0" eaLnBrk="1" latinLnBrk="0" hangingPunct="1">
+              <a:defRPr sz="1800" kern="1200">
+                <a:solidFill>
+                  <a:schemeClr val="lt1"/>
+                </a:solidFill>
+                <a:latin typeface="+mn-lt"/>
+                <a:ea typeface="+mn-ea"/>
+                <a:cs typeface="+mn-cs"/>
+              </a:defRPr>
+            </a:lvl1pPr>
+            <a:lvl2pPr marL="457200" algn="l" defTabSz="457200" rtl="0" eaLnBrk="1" latinLnBrk="0" hangingPunct="1">
+              <a:defRPr sz="1800" kern="1200">
+                <a:solidFill>
+                  <a:schemeClr val="lt1"/>
+                </a:solidFill>
+                <a:latin typeface="+mn-lt"/>
+                <a:ea typeface="+mn-ea"/>
+                <a:cs typeface="+mn-cs"/>
+              </a:defRPr>
+            </a:lvl2pPr>
+            <a:lvl3pPr marL="914400" algn="l" defTabSz="457200" rtl="0" eaLnBrk="1" latinLnBrk="0" hangingPunct="1">
+              <a:defRPr sz="1800" kern="1200">
+                <a:solidFill>
+                  <a:schemeClr val="lt1"/>
+                </a:solidFill>
+                <a:latin typeface="+mn-lt"/>
+                <a:ea typeface="+mn-ea"/>
+                <a:cs typeface="+mn-cs"/>
+              </a:defRPr>
+            </a:lvl3pPr>
+            <a:lvl4pPr marL="1371600" algn="l" defTabSz="457200" rtl="0" eaLnBrk="1" latinLnBrk="0" hangingPunct="1">
+              <a:defRPr sz="1800" kern="1200">
+                <a:solidFill>
+                  <a:schemeClr val="lt1"/>
+                </a:solidFill>
+                <a:latin typeface="+mn-lt"/>
+                <a:ea typeface="+mn-ea"/>
+                <a:cs typeface="+mn-cs"/>
+              </a:defRPr>
+            </a:lvl4pPr>
+            <a:lvl5pPr marL="1828800" algn="l" defTabSz="457200" rtl="0" eaLnBrk="1" latinLnBrk="0" hangingPunct="1">
+              <a:defRPr sz="1800" kern="1200">
+                <a:solidFill>
+                  <a:schemeClr val="lt1"/>
+                </a:solidFill>
+                <a:latin typeface="+mn-lt"/>
+                <a:ea typeface="+mn-ea"/>
+                <a:cs typeface="+mn-cs"/>
+              </a:defRPr>
+            </a:lvl5pPr>
+            <a:lvl6pPr marL="2286000" algn="l" defTabSz="457200" rtl="0" eaLnBrk="1" latinLnBrk="0" hangingPunct="1">
+              <a:defRPr sz="1800" kern="1200">
+                <a:solidFill>
+                  <a:schemeClr val="lt1"/>
+                </a:solidFill>
+                <a:latin typeface="+mn-lt"/>
+                <a:ea typeface="+mn-ea"/>
+                <a:cs typeface="+mn-cs"/>
+              </a:defRPr>
+            </a:lvl6pPr>
+            <a:lvl7pPr marL="2743200" algn="l" defTabSz="457200" rtl="0" eaLnBrk="1" latinLnBrk="0" hangingPunct="1">
+              <a:defRPr sz="1800" kern="1200">
+                <a:solidFill>
+                  <a:schemeClr val="lt1"/>
+                </a:solidFill>
+                <a:latin typeface="+mn-lt"/>
+                <a:ea typeface="+mn-ea"/>
+                <a:cs typeface="+mn-cs"/>
+              </a:defRPr>
+            </a:lvl7pPr>
+            <a:lvl8pPr marL="3200400" algn="l" defTabSz="457200" rtl="0" eaLnBrk="1" latinLnBrk="0" hangingPunct="1">
+              <a:defRPr sz="1800" kern="1200">
+                <a:solidFill>
+                  <a:schemeClr val="lt1"/>
+                </a:solidFill>
+                <a:latin typeface="+mn-lt"/>
+                <a:ea typeface="+mn-ea"/>
+                <a:cs typeface="+mn-cs"/>
+              </a:defRPr>
+            </a:lvl8pPr>
+            <a:lvl9pPr marL="3657600" algn="l" defTabSz="457200" rtl="0" eaLnBrk="1" latinLnBrk="0" hangingPunct="1">
+              <a:defRPr sz="1800" kern="1200">
+                <a:solidFill>
+                  <a:schemeClr val="lt1"/>
+                </a:solidFill>
+                <a:latin typeface="+mn-lt"/>
+                <a:ea typeface="+mn-ea"/>
+                <a:cs typeface="+mn-cs"/>
+              </a:defRPr>
+            </a:lvl9pPr>
+          </a:lstStyle>
           <a:p>
             <a:pPr algn="ctr"/>
             <a:r>
-              <a:rPr lang="zh-TW" altLang="en-US" dirty="0">
-                <a:latin typeface="微軟正黑體" panose="020B0604030504040204" pitchFamily="34" charset="-120"/>
-                <a:ea typeface="微軟正黑體" panose="020B0604030504040204" pitchFamily="34" charset="-120"/>
-              </a:rPr>
-              <a:t>球往另一方移動</a:t>
-            </a:r>
-          </a:p>
-        </p:txBody>
-      </p:sp>
-      <p:sp>
-        <p:nvSpPr>
-          <p:cNvPr id="7" name="矩形 6">
+              <a:rPr lang="zh-TW" altLang="en-US" dirty="0"/>
+              <a:t>訓練</a:t>
+            </a:r>
+          </a:p>
+        </p:txBody>
+      </p:sp>
+      <p:sp>
+        <p:nvSpPr>
+          <p:cNvPr id="6" name="矩形: 圓角 5">
             <a:extLst>
               <a:ext uri="{FF2B5EF4-FFF2-40B4-BE49-F238E27FC236}">
-                <a16:creationId xmlns:a16="http://schemas.microsoft.com/office/drawing/2014/main" id="{F0694C75-6A6F-4C60-856C-1152494F65D6}"/>
+                <a16:creationId xmlns:a16="http://schemas.microsoft.com/office/drawing/2014/main" id="{ECB1D083-1D7B-4B9C-AA5B-0791A455AAB5}"/>
               </a:ext>
             </a:extLst>
           </p:cNvPr>
@@ -9930,12 +9357,15 @@
         </p:nvSpPr>
         <p:spPr>
           <a:xfrm>
-            <a:off x="1244401" y="2072945"/>
-            <a:ext cx="1179095" cy="527085"/>
-          </a:xfrm>
-          <a:prstGeom prst="rect">
+            <a:off x="5121442" y="2357199"/>
+            <a:ext cx="1949115" cy="697832"/>
+          </a:xfrm>
+          <a:prstGeom prst="roundRect">
             <a:avLst/>
           </a:prstGeom>
+          <a:solidFill>
+            <a:schemeClr val="accent3"/>
+          </a:solidFill>
         </p:spPr>
         <p:style>
           <a:lnRef idx="2">
@@ -9955,32 +9385,116 @@
         </p:style>
         <p:txBody>
           <a:bodyPr rtlCol="0" anchor="ctr"/>
-          <a:lstStyle/>
+          <a:lstStyle>
+            <a:defPPr>
+              <a:defRPr lang="en-US"/>
+            </a:defPPr>
+            <a:lvl1pPr marL="0" algn="l" defTabSz="457200" rtl="0" eaLnBrk="1" latinLnBrk="0" hangingPunct="1">
+              <a:defRPr sz="1800" kern="1200">
+                <a:solidFill>
+                  <a:schemeClr val="lt1"/>
+                </a:solidFill>
+                <a:latin typeface="+mn-lt"/>
+                <a:ea typeface="+mn-ea"/>
+                <a:cs typeface="+mn-cs"/>
+              </a:defRPr>
+            </a:lvl1pPr>
+            <a:lvl2pPr marL="457200" algn="l" defTabSz="457200" rtl="0" eaLnBrk="1" latinLnBrk="0" hangingPunct="1">
+              <a:defRPr sz="1800" kern="1200">
+                <a:solidFill>
+                  <a:schemeClr val="lt1"/>
+                </a:solidFill>
+                <a:latin typeface="+mn-lt"/>
+                <a:ea typeface="+mn-ea"/>
+                <a:cs typeface="+mn-cs"/>
+              </a:defRPr>
+            </a:lvl2pPr>
+            <a:lvl3pPr marL="914400" algn="l" defTabSz="457200" rtl="0" eaLnBrk="1" latinLnBrk="0" hangingPunct="1">
+              <a:defRPr sz="1800" kern="1200">
+                <a:solidFill>
+                  <a:schemeClr val="lt1"/>
+                </a:solidFill>
+                <a:latin typeface="+mn-lt"/>
+                <a:ea typeface="+mn-ea"/>
+                <a:cs typeface="+mn-cs"/>
+              </a:defRPr>
+            </a:lvl3pPr>
+            <a:lvl4pPr marL="1371600" algn="l" defTabSz="457200" rtl="0" eaLnBrk="1" latinLnBrk="0" hangingPunct="1">
+              <a:defRPr sz="1800" kern="1200">
+                <a:solidFill>
+                  <a:schemeClr val="lt1"/>
+                </a:solidFill>
+                <a:latin typeface="+mn-lt"/>
+                <a:ea typeface="+mn-ea"/>
+                <a:cs typeface="+mn-cs"/>
+              </a:defRPr>
+            </a:lvl4pPr>
+            <a:lvl5pPr marL="1828800" algn="l" defTabSz="457200" rtl="0" eaLnBrk="1" latinLnBrk="0" hangingPunct="1">
+              <a:defRPr sz="1800" kern="1200">
+                <a:solidFill>
+                  <a:schemeClr val="lt1"/>
+                </a:solidFill>
+                <a:latin typeface="+mn-lt"/>
+                <a:ea typeface="+mn-ea"/>
+                <a:cs typeface="+mn-cs"/>
+              </a:defRPr>
+            </a:lvl5pPr>
+            <a:lvl6pPr marL="2286000" algn="l" defTabSz="457200" rtl="0" eaLnBrk="1" latinLnBrk="0" hangingPunct="1">
+              <a:defRPr sz="1800" kern="1200">
+                <a:solidFill>
+                  <a:schemeClr val="lt1"/>
+                </a:solidFill>
+                <a:latin typeface="+mn-lt"/>
+                <a:ea typeface="+mn-ea"/>
+                <a:cs typeface="+mn-cs"/>
+              </a:defRPr>
+            </a:lvl6pPr>
+            <a:lvl7pPr marL="2743200" algn="l" defTabSz="457200" rtl="0" eaLnBrk="1" latinLnBrk="0" hangingPunct="1">
+              <a:defRPr sz="1800" kern="1200">
+                <a:solidFill>
+                  <a:schemeClr val="lt1"/>
+                </a:solidFill>
+                <a:latin typeface="+mn-lt"/>
+                <a:ea typeface="+mn-ea"/>
+                <a:cs typeface="+mn-cs"/>
+              </a:defRPr>
+            </a:lvl7pPr>
+            <a:lvl8pPr marL="3200400" algn="l" defTabSz="457200" rtl="0" eaLnBrk="1" latinLnBrk="0" hangingPunct="1">
+              <a:defRPr sz="1800" kern="1200">
+                <a:solidFill>
+                  <a:schemeClr val="lt1"/>
+                </a:solidFill>
+                <a:latin typeface="+mn-lt"/>
+                <a:ea typeface="+mn-ea"/>
+                <a:cs typeface="+mn-cs"/>
+              </a:defRPr>
+            </a:lvl8pPr>
+            <a:lvl9pPr marL="3657600" algn="l" defTabSz="457200" rtl="0" eaLnBrk="1" latinLnBrk="0" hangingPunct="1">
+              <a:defRPr sz="1800" kern="1200">
+                <a:solidFill>
+                  <a:schemeClr val="lt1"/>
+                </a:solidFill>
+                <a:latin typeface="+mn-lt"/>
+                <a:ea typeface="+mn-ea"/>
+                <a:cs typeface="+mn-cs"/>
+              </a:defRPr>
+            </a:lvl9pPr>
+          </a:lstStyle>
           <a:p>
             <a:pPr algn="ctr"/>
             <a:r>
-              <a:rPr lang="en-US" altLang="zh-TW" dirty="0">
-                <a:latin typeface="微軟正黑體" panose="020B0604030504040204" pitchFamily="34" charset="-120"/>
-                <a:ea typeface="微軟正黑體" panose="020B0604030504040204" pitchFamily="34" charset="-120"/>
-              </a:rPr>
-              <a:t>1P</a:t>
-            </a:r>
-            <a:r>
-              <a:rPr lang="zh-TW" altLang="en-US" dirty="0">
-                <a:latin typeface="微軟正黑體" panose="020B0604030504040204" pitchFamily="34" charset="-120"/>
-                <a:ea typeface="微軟正黑體" panose="020B0604030504040204" pitchFamily="34" charset="-120"/>
-              </a:rPr>
-              <a:t>發球</a:t>
-            </a:r>
-          </a:p>
-        </p:txBody>
-      </p:sp>
-      <p:sp>
-        <p:nvSpPr>
-          <p:cNvPr id="8" name="流程圖: 決策 7">
+              <a:rPr lang="zh-TW" altLang="en-US" dirty="0"/>
+              <a:t>測試</a:t>
+            </a:r>
+          </a:p>
+        </p:txBody>
+      </p:sp>
+      <p:sp>
+        <p:nvSpPr>
+          <p:cNvPr id="7" name="矩形: 圓角 6">
             <a:extLst>
               <a:ext uri="{FF2B5EF4-FFF2-40B4-BE49-F238E27FC236}">
-                <a16:creationId xmlns:a16="http://schemas.microsoft.com/office/drawing/2014/main" id="{BBAAD146-54EF-4D08-9D2B-2CAF16904359}"/>
+                <a16:creationId xmlns:a16="http://schemas.microsoft.com/office/drawing/2014/main" id="{A644A38C-4AD5-4D67-B709-CF07AE10798F}"/>
               </a:ext>
             </a:extLst>
           </p:cNvPr>
@@ -9989,12 +9503,17 @@
         </p:nvSpPr>
         <p:spPr>
           <a:xfrm>
-            <a:off x="1176221" y="4276235"/>
-            <a:ext cx="1315453" cy="906379"/>
-          </a:xfrm>
-          <a:prstGeom prst="flowChartDecision">
+            <a:off x="850234" y="3612496"/>
+            <a:ext cx="962523" cy="697832"/>
+          </a:xfrm>
+          <a:prstGeom prst="roundRect">
             <a:avLst/>
           </a:prstGeom>
+          <a:solidFill>
+            <a:schemeClr val="accent1">
+              <a:lumMod val="75000"/>
+            </a:schemeClr>
+          </a:solidFill>
         </p:spPr>
         <p:style>
           <a:lnRef idx="2">
@@ -10014,25 +9533,116 @@
         </p:style>
         <p:txBody>
           <a:bodyPr rtlCol="0" anchor="ctr"/>
-          <a:lstStyle/>
+          <a:lstStyle>
+            <a:defPPr>
+              <a:defRPr lang="en-US"/>
+            </a:defPPr>
+            <a:lvl1pPr marL="0" algn="l" defTabSz="457200" rtl="0" eaLnBrk="1" latinLnBrk="0" hangingPunct="1">
+              <a:defRPr sz="1800" kern="1200">
+                <a:solidFill>
+                  <a:schemeClr val="lt1"/>
+                </a:solidFill>
+                <a:latin typeface="+mn-lt"/>
+                <a:ea typeface="+mn-ea"/>
+                <a:cs typeface="+mn-cs"/>
+              </a:defRPr>
+            </a:lvl1pPr>
+            <a:lvl2pPr marL="457200" algn="l" defTabSz="457200" rtl="0" eaLnBrk="1" latinLnBrk="0" hangingPunct="1">
+              <a:defRPr sz="1800" kern="1200">
+                <a:solidFill>
+                  <a:schemeClr val="lt1"/>
+                </a:solidFill>
+                <a:latin typeface="+mn-lt"/>
+                <a:ea typeface="+mn-ea"/>
+                <a:cs typeface="+mn-cs"/>
+              </a:defRPr>
+            </a:lvl2pPr>
+            <a:lvl3pPr marL="914400" algn="l" defTabSz="457200" rtl="0" eaLnBrk="1" latinLnBrk="0" hangingPunct="1">
+              <a:defRPr sz="1800" kern="1200">
+                <a:solidFill>
+                  <a:schemeClr val="lt1"/>
+                </a:solidFill>
+                <a:latin typeface="+mn-lt"/>
+                <a:ea typeface="+mn-ea"/>
+                <a:cs typeface="+mn-cs"/>
+              </a:defRPr>
+            </a:lvl3pPr>
+            <a:lvl4pPr marL="1371600" algn="l" defTabSz="457200" rtl="0" eaLnBrk="1" latinLnBrk="0" hangingPunct="1">
+              <a:defRPr sz="1800" kern="1200">
+                <a:solidFill>
+                  <a:schemeClr val="lt1"/>
+                </a:solidFill>
+                <a:latin typeface="+mn-lt"/>
+                <a:ea typeface="+mn-ea"/>
+                <a:cs typeface="+mn-cs"/>
+              </a:defRPr>
+            </a:lvl4pPr>
+            <a:lvl5pPr marL="1828800" algn="l" defTabSz="457200" rtl="0" eaLnBrk="1" latinLnBrk="0" hangingPunct="1">
+              <a:defRPr sz="1800" kern="1200">
+                <a:solidFill>
+                  <a:schemeClr val="lt1"/>
+                </a:solidFill>
+                <a:latin typeface="+mn-lt"/>
+                <a:ea typeface="+mn-ea"/>
+                <a:cs typeface="+mn-cs"/>
+              </a:defRPr>
+            </a:lvl5pPr>
+            <a:lvl6pPr marL="2286000" algn="l" defTabSz="457200" rtl="0" eaLnBrk="1" latinLnBrk="0" hangingPunct="1">
+              <a:defRPr sz="1800" kern="1200">
+                <a:solidFill>
+                  <a:schemeClr val="lt1"/>
+                </a:solidFill>
+                <a:latin typeface="+mn-lt"/>
+                <a:ea typeface="+mn-ea"/>
+                <a:cs typeface="+mn-cs"/>
+              </a:defRPr>
+            </a:lvl6pPr>
+            <a:lvl7pPr marL="2743200" algn="l" defTabSz="457200" rtl="0" eaLnBrk="1" latinLnBrk="0" hangingPunct="1">
+              <a:defRPr sz="1800" kern="1200">
+                <a:solidFill>
+                  <a:schemeClr val="lt1"/>
+                </a:solidFill>
+                <a:latin typeface="+mn-lt"/>
+                <a:ea typeface="+mn-ea"/>
+                <a:cs typeface="+mn-cs"/>
+              </a:defRPr>
+            </a:lvl7pPr>
+            <a:lvl8pPr marL="3200400" algn="l" defTabSz="457200" rtl="0" eaLnBrk="1" latinLnBrk="0" hangingPunct="1">
+              <a:defRPr sz="1800" kern="1200">
+                <a:solidFill>
+                  <a:schemeClr val="lt1"/>
+                </a:solidFill>
+                <a:latin typeface="+mn-lt"/>
+                <a:ea typeface="+mn-ea"/>
+                <a:cs typeface="+mn-cs"/>
+              </a:defRPr>
+            </a:lvl8pPr>
+            <a:lvl9pPr marL="3657600" algn="l" defTabSz="457200" rtl="0" eaLnBrk="1" latinLnBrk="0" hangingPunct="1">
+              <a:defRPr sz="1800" kern="1200">
+                <a:solidFill>
+                  <a:schemeClr val="lt1"/>
+                </a:solidFill>
+                <a:latin typeface="+mn-lt"/>
+                <a:ea typeface="+mn-ea"/>
+                <a:cs typeface="+mn-cs"/>
+              </a:defRPr>
+            </a:lvl9pPr>
+          </a:lstStyle>
           <a:p>
             <a:pPr algn="ctr"/>
             <a:r>
-              <a:rPr lang="zh-TW" altLang="en-US" dirty="0">
-                <a:latin typeface="微軟正黑體" panose="020B0604030504040204" pitchFamily="34" charset="-120"/>
-                <a:ea typeface="微軟正黑體" panose="020B0604030504040204" pitchFamily="34" charset="-120"/>
-              </a:rPr>
-              <a:t>是否碰撞</a:t>
-            </a:r>
-          </a:p>
-        </p:txBody>
-      </p:sp>
-      <p:sp>
-        <p:nvSpPr>
-          <p:cNvPr id="9" name="流程圖: 決策 8">
+              <a:rPr lang="zh-TW" altLang="en-US" dirty="0"/>
+              <a:t>接球</a:t>
+            </a:r>
+          </a:p>
+        </p:txBody>
+      </p:sp>
+      <p:sp>
+        <p:nvSpPr>
+          <p:cNvPr id="8" name="矩形: 圓角 7">
             <a:extLst>
               <a:ext uri="{FF2B5EF4-FFF2-40B4-BE49-F238E27FC236}">
-                <a16:creationId xmlns:a16="http://schemas.microsoft.com/office/drawing/2014/main" id="{89F21A68-BEDF-4149-8F9F-89EA44D33532}"/>
+                <a16:creationId xmlns:a16="http://schemas.microsoft.com/office/drawing/2014/main" id="{75142F87-439A-49B8-946E-0E07ED9FB501}"/>
               </a:ext>
             </a:extLst>
           </p:cNvPr>
@@ -10041,12 +9651,17 @@
         </p:nvSpPr>
         <p:spPr>
           <a:xfrm>
-            <a:off x="1176221" y="5455196"/>
-            <a:ext cx="1315453" cy="906379"/>
-          </a:xfrm>
-          <a:prstGeom prst="flowChartDecision">
+            <a:off x="2873544" y="3604475"/>
+            <a:ext cx="962523" cy="697832"/>
+          </a:xfrm>
+          <a:prstGeom prst="roundRect">
             <a:avLst/>
           </a:prstGeom>
+          <a:solidFill>
+            <a:schemeClr val="accent1">
+              <a:lumMod val="75000"/>
+            </a:schemeClr>
+          </a:solidFill>
         </p:spPr>
         <p:style>
           <a:lnRef idx="2">
@@ -10066,25 +9681,116 @@
         </p:style>
         <p:txBody>
           <a:bodyPr rtlCol="0" anchor="ctr"/>
-          <a:lstStyle/>
+          <a:lstStyle>
+            <a:defPPr>
+              <a:defRPr lang="en-US"/>
+            </a:defPPr>
+            <a:lvl1pPr marL="0" algn="l" defTabSz="457200" rtl="0" eaLnBrk="1" latinLnBrk="0" hangingPunct="1">
+              <a:defRPr sz="1800" kern="1200">
+                <a:solidFill>
+                  <a:schemeClr val="lt1"/>
+                </a:solidFill>
+                <a:latin typeface="+mn-lt"/>
+                <a:ea typeface="+mn-ea"/>
+                <a:cs typeface="+mn-cs"/>
+              </a:defRPr>
+            </a:lvl1pPr>
+            <a:lvl2pPr marL="457200" algn="l" defTabSz="457200" rtl="0" eaLnBrk="1" latinLnBrk="0" hangingPunct="1">
+              <a:defRPr sz="1800" kern="1200">
+                <a:solidFill>
+                  <a:schemeClr val="lt1"/>
+                </a:solidFill>
+                <a:latin typeface="+mn-lt"/>
+                <a:ea typeface="+mn-ea"/>
+                <a:cs typeface="+mn-cs"/>
+              </a:defRPr>
+            </a:lvl2pPr>
+            <a:lvl3pPr marL="914400" algn="l" defTabSz="457200" rtl="0" eaLnBrk="1" latinLnBrk="0" hangingPunct="1">
+              <a:defRPr sz="1800" kern="1200">
+                <a:solidFill>
+                  <a:schemeClr val="lt1"/>
+                </a:solidFill>
+                <a:latin typeface="+mn-lt"/>
+                <a:ea typeface="+mn-ea"/>
+                <a:cs typeface="+mn-cs"/>
+              </a:defRPr>
+            </a:lvl3pPr>
+            <a:lvl4pPr marL="1371600" algn="l" defTabSz="457200" rtl="0" eaLnBrk="1" latinLnBrk="0" hangingPunct="1">
+              <a:defRPr sz="1800" kern="1200">
+                <a:solidFill>
+                  <a:schemeClr val="lt1"/>
+                </a:solidFill>
+                <a:latin typeface="+mn-lt"/>
+                <a:ea typeface="+mn-ea"/>
+                <a:cs typeface="+mn-cs"/>
+              </a:defRPr>
+            </a:lvl4pPr>
+            <a:lvl5pPr marL="1828800" algn="l" defTabSz="457200" rtl="0" eaLnBrk="1" latinLnBrk="0" hangingPunct="1">
+              <a:defRPr sz="1800" kern="1200">
+                <a:solidFill>
+                  <a:schemeClr val="lt1"/>
+                </a:solidFill>
+                <a:latin typeface="+mn-lt"/>
+                <a:ea typeface="+mn-ea"/>
+                <a:cs typeface="+mn-cs"/>
+              </a:defRPr>
+            </a:lvl5pPr>
+            <a:lvl6pPr marL="2286000" algn="l" defTabSz="457200" rtl="0" eaLnBrk="1" latinLnBrk="0" hangingPunct="1">
+              <a:defRPr sz="1800" kern="1200">
+                <a:solidFill>
+                  <a:schemeClr val="lt1"/>
+                </a:solidFill>
+                <a:latin typeface="+mn-lt"/>
+                <a:ea typeface="+mn-ea"/>
+                <a:cs typeface="+mn-cs"/>
+              </a:defRPr>
+            </a:lvl6pPr>
+            <a:lvl7pPr marL="2743200" algn="l" defTabSz="457200" rtl="0" eaLnBrk="1" latinLnBrk="0" hangingPunct="1">
+              <a:defRPr sz="1800" kern="1200">
+                <a:solidFill>
+                  <a:schemeClr val="lt1"/>
+                </a:solidFill>
+                <a:latin typeface="+mn-lt"/>
+                <a:ea typeface="+mn-ea"/>
+                <a:cs typeface="+mn-cs"/>
+              </a:defRPr>
+            </a:lvl7pPr>
+            <a:lvl8pPr marL="3200400" algn="l" defTabSz="457200" rtl="0" eaLnBrk="1" latinLnBrk="0" hangingPunct="1">
+              <a:defRPr sz="1800" kern="1200">
+                <a:solidFill>
+                  <a:schemeClr val="lt1"/>
+                </a:solidFill>
+                <a:latin typeface="+mn-lt"/>
+                <a:ea typeface="+mn-ea"/>
+                <a:cs typeface="+mn-cs"/>
+              </a:defRPr>
+            </a:lvl8pPr>
+            <a:lvl9pPr marL="3657600" algn="l" defTabSz="457200" rtl="0" eaLnBrk="1" latinLnBrk="0" hangingPunct="1">
+              <a:defRPr sz="1800" kern="1200">
+                <a:solidFill>
+                  <a:schemeClr val="lt1"/>
+                </a:solidFill>
+                <a:latin typeface="+mn-lt"/>
+                <a:ea typeface="+mn-ea"/>
+                <a:cs typeface="+mn-cs"/>
+              </a:defRPr>
+            </a:lvl9pPr>
+          </a:lstStyle>
           <a:p>
             <a:pPr algn="ctr"/>
             <a:r>
-              <a:rPr lang="zh-TW" altLang="en-US" sz="1200" dirty="0">
-                <a:latin typeface="微軟正黑體" panose="020B0604030504040204" pitchFamily="34" charset="-120"/>
-                <a:ea typeface="微軟正黑體" panose="020B0604030504040204" pitchFamily="34" charset="-120"/>
-              </a:rPr>
-              <a:t>球位於平板前方</a:t>
-            </a:r>
-          </a:p>
-        </p:txBody>
-      </p:sp>
-      <p:sp>
-        <p:nvSpPr>
-          <p:cNvPr id="10" name="流程圖: 決策 9">
+              <a:rPr lang="zh-TW" altLang="en-US" dirty="0"/>
+              <a:t>擊球</a:t>
+            </a:r>
+          </a:p>
+        </p:txBody>
+      </p:sp>
+      <p:sp>
+        <p:nvSpPr>
+          <p:cNvPr id="9" name="矩形: 圓角 8">
             <a:extLst>
               <a:ext uri="{FF2B5EF4-FFF2-40B4-BE49-F238E27FC236}">
-                <a16:creationId xmlns:a16="http://schemas.microsoft.com/office/drawing/2014/main" id="{317DCBF4-BCDA-4B62-AE6F-C765BF58EEB7}"/>
+                <a16:creationId xmlns:a16="http://schemas.microsoft.com/office/drawing/2014/main" id="{94FCB2D6-B8AE-4A04-A10F-810F44B9DB57}"/>
               </a:ext>
             </a:extLst>
           </p:cNvPr>
@@ -10093,12 +9799,17 @@
         </p:nvSpPr>
         <p:spPr>
           <a:xfrm>
-            <a:off x="6185386" y="5447888"/>
-            <a:ext cx="1315453" cy="906379"/>
-          </a:xfrm>
-          <a:prstGeom prst="flowChartDecision">
+            <a:off x="671763" y="4830045"/>
+            <a:ext cx="1319463" cy="697832"/>
+          </a:xfrm>
+          <a:prstGeom prst="roundRect">
             <a:avLst/>
           </a:prstGeom>
+          <a:solidFill>
+            <a:schemeClr val="accent1">
+              <a:lumMod val="75000"/>
+            </a:schemeClr>
+          </a:solidFill>
         </p:spPr>
         <p:style>
           <a:lnRef idx="2">
@@ -10118,15 +9829,106 @@
         </p:style>
         <p:txBody>
           <a:bodyPr rtlCol="0" anchor="ctr"/>
-          <a:lstStyle/>
+          <a:lstStyle>
+            <a:defPPr>
+              <a:defRPr lang="en-US"/>
+            </a:defPPr>
+            <a:lvl1pPr marL="0" algn="l" defTabSz="457200" rtl="0" eaLnBrk="1" latinLnBrk="0" hangingPunct="1">
+              <a:defRPr sz="1800" kern="1200">
+                <a:solidFill>
+                  <a:schemeClr val="lt1"/>
+                </a:solidFill>
+                <a:latin typeface="+mn-lt"/>
+                <a:ea typeface="+mn-ea"/>
+                <a:cs typeface="+mn-cs"/>
+              </a:defRPr>
+            </a:lvl1pPr>
+            <a:lvl2pPr marL="457200" algn="l" defTabSz="457200" rtl="0" eaLnBrk="1" latinLnBrk="0" hangingPunct="1">
+              <a:defRPr sz="1800" kern="1200">
+                <a:solidFill>
+                  <a:schemeClr val="lt1"/>
+                </a:solidFill>
+                <a:latin typeface="+mn-lt"/>
+                <a:ea typeface="+mn-ea"/>
+                <a:cs typeface="+mn-cs"/>
+              </a:defRPr>
+            </a:lvl2pPr>
+            <a:lvl3pPr marL="914400" algn="l" defTabSz="457200" rtl="0" eaLnBrk="1" latinLnBrk="0" hangingPunct="1">
+              <a:defRPr sz="1800" kern="1200">
+                <a:solidFill>
+                  <a:schemeClr val="lt1"/>
+                </a:solidFill>
+                <a:latin typeface="+mn-lt"/>
+                <a:ea typeface="+mn-ea"/>
+                <a:cs typeface="+mn-cs"/>
+              </a:defRPr>
+            </a:lvl3pPr>
+            <a:lvl4pPr marL="1371600" algn="l" defTabSz="457200" rtl="0" eaLnBrk="1" latinLnBrk="0" hangingPunct="1">
+              <a:defRPr sz="1800" kern="1200">
+                <a:solidFill>
+                  <a:schemeClr val="lt1"/>
+                </a:solidFill>
+                <a:latin typeface="+mn-lt"/>
+                <a:ea typeface="+mn-ea"/>
+                <a:cs typeface="+mn-cs"/>
+              </a:defRPr>
+            </a:lvl4pPr>
+            <a:lvl5pPr marL="1828800" algn="l" defTabSz="457200" rtl="0" eaLnBrk="1" latinLnBrk="0" hangingPunct="1">
+              <a:defRPr sz="1800" kern="1200">
+                <a:solidFill>
+                  <a:schemeClr val="lt1"/>
+                </a:solidFill>
+                <a:latin typeface="+mn-lt"/>
+                <a:ea typeface="+mn-ea"/>
+                <a:cs typeface="+mn-cs"/>
+              </a:defRPr>
+            </a:lvl5pPr>
+            <a:lvl6pPr marL="2286000" algn="l" defTabSz="457200" rtl="0" eaLnBrk="1" latinLnBrk="0" hangingPunct="1">
+              <a:defRPr sz="1800" kern="1200">
+                <a:solidFill>
+                  <a:schemeClr val="lt1"/>
+                </a:solidFill>
+                <a:latin typeface="+mn-lt"/>
+                <a:ea typeface="+mn-ea"/>
+                <a:cs typeface="+mn-cs"/>
+              </a:defRPr>
+            </a:lvl6pPr>
+            <a:lvl7pPr marL="2743200" algn="l" defTabSz="457200" rtl="0" eaLnBrk="1" latinLnBrk="0" hangingPunct="1">
+              <a:defRPr sz="1800" kern="1200">
+                <a:solidFill>
+                  <a:schemeClr val="lt1"/>
+                </a:solidFill>
+                <a:latin typeface="+mn-lt"/>
+                <a:ea typeface="+mn-ea"/>
+                <a:cs typeface="+mn-cs"/>
+              </a:defRPr>
+            </a:lvl7pPr>
+            <a:lvl8pPr marL="3200400" algn="l" defTabSz="457200" rtl="0" eaLnBrk="1" latinLnBrk="0" hangingPunct="1">
+              <a:defRPr sz="1800" kern="1200">
+                <a:solidFill>
+                  <a:schemeClr val="lt1"/>
+                </a:solidFill>
+                <a:latin typeface="+mn-lt"/>
+                <a:ea typeface="+mn-ea"/>
+                <a:cs typeface="+mn-cs"/>
+              </a:defRPr>
+            </a:lvl8pPr>
+            <a:lvl9pPr marL="3657600" algn="l" defTabSz="457200" rtl="0" eaLnBrk="1" latinLnBrk="0" hangingPunct="1">
+              <a:defRPr sz="1800" kern="1200">
+                <a:solidFill>
+                  <a:schemeClr val="lt1"/>
+                </a:solidFill>
+                <a:latin typeface="+mn-lt"/>
+                <a:ea typeface="+mn-ea"/>
+                <a:cs typeface="+mn-cs"/>
+              </a:defRPr>
+            </a:lvl9pPr>
+          </a:lstStyle>
           <a:p>
             <a:pPr algn="ctr"/>
             <a:r>
-              <a:rPr lang="zh-TW" altLang="en-US" sz="1200" dirty="0">
-                <a:latin typeface="微軟正黑體" panose="020B0604030504040204" pitchFamily="34" charset="-120"/>
-                <a:ea typeface="微軟正黑體" panose="020B0604030504040204" pitchFamily="34" charset="-120"/>
-              </a:rPr>
-              <a:t>是否有贏家</a:t>
+              <a:rPr lang="zh-TW" altLang="en-US" dirty="0"/>
+              <a:t>接球模組</a:t>
             </a:r>
           </a:p>
         </p:txBody>
@@ -10136,7 +9938,7 @@
           <p:cNvPr id="11" name="矩形: 圓角 10">
             <a:extLst>
               <a:ext uri="{FF2B5EF4-FFF2-40B4-BE49-F238E27FC236}">
-                <a16:creationId xmlns:a16="http://schemas.microsoft.com/office/drawing/2014/main" id="{BB4D5CA7-02D9-45B5-90D5-4C23D0385A83}"/>
+                <a16:creationId xmlns:a16="http://schemas.microsoft.com/office/drawing/2014/main" id="{A0F0E4D4-5534-4488-8B51-F2F03CFC89F2}"/>
               </a:ext>
             </a:extLst>
           </p:cNvPr>
@@ -10145,12 +9947,17 @@
         </p:nvSpPr>
         <p:spPr>
           <a:xfrm>
-            <a:off x="8614838" y="5646087"/>
-            <a:ext cx="1431758" cy="527084"/>
+            <a:off x="2695073" y="4832528"/>
+            <a:ext cx="1319463" cy="697832"/>
           </a:xfrm>
           <a:prstGeom prst="roundRect">
             <a:avLst/>
           </a:prstGeom>
+          <a:solidFill>
+            <a:schemeClr val="accent1">
+              <a:lumMod val="75000"/>
+            </a:schemeClr>
+          </a:solidFill>
         </p:spPr>
         <p:style>
           <a:lnRef idx="2">
@@ -10170,552 +9977,116 @@
         </p:style>
         <p:txBody>
           <a:bodyPr rtlCol="0" anchor="ctr"/>
-          <a:lstStyle/>
+          <a:lstStyle>
+            <a:defPPr>
+              <a:defRPr lang="en-US"/>
+            </a:defPPr>
+            <a:lvl1pPr marL="0" algn="l" defTabSz="457200" rtl="0" eaLnBrk="1" latinLnBrk="0" hangingPunct="1">
+              <a:defRPr sz="1800" kern="1200">
+                <a:solidFill>
+                  <a:schemeClr val="lt1"/>
+                </a:solidFill>
+                <a:latin typeface="+mn-lt"/>
+                <a:ea typeface="+mn-ea"/>
+                <a:cs typeface="+mn-cs"/>
+              </a:defRPr>
+            </a:lvl1pPr>
+            <a:lvl2pPr marL="457200" algn="l" defTabSz="457200" rtl="0" eaLnBrk="1" latinLnBrk="0" hangingPunct="1">
+              <a:defRPr sz="1800" kern="1200">
+                <a:solidFill>
+                  <a:schemeClr val="lt1"/>
+                </a:solidFill>
+                <a:latin typeface="+mn-lt"/>
+                <a:ea typeface="+mn-ea"/>
+                <a:cs typeface="+mn-cs"/>
+              </a:defRPr>
+            </a:lvl2pPr>
+            <a:lvl3pPr marL="914400" algn="l" defTabSz="457200" rtl="0" eaLnBrk="1" latinLnBrk="0" hangingPunct="1">
+              <a:defRPr sz="1800" kern="1200">
+                <a:solidFill>
+                  <a:schemeClr val="lt1"/>
+                </a:solidFill>
+                <a:latin typeface="+mn-lt"/>
+                <a:ea typeface="+mn-ea"/>
+                <a:cs typeface="+mn-cs"/>
+              </a:defRPr>
+            </a:lvl3pPr>
+            <a:lvl4pPr marL="1371600" algn="l" defTabSz="457200" rtl="0" eaLnBrk="1" latinLnBrk="0" hangingPunct="1">
+              <a:defRPr sz="1800" kern="1200">
+                <a:solidFill>
+                  <a:schemeClr val="lt1"/>
+                </a:solidFill>
+                <a:latin typeface="+mn-lt"/>
+                <a:ea typeface="+mn-ea"/>
+                <a:cs typeface="+mn-cs"/>
+              </a:defRPr>
+            </a:lvl4pPr>
+            <a:lvl5pPr marL="1828800" algn="l" defTabSz="457200" rtl="0" eaLnBrk="1" latinLnBrk="0" hangingPunct="1">
+              <a:defRPr sz="1800" kern="1200">
+                <a:solidFill>
+                  <a:schemeClr val="lt1"/>
+                </a:solidFill>
+                <a:latin typeface="+mn-lt"/>
+                <a:ea typeface="+mn-ea"/>
+                <a:cs typeface="+mn-cs"/>
+              </a:defRPr>
+            </a:lvl5pPr>
+            <a:lvl6pPr marL="2286000" algn="l" defTabSz="457200" rtl="0" eaLnBrk="1" latinLnBrk="0" hangingPunct="1">
+              <a:defRPr sz="1800" kern="1200">
+                <a:solidFill>
+                  <a:schemeClr val="lt1"/>
+                </a:solidFill>
+                <a:latin typeface="+mn-lt"/>
+                <a:ea typeface="+mn-ea"/>
+                <a:cs typeface="+mn-cs"/>
+              </a:defRPr>
+            </a:lvl6pPr>
+            <a:lvl7pPr marL="2743200" algn="l" defTabSz="457200" rtl="0" eaLnBrk="1" latinLnBrk="0" hangingPunct="1">
+              <a:defRPr sz="1800" kern="1200">
+                <a:solidFill>
+                  <a:schemeClr val="lt1"/>
+                </a:solidFill>
+                <a:latin typeface="+mn-lt"/>
+                <a:ea typeface="+mn-ea"/>
+                <a:cs typeface="+mn-cs"/>
+              </a:defRPr>
+            </a:lvl7pPr>
+            <a:lvl8pPr marL="3200400" algn="l" defTabSz="457200" rtl="0" eaLnBrk="1" latinLnBrk="0" hangingPunct="1">
+              <a:defRPr sz="1800" kern="1200">
+                <a:solidFill>
+                  <a:schemeClr val="lt1"/>
+                </a:solidFill>
+                <a:latin typeface="+mn-lt"/>
+                <a:ea typeface="+mn-ea"/>
+                <a:cs typeface="+mn-cs"/>
+              </a:defRPr>
+            </a:lvl8pPr>
+            <a:lvl9pPr marL="3657600" algn="l" defTabSz="457200" rtl="0" eaLnBrk="1" latinLnBrk="0" hangingPunct="1">
+              <a:defRPr sz="1800" kern="1200">
+                <a:solidFill>
+                  <a:schemeClr val="lt1"/>
+                </a:solidFill>
+                <a:latin typeface="+mn-lt"/>
+                <a:ea typeface="+mn-ea"/>
+                <a:cs typeface="+mn-cs"/>
+              </a:defRPr>
+            </a:lvl9pPr>
+          </a:lstStyle>
           <a:p>
             <a:pPr algn="ctr"/>
             <a:r>
-              <a:rPr lang="zh-TW" altLang="en-US" dirty="0">
-                <a:latin typeface="微軟正黑體" panose="020B0604030504040204" pitchFamily="34" charset="-120"/>
-                <a:ea typeface="微軟正黑體" panose="020B0604030504040204" pitchFamily="34" charset="-120"/>
-              </a:rPr>
-              <a:t>遊戲結束</a:t>
-            </a:r>
-          </a:p>
-        </p:txBody>
-      </p:sp>
-      <p:cxnSp>
-        <p:nvCxnSpPr>
-          <p:cNvPr id="12" name="直線單箭頭接點 11">
+              <a:rPr lang="zh-TW" altLang="en-US" dirty="0"/>
+              <a:t>擊球模組</a:t>
+            </a:r>
+          </a:p>
+        </p:txBody>
+      </p:sp>
+      <p:sp>
+        <p:nvSpPr>
+          <p:cNvPr id="13" name="矩形: 圓角 12">
             <a:extLst>
               <a:ext uri="{FF2B5EF4-FFF2-40B4-BE49-F238E27FC236}">
-                <a16:creationId xmlns:a16="http://schemas.microsoft.com/office/drawing/2014/main" id="{C23DC817-213A-4D10-A4BB-9C56CB840975}"/>
-              </a:ext>
-            </a:extLst>
-          </p:cNvPr>
-          <p:cNvCxnSpPr>
-            <a:stCxn id="5" idx="2"/>
-            <a:endCxn id="7" idx="0"/>
-          </p:cNvCxnSpPr>
-          <p:nvPr/>
-        </p:nvCxnSpPr>
-        <p:spPr>
-          <a:xfrm>
-            <a:off x="1833949" y="1585540"/>
-            <a:ext cx="0" cy="487405"/>
-          </a:xfrm>
-          <a:prstGeom prst="straightConnector1">
-            <a:avLst/>
-          </a:prstGeom>
-          <a:ln>
-            <a:tailEnd type="triangle"/>
-          </a:ln>
-        </p:spPr>
-        <p:style>
-          <a:lnRef idx="1">
-            <a:schemeClr val="accent1"/>
-          </a:lnRef>
-          <a:fillRef idx="0">
-            <a:schemeClr val="accent1"/>
-          </a:fillRef>
-          <a:effectRef idx="0">
-            <a:schemeClr val="accent1"/>
-          </a:effectRef>
-          <a:fontRef idx="minor">
-            <a:schemeClr val="tx1"/>
-          </a:fontRef>
-        </p:style>
-      </p:cxnSp>
-      <p:cxnSp>
-        <p:nvCxnSpPr>
-          <p:cNvPr id="13" name="直線單箭頭接點 12">
-            <a:extLst>
-              <a:ext uri="{FF2B5EF4-FFF2-40B4-BE49-F238E27FC236}">
-                <a16:creationId xmlns:a16="http://schemas.microsoft.com/office/drawing/2014/main" id="{F4B8E568-E99B-4221-8B6F-266CF8FB4931}"/>
-              </a:ext>
-            </a:extLst>
-          </p:cNvPr>
-          <p:cNvCxnSpPr>
-            <a:stCxn id="7" idx="2"/>
-            <a:endCxn id="6" idx="0"/>
-          </p:cNvCxnSpPr>
-          <p:nvPr/>
-        </p:nvCxnSpPr>
-        <p:spPr>
-          <a:xfrm>
-            <a:off x="1833949" y="2600030"/>
-            <a:ext cx="0" cy="530924"/>
-          </a:xfrm>
-          <a:prstGeom prst="straightConnector1">
-            <a:avLst/>
-          </a:prstGeom>
-          <a:ln>
-            <a:tailEnd type="triangle"/>
-          </a:ln>
-        </p:spPr>
-        <p:style>
-          <a:lnRef idx="1">
-            <a:schemeClr val="accent1"/>
-          </a:lnRef>
-          <a:fillRef idx="0">
-            <a:schemeClr val="accent1"/>
-          </a:fillRef>
-          <a:effectRef idx="0">
-            <a:schemeClr val="accent1"/>
-          </a:effectRef>
-          <a:fontRef idx="minor">
-            <a:schemeClr val="tx1"/>
-          </a:fontRef>
-        </p:style>
-      </p:cxnSp>
-      <p:cxnSp>
-        <p:nvCxnSpPr>
-          <p:cNvPr id="14" name="直線單箭頭接點 13">
-            <a:extLst>
-              <a:ext uri="{FF2B5EF4-FFF2-40B4-BE49-F238E27FC236}">
-                <a16:creationId xmlns:a16="http://schemas.microsoft.com/office/drawing/2014/main" id="{C8B721F5-41CA-47E6-B7F5-C1EA3BC233B6}"/>
-              </a:ext>
-            </a:extLst>
-          </p:cNvPr>
-          <p:cNvCxnSpPr>
-            <a:stCxn id="6" idx="2"/>
-            <a:endCxn id="8" idx="0"/>
-          </p:cNvCxnSpPr>
-          <p:nvPr/>
-        </p:nvCxnSpPr>
-        <p:spPr>
-          <a:xfrm flipH="1">
-            <a:off x="1833948" y="3755954"/>
-            <a:ext cx="1" cy="520281"/>
-          </a:xfrm>
-          <a:prstGeom prst="straightConnector1">
-            <a:avLst/>
-          </a:prstGeom>
-          <a:ln>
-            <a:tailEnd type="triangle"/>
-          </a:ln>
-        </p:spPr>
-        <p:style>
-          <a:lnRef idx="1">
-            <a:schemeClr val="accent1"/>
-          </a:lnRef>
-          <a:fillRef idx="0">
-            <a:schemeClr val="accent1"/>
-          </a:fillRef>
-          <a:effectRef idx="0">
-            <a:schemeClr val="accent1"/>
-          </a:effectRef>
-          <a:fontRef idx="minor">
-            <a:schemeClr val="tx1"/>
-          </a:fontRef>
-        </p:style>
-      </p:cxnSp>
-      <p:cxnSp>
-        <p:nvCxnSpPr>
-          <p:cNvPr id="15" name="直線單箭頭接點 14">
-            <a:extLst>
-              <a:ext uri="{FF2B5EF4-FFF2-40B4-BE49-F238E27FC236}">
-                <a16:creationId xmlns:a16="http://schemas.microsoft.com/office/drawing/2014/main" id="{51767419-8065-46A4-BF49-B12AD8AAEF04}"/>
-              </a:ext>
-            </a:extLst>
-          </p:cNvPr>
-          <p:cNvCxnSpPr>
-            <a:stCxn id="8" idx="2"/>
-            <a:endCxn id="9" idx="0"/>
-          </p:cNvCxnSpPr>
-          <p:nvPr/>
-        </p:nvCxnSpPr>
-        <p:spPr>
-          <a:xfrm>
-            <a:off x="1833948" y="5182614"/>
-            <a:ext cx="0" cy="272582"/>
-          </a:xfrm>
-          <a:prstGeom prst="straightConnector1">
-            <a:avLst/>
-          </a:prstGeom>
-          <a:ln>
-            <a:tailEnd type="triangle"/>
-          </a:ln>
-        </p:spPr>
-        <p:style>
-          <a:lnRef idx="1">
-            <a:schemeClr val="accent1"/>
-          </a:lnRef>
-          <a:fillRef idx="0">
-            <a:schemeClr val="accent1"/>
-          </a:fillRef>
-          <a:effectRef idx="0">
-            <a:schemeClr val="accent1"/>
-          </a:effectRef>
-          <a:fontRef idx="minor">
-            <a:schemeClr val="tx1"/>
-          </a:fontRef>
-        </p:style>
-      </p:cxnSp>
-      <p:cxnSp>
-        <p:nvCxnSpPr>
-          <p:cNvPr id="16" name="直線單箭頭接點 15">
-            <a:extLst>
-              <a:ext uri="{FF2B5EF4-FFF2-40B4-BE49-F238E27FC236}">
-                <a16:creationId xmlns:a16="http://schemas.microsoft.com/office/drawing/2014/main" id="{2878718A-4531-4F5B-83A5-C321CFF0D74F}"/>
-              </a:ext>
-            </a:extLst>
-          </p:cNvPr>
-          <p:cNvCxnSpPr>
-            <a:cxnSpLocks/>
-            <a:stCxn id="10" idx="3"/>
-            <a:endCxn id="11" idx="1"/>
-          </p:cNvCxnSpPr>
-          <p:nvPr/>
-        </p:nvCxnSpPr>
-        <p:spPr>
-          <a:xfrm>
-            <a:off x="7500839" y="5901078"/>
-            <a:ext cx="1113999" cy="8551"/>
-          </a:xfrm>
-          <a:prstGeom prst="straightConnector1">
-            <a:avLst/>
-          </a:prstGeom>
-          <a:ln>
-            <a:tailEnd type="triangle"/>
-          </a:ln>
-        </p:spPr>
-        <p:style>
-          <a:lnRef idx="1">
-            <a:schemeClr val="accent1"/>
-          </a:lnRef>
-          <a:fillRef idx="0">
-            <a:schemeClr val="accent1"/>
-          </a:fillRef>
-          <a:effectRef idx="0">
-            <a:schemeClr val="accent1"/>
-          </a:effectRef>
-          <a:fontRef idx="minor">
-            <a:schemeClr val="tx1"/>
-          </a:fontRef>
-        </p:style>
-      </p:cxnSp>
-      <p:cxnSp>
-        <p:nvCxnSpPr>
-          <p:cNvPr id="17" name="接點: 肘形 16">
-            <a:extLst>
-              <a:ext uri="{FF2B5EF4-FFF2-40B4-BE49-F238E27FC236}">
-                <a16:creationId xmlns:a16="http://schemas.microsoft.com/office/drawing/2014/main" id="{FDAA4665-14C4-49A2-8BB5-917037ED66E8}"/>
-              </a:ext>
-            </a:extLst>
-          </p:cNvPr>
-          <p:cNvCxnSpPr>
-            <a:stCxn id="9" idx="1"/>
-            <a:endCxn id="8" idx="1"/>
-          </p:cNvCxnSpPr>
-          <p:nvPr/>
-        </p:nvCxnSpPr>
-        <p:spPr>
-          <a:xfrm rot="10800000">
-            <a:off x="1176221" y="4729426"/>
-            <a:ext cx="12700" cy="1178961"/>
-          </a:xfrm>
-          <a:prstGeom prst="bentConnector3">
-            <a:avLst>
-              <a:gd name="adj1" fmla="val 1800000"/>
-            </a:avLst>
-          </a:prstGeom>
-          <a:ln>
-            <a:tailEnd type="triangle"/>
-          </a:ln>
-        </p:spPr>
-        <p:style>
-          <a:lnRef idx="1">
-            <a:schemeClr val="accent1"/>
-          </a:lnRef>
-          <a:fillRef idx="0">
-            <a:schemeClr val="accent1"/>
-          </a:fillRef>
-          <a:effectRef idx="0">
-            <a:schemeClr val="accent1"/>
-          </a:effectRef>
-          <a:fontRef idx="minor">
-            <a:schemeClr val="tx1"/>
-          </a:fontRef>
-        </p:style>
-      </p:cxnSp>
-      <p:cxnSp>
-        <p:nvCxnSpPr>
-          <p:cNvPr id="18" name="接點: 肘形 17">
-            <a:extLst>
-              <a:ext uri="{FF2B5EF4-FFF2-40B4-BE49-F238E27FC236}">
-                <a16:creationId xmlns:a16="http://schemas.microsoft.com/office/drawing/2014/main" id="{49A1D796-910F-4D56-A562-0207DFF71955}"/>
-              </a:ext>
-            </a:extLst>
-          </p:cNvPr>
-          <p:cNvCxnSpPr>
-            <a:stCxn id="8" idx="3"/>
-            <a:endCxn id="6" idx="3"/>
-          </p:cNvCxnSpPr>
-          <p:nvPr/>
-        </p:nvCxnSpPr>
-        <p:spPr>
-          <a:xfrm flipH="1" flipV="1">
-            <a:off x="2423496" y="3443454"/>
-            <a:ext cx="68178" cy="1285971"/>
-          </a:xfrm>
-          <a:prstGeom prst="bentConnector3">
-            <a:avLst>
-              <a:gd name="adj1" fmla="val -335299"/>
-            </a:avLst>
-          </a:prstGeom>
-          <a:ln>
-            <a:tailEnd type="triangle"/>
-          </a:ln>
-        </p:spPr>
-        <p:style>
-          <a:lnRef idx="1">
-            <a:schemeClr val="accent1"/>
-          </a:lnRef>
-          <a:fillRef idx="0">
-            <a:schemeClr val="accent1"/>
-          </a:fillRef>
-          <a:effectRef idx="0">
-            <a:schemeClr val="accent1"/>
-          </a:effectRef>
-          <a:fontRef idx="minor">
-            <a:schemeClr val="tx1"/>
-          </a:fontRef>
-        </p:style>
-      </p:cxnSp>
-      <p:sp>
-        <p:nvSpPr>
-          <p:cNvPr id="19" name="文字方塊 18">
-            <a:extLst>
-              <a:ext uri="{FF2B5EF4-FFF2-40B4-BE49-F238E27FC236}">
-                <a16:creationId xmlns:a16="http://schemas.microsoft.com/office/drawing/2014/main" id="{7C7765D9-3F83-4CC4-B4A1-6D7CA68763AB}"/>
-              </a:ext>
-            </a:extLst>
-          </p:cNvPr>
-          <p:cNvSpPr txBox="1"/>
-          <p:nvPr/>
-        </p:nvSpPr>
-        <p:spPr>
-          <a:xfrm>
-            <a:off x="2720688" y="5965703"/>
-            <a:ext cx="389850" cy="338554"/>
-          </a:xfrm>
-          <a:prstGeom prst="rect">
-            <a:avLst/>
-          </a:prstGeom>
-          <a:noFill/>
-        </p:spPr>
-        <p:txBody>
-          <a:bodyPr wrap="none" rtlCol="0">
-            <a:spAutoFit/>
-          </a:bodyPr>
-          <a:lstStyle/>
-          <a:p>
-            <a:r>
-              <a:rPr lang="zh-TW" altLang="en-US" sz="1600" dirty="0">
-                <a:latin typeface="微軟正黑體" panose="020B0604030504040204" pitchFamily="34" charset="-120"/>
-                <a:ea typeface="微軟正黑體" panose="020B0604030504040204" pitchFamily="34" charset="-120"/>
-              </a:rPr>
-              <a:t>否</a:t>
-            </a:r>
-          </a:p>
-        </p:txBody>
-      </p:sp>
-      <p:sp>
-        <p:nvSpPr>
-          <p:cNvPr id="20" name="文字方塊 19">
-            <a:extLst>
-              <a:ext uri="{FF2B5EF4-FFF2-40B4-BE49-F238E27FC236}">
-                <a16:creationId xmlns:a16="http://schemas.microsoft.com/office/drawing/2014/main" id="{91B062C0-3BB4-49F3-A989-A15AE80D7015}"/>
-              </a:ext>
-            </a:extLst>
-          </p:cNvPr>
-          <p:cNvSpPr txBox="1"/>
-          <p:nvPr/>
-        </p:nvSpPr>
-        <p:spPr>
-          <a:xfrm>
-            <a:off x="557357" y="5310296"/>
-            <a:ext cx="389850" cy="338554"/>
-          </a:xfrm>
-          <a:prstGeom prst="rect">
-            <a:avLst/>
-          </a:prstGeom>
-          <a:noFill/>
-        </p:spPr>
-        <p:txBody>
-          <a:bodyPr wrap="none" rtlCol="0">
-            <a:spAutoFit/>
-          </a:bodyPr>
-          <a:lstStyle/>
-          <a:p>
-            <a:r>
-              <a:rPr lang="zh-TW" altLang="en-US" sz="1600" dirty="0">
-                <a:latin typeface="微軟正黑體" panose="020B0604030504040204" pitchFamily="34" charset="-120"/>
-                <a:ea typeface="微軟正黑體" panose="020B0604030504040204" pitchFamily="34" charset="-120"/>
-              </a:rPr>
-              <a:t>是</a:t>
-            </a:r>
-          </a:p>
-        </p:txBody>
-      </p:sp>
-      <p:sp>
-        <p:nvSpPr>
-          <p:cNvPr id="21" name="文字方塊 20">
-            <a:extLst>
-              <a:ext uri="{FF2B5EF4-FFF2-40B4-BE49-F238E27FC236}">
-                <a16:creationId xmlns:a16="http://schemas.microsoft.com/office/drawing/2014/main" id="{CDEDCC6C-76B5-421F-B920-3F2FA4A386EF}"/>
-              </a:ext>
-            </a:extLst>
-          </p:cNvPr>
-          <p:cNvSpPr txBox="1"/>
-          <p:nvPr/>
-        </p:nvSpPr>
-        <p:spPr>
-          <a:xfrm>
-            <a:off x="6353734" y="4844060"/>
-            <a:ext cx="389850" cy="338554"/>
-          </a:xfrm>
-          <a:prstGeom prst="rect">
-            <a:avLst/>
-          </a:prstGeom>
-          <a:noFill/>
-        </p:spPr>
-        <p:txBody>
-          <a:bodyPr wrap="none" rtlCol="0">
-            <a:spAutoFit/>
-          </a:bodyPr>
-          <a:lstStyle/>
-          <a:p>
-            <a:r>
-              <a:rPr lang="zh-TW" altLang="en-US" sz="1600" dirty="0">
-                <a:latin typeface="微軟正黑體" panose="020B0604030504040204" pitchFamily="34" charset="-120"/>
-                <a:ea typeface="微軟正黑體" panose="020B0604030504040204" pitchFamily="34" charset="-120"/>
-              </a:rPr>
-              <a:t>否</a:t>
-            </a:r>
-          </a:p>
-        </p:txBody>
-      </p:sp>
-      <p:sp>
-        <p:nvSpPr>
-          <p:cNvPr id="22" name="文字方塊 21">
-            <a:extLst>
-              <a:ext uri="{FF2B5EF4-FFF2-40B4-BE49-F238E27FC236}">
-                <a16:creationId xmlns:a16="http://schemas.microsoft.com/office/drawing/2014/main" id="{ABCFC4DA-60D8-447B-AED7-D04B7F851FC1}"/>
-              </a:ext>
-            </a:extLst>
-          </p:cNvPr>
-          <p:cNvSpPr txBox="1"/>
-          <p:nvPr/>
-        </p:nvSpPr>
-        <p:spPr>
-          <a:xfrm>
-            <a:off x="7824681" y="5562523"/>
-            <a:ext cx="389850" cy="338554"/>
-          </a:xfrm>
-          <a:prstGeom prst="rect">
-            <a:avLst/>
-          </a:prstGeom>
-          <a:noFill/>
-        </p:spPr>
-        <p:txBody>
-          <a:bodyPr wrap="none" rtlCol="0">
-            <a:spAutoFit/>
-          </a:bodyPr>
-          <a:lstStyle/>
-          <a:p>
-            <a:r>
-              <a:rPr lang="zh-TW" altLang="en-US" sz="1600" dirty="0">
-                <a:latin typeface="微軟正黑體" panose="020B0604030504040204" pitchFamily="34" charset="-120"/>
-                <a:ea typeface="微軟正黑體" panose="020B0604030504040204" pitchFamily="34" charset="-120"/>
-              </a:rPr>
-              <a:t>是</a:t>
-            </a:r>
-          </a:p>
-        </p:txBody>
-      </p:sp>
-      <p:sp>
-        <p:nvSpPr>
-          <p:cNvPr id="23" name="文字方塊 22">
-            <a:extLst>
-              <a:ext uri="{FF2B5EF4-FFF2-40B4-BE49-F238E27FC236}">
-                <a16:creationId xmlns:a16="http://schemas.microsoft.com/office/drawing/2014/main" id="{B7C71C00-2059-41EA-B212-2574A69B6130}"/>
-              </a:ext>
-            </a:extLst>
-          </p:cNvPr>
-          <p:cNvSpPr txBox="1"/>
-          <p:nvPr/>
-        </p:nvSpPr>
-        <p:spPr>
-          <a:xfrm>
-            <a:off x="1872810" y="5116642"/>
-            <a:ext cx="389850" cy="338554"/>
-          </a:xfrm>
-          <a:prstGeom prst="rect">
-            <a:avLst/>
-          </a:prstGeom>
-          <a:noFill/>
-        </p:spPr>
-        <p:txBody>
-          <a:bodyPr wrap="none" rtlCol="0">
-            <a:spAutoFit/>
-          </a:bodyPr>
-          <a:lstStyle/>
-          <a:p>
-            <a:r>
-              <a:rPr lang="zh-TW" altLang="en-US" sz="1600" dirty="0">
-                <a:latin typeface="微軟正黑體" panose="020B0604030504040204" pitchFamily="34" charset="-120"/>
-                <a:ea typeface="微軟正黑體" panose="020B0604030504040204" pitchFamily="34" charset="-120"/>
-              </a:rPr>
-              <a:t>否</a:t>
-            </a:r>
-          </a:p>
-        </p:txBody>
-      </p:sp>
-      <p:sp>
-        <p:nvSpPr>
-          <p:cNvPr id="24" name="文字方塊 23">
-            <a:extLst>
-              <a:ext uri="{FF2B5EF4-FFF2-40B4-BE49-F238E27FC236}">
-                <a16:creationId xmlns:a16="http://schemas.microsoft.com/office/drawing/2014/main" id="{F125E119-858B-40C3-9861-01306B9D19B8}"/>
-              </a:ext>
-            </a:extLst>
-          </p:cNvPr>
-          <p:cNvSpPr txBox="1"/>
-          <p:nvPr/>
-        </p:nvSpPr>
-        <p:spPr>
-          <a:xfrm>
-            <a:off x="2818119" y="4016094"/>
-            <a:ext cx="389850" cy="338554"/>
-          </a:xfrm>
-          <a:prstGeom prst="rect">
-            <a:avLst/>
-          </a:prstGeom>
-          <a:noFill/>
-        </p:spPr>
-        <p:txBody>
-          <a:bodyPr wrap="none" rtlCol="0">
-            <a:spAutoFit/>
-          </a:bodyPr>
-          <a:lstStyle/>
-          <a:p>
-            <a:r>
-              <a:rPr lang="zh-TW" altLang="en-US" sz="1600" dirty="0">
-                <a:latin typeface="微軟正黑體" panose="020B0604030504040204" pitchFamily="34" charset="-120"/>
-                <a:ea typeface="微軟正黑體" panose="020B0604030504040204" pitchFamily="34" charset="-120"/>
-              </a:rPr>
-              <a:t>是</a:t>
-            </a:r>
-          </a:p>
-        </p:txBody>
-      </p:sp>
-      <p:sp>
-        <p:nvSpPr>
-          <p:cNvPr id="25" name="矩形 24">
-            <a:extLst>
-              <a:ext uri="{FF2B5EF4-FFF2-40B4-BE49-F238E27FC236}">
-                <a16:creationId xmlns:a16="http://schemas.microsoft.com/office/drawing/2014/main" id="{E786C419-2396-4011-8CB0-E448AB299476}"/>
+                <a16:creationId xmlns:a16="http://schemas.microsoft.com/office/drawing/2014/main" id="{C7091AA4-89A2-4FD4-9C94-F00EB57614EF}"/>
               </a:ext>
             </a:extLst>
           </p:cNvPr>
@@ -10724,12 +10095,15 @@
         </p:nvSpPr>
         <p:spPr>
           <a:xfrm>
-            <a:off x="3458771" y="5643598"/>
-            <a:ext cx="1179095" cy="529573"/>
-          </a:xfrm>
-          <a:prstGeom prst="rect">
+            <a:off x="8670759" y="2357199"/>
+            <a:ext cx="1949115" cy="697832"/>
+          </a:xfrm>
+          <a:prstGeom prst="roundRect">
             <a:avLst/>
           </a:prstGeom>
+          <a:solidFill>
+            <a:schemeClr val="accent3"/>
+          </a:solidFill>
         </p:spPr>
         <p:style>
           <a:lnRef idx="2">
@@ -10749,25 +10123,124 @@
         </p:style>
         <p:txBody>
           <a:bodyPr rtlCol="0" anchor="ctr"/>
-          <a:lstStyle/>
+          <a:lstStyle>
+            <a:defPPr>
+              <a:defRPr lang="en-US"/>
+            </a:defPPr>
+            <a:lvl1pPr marL="0" algn="l" defTabSz="457200" rtl="0" eaLnBrk="1" latinLnBrk="0" hangingPunct="1">
+              <a:defRPr sz="1800" kern="1200">
+                <a:solidFill>
+                  <a:schemeClr val="lt1"/>
+                </a:solidFill>
+                <a:latin typeface="+mn-lt"/>
+                <a:ea typeface="+mn-ea"/>
+                <a:cs typeface="+mn-cs"/>
+              </a:defRPr>
+            </a:lvl1pPr>
+            <a:lvl2pPr marL="457200" algn="l" defTabSz="457200" rtl="0" eaLnBrk="1" latinLnBrk="0" hangingPunct="1">
+              <a:defRPr sz="1800" kern="1200">
+                <a:solidFill>
+                  <a:schemeClr val="lt1"/>
+                </a:solidFill>
+                <a:latin typeface="+mn-lt"/>
+                <a:ea typeface="+mn-ea"/>
+                <a:cs typeface="+mn-cs"/>
+              </a:defRPr>
+            </a:lvl2pPr>
+            <a:lvl3pPr marL="914400" algn="l" defTabSz="457200" rtl="0" eaLnBrk="1" latinLnBrk="0" hangingPunct="1">
+              <a:defRPr sz="1800" kern="1200">
+                <a:solidFill>
+                  <a:schemeClr val="lt1"/>
+                </a:solidFill>
+                <a:latin typeface="+mn-lt"/>
+                <a:ea typeface="+mn-ea"/>
+                <a:cs typeface="+mn-cs"/>
+              </a:defRPr>
+            </a:lvl3pPr>
+            <a:lvl4pPr marL="1371600" algn="l" defTabSz="457200" rtl="0" eaLnBrk="1" latinLnBrk="0" hangingPunct="1">
+              <a:defRPr sz="1800" kern="1200">
+                <a:solidFill>
+                  <a:schemeClr val="lt1"/>
+                </a:solidFill>
+                <a:latin typeface="+mn-lt"/>
+                <a:ea typeface="+mn-ea"/>
+                <a:cs typeface="+mn-cs"/>
+              </a:defRPr>
+            </a:lvl4pPr>
+            <a:lvl5pPr marL="1828800" algn="l" defTabSz="457200" rtl="0" eaLnBrk="1" latinLnBrk="0" hangingPunct="1">
+              <a:defRPr sz="1800" kern="1200">
+                <a:solidFill>
+                  <a:schemeClr val="lt1"/>
+                </a:solidFill>
+                <a:latin typeface="+mn-lt"/>
+                <a:ea typeface="+mn-ea"/>
+                <a:cs typeface="+mn-cs"/>
+              </a:defRPr>
+            </a:lvl5pPr>
+            <a:lvl6pPr marL="2286000" algn="l" defTabSz="457200" rtl="0" eaLnBrk="1" latinLnBrk="0" hangingPunct="1">
+              <a:defRPr sz="1800" kern="1200">
+                <a:solidFill>
+                  <a:schemeClr val="lt1"/>
+                </a:solidFill>
+                <a:latin typeface="+mn-lt"/>
+                <a:ea typeface="+mn-ea"/>
+                <a:cs typeface="+mn-cs"/>
+              </a:defRPr>
+            </a:lvl6pPr>
+            <a:lvl7pPr marL="2743200" algn="l" defTabSz="457200" rtl="0" eaLnBrk="1" latinLnBrk="0" hangingPunct="1">
+              <a:defRPr sz="1800" kern="1200">
+                <a:solidFill>
+                  <a:schemeClr val="lt1"/>
+                </a:solidFill>
+                <a:latin typeface="+mn-lt"/>
+                <a:ea typeface="+mn-ea"/>
+                <a:cs typeface="+mn-cs"/>
+              </a:defRPr>
+            </a:lvl7pPr>
+            <a:lvl8pPr marL="3200400" algn="l" defTabSz="457200" rtl="0" eaLnBrk="1" latinLnBrk="0" hangingPunct="1">
+              <a:defRPr sz="1800" kern="1200">
+                <a:solidFill>
+                  <a:schemeClr val="lt1"/>
+                </a:solidFill>
+                <a:latin typeface="+mn-lt"/>
+                <a:ea typeface="+mn-ea"/>
+                <a:cs typeface="+mn-cs"/>
+              </a:defRPr>
+            </a:lvl8pPr>
+            <a:lvl9pPr marL="3657600" algn="l" defTabSz="457200" rtl="0" eaLnBrk="1" latinLnBrk="0" hangingPunct="1">
+              <a:defRPr sz="1800" kern="1200">
+                <a:solidFill>
+                  <a:schemeClr val="lt1"/>
+                </a:solidFill>
+                <a:latin typeface="+mn-lt"/>
+                <a:ea typeface="+mn-ea"/>
+                <a:cs typeface="+mn-cs"/>
+              </a:defRPr>
+            </a:lvl9pPr>
+          </a:lstStyle>
           <a:p>
             <a:pPr algn="ctr"/>
             <a:r>
-              <a:rPr lang="zh-TW" altLang="en-US" sz="1400" dirty="0">
-                <a:latin typeface="微軟正黑體" panose="020B0604030504040204" pitchFamily="34" charset="-120"/>
-                <a:ea typeface="微軟正黑體" panose="020B0604030504040204" pitchFamily="34" charset="-120"/>
-              </a:rPr>
-              <a:t>另一方得分</a:t>
-            </a:r>
-          </a:p>
-        </p:txBody>
-      </p:sp>
-      <p:sp>
-        <p:nvSpPr>
-          <p:cNvPr id="26" name="矩形 25">
+              <a:rPr lang="zh-TW" altLang="en-US" dirty="0"/>
+              <a:t>判斷</a:t>
+            </a:r>
+            <a:r>
+              <a:rPr lang="en-US" altLang="zh-TW" dirty="0"/>
+              <a:t>/</a:t>
+            </a:r>
+            <a:r>
+              <a:rPr lang="zh-TW" altLang="en-US" dirty="0"/>
+              <a:t>預測</a:t>
+            </a:r>
+          </a:p>
+        </p:txBody>
+      </p:sp>
+      <p:sp>
+        <p:nvSpPr>
+          <p:cNvPr id="14" name="矩形: 圓角 13">
             <a:extLst>
               <a:ext uri="{FF2B5EF4-FFF2-40B4-BE49-F238E27FC236}">
-                <a16:creationId xmlns:a16="http://schemas.microsoft.com/office/drawing/2014/main" id="{F3131C0F-BC37-45C9-80B8-00B6685AE1FE}"/>
+                <a16:creationId xmlns:a16="http://schemas.microsoft.com/office/drawing/2014/main" id="{9F77C482-1EC8-40CB-B283-2CE7A47D2598}"/>
               </a:ext>
             </a:extLst>
           </p:cNvPr>
@@ -10776,12 +10249,17 @@
         </p:nvSpPr>
         <p:spPr>
           <a:xfrm>
-            <a:off x="6253564" y="3941821"/>
-            <a:ext cx="1179095" cy="625000"/>
-          </a:xfrm>
-          <a:prstGeom prst="rect">
+            <a:off x="4896854" y="3604475"/>
+            <a:ext cx="962523" cy="697832"/>
+          </a:xfrm>
+          <a:prstGeom prst="roundRect">
             <a:avLst/>
           </a:prstGeom>
+          <a:solidFill>
+            <a:schemeClr val="accent1">
+              <a:lumMod val="75000"/>
+            </a:schemeClr>
+          </a:solidFill>
         </p:spPr>
         <p:style>
           <a:lnRef idx="2">
@@ -10801,55 +10279,1104 @@
         </p:style>
         <p:txBody>
           <a:bodyPr rtlCol="0" anchor="ctr"/>
-          <a:lstStyle/>
+          <a:lstStyle>
+            <a:defPPr>
+              <a:defRPr lang="en-US"/>
+            </a:defPPr>
+            <a:lvl1pPr marL="0" algn="l" defTabSz="457200" rtl="0" eaLnBrk="1" latinLnBrk="0" hangingPunct="1">
+              <a:defRPr sz="1800" kern="1200">
+                <a:solidFill>
+                  <a:schemeClr val="lt1"/>
+                </a:solidFill>
+                <a:latin typeface="+mn-lt"/>
+                <a:ea typeface="+mn-ea"/>
+                <a:cs typeface="+mn-cs"/>
+              </a:defRPr>
+            </a:lvl1pPr>
+            <a:lvl2pPr marL="457200" algn="l" defTabSz="457200" rtl="0" eaLnBrk="1" latinLnBrk="0" hangingPunct="1">
+              <a:defRPr sz="1800" kern="1200">
+                <a:solidFill>
+                  <a:schemeClr val="lt1"/>
+                </a:solidFill>
+                <a:latin typeface="+mn-lt"/>
+                <a:ea typeface="+mn-ea"/>
+                <a:cs typeface="+mn-cs"/>
+              </a:defRPr>
+            </a:lvl2pPr>
+            <a:lvl3pPr marL="914400" algn="l" defTabSz="457200" rtl="0" eaLnBrk="1" latinLnBrk="0" hangingPunct="1">
+              <a:defRPr sz="1800" kern="1200">
+                <a:solidFill>
+                  <a:schemeClr val="lt1"/>
+                </a:solidFill>
+                <a:latin typeface="+mn-lt"/>
+                <a:ea typeface="+mn-ea"/>
+                <a:cs typeface="+mn-cs"/>
+              </a:defRPr>
+            </a:lvl3pPr>
+            <a:lvl4pPr marL="1371600" algn="l" defTabSz="457200" rtl="0" eaLnBrk="1" latinLnBrk="0" hangingPunct="1">
+              <a:defRPr sz="1800" kern="1200">
+                <a:solidFill>
+                  <a:schemeClr val="lt1"/>
+                </a:solidFill>
+                <a:latin typeface="+mn-lt"/>
+                <a:ea typeface="+mn-ea"/>
+                <a:cs typeface="+mn-cs"/>
+              </a:defRPr>
+            </a:lvl4pPr>
+            <a:lvl5pPr marL="1828800" algn="l" defTabSz="457200" rtl="0" eaLnBrk="1" latinLnBrk="0" hangingPunct="1">
+              <a:defRPr sz="1800" kern="1200">
+                <a:solidFill>
+                  <a:schemeClr val="lt1"/>
+                </a:solidFill>
+                <a:latin typeface="+mn-lt"/>
+                <a:ea typeface="+mn-ea"/>
+                <a:cs typeface="+mn-cs"/>
+              </a:defRPr>
+            </a:lvl5pPr>
+            <a:lvl6pPr marL="2286000" algn="l" defTabSz="457200" rtl="0" eaLnBrk="1" latinLnBrk="0" hangingPunct="1">
+              <a:defRPr sz="1800" kern="1200">
+                <a:solidFill>
+                  <a:schemeClr val="lt1"/>
+                </a:solidFill>
+                <a:latin typeface="+mn-lt"/>
+                <a:ea typeface="+mn-ea"/>
+                <a:cs typeface="+mn-cs"/>
+              </a:defRPr>
+            </a:lvl6pPr>
+            <a:lvl7pPr marL="2743200" algn="l" defTabSz="457200" rtl="0" eaLnBrk="1" latinLnBrk="0" hangingPunct="1">
+              <a:defRPr sz="1800" kern="1200">
+                <a:solidFill>
+                  <a:schemeClr val="lt1"/>
+                </a:solidFill>
+                <a:latin typeface="+mn-lt"/>
+                <a:ea typeface="+mn-ea"/>
+                <a:cs typeface="+mn-cs"/>
+              </a:defRPr>
+            </a:lvl7pPr>
+            <a:lvl8pPr marL="3200400" algn="l" defTabSz="457200" rtl="0" eaLnBrk="1" latinLnBrk="0" hangingPunct="1">
+              <a:defRPr sz="1800" kern="1200">
+                <a:solidFill>
+                  <a:schemeClr val="lt1"/>
+                </a:solidFill>
+                <a:latin typeface="+mn-lt"/>
+                <a:ea typeface="+mn-ea"/>
+                <a:cs typeface="+mn-cs"/>
+              </a:defRPr>
+            </a:lvl8pPr>
+            <a:lvl9pPr marL="3657600" algn="l" defTabSz="457200" rtl="0" eaLnBrk="1" latinLnBrk="0" hangingPunct="1">
+              <a:defRPr sz="1800" kern="1200">
+                <a:solidFill>
+                  <a:schemeClr val="lt1"/>
+                </a:solidFill>
+                <a:latin typeface="+mn-lt"/>
+                <a:ea typeface="+mn-ea"/>
+                <a:cs typeface="+mn-cs"/>
+              </a:defRPr>
+            </a:lvl9pPr>
+          </a:lstStyle>
           <a:p>
             <a:pPr algn="ctr"/>
             <a:r>
-              <a:rPr lang="zh-TW" altLang="en-US" sz="1400" dirty="0">
-                <a:latin typeface="微軟正黑體" panose="020B0604030504040204" pitchFamily="34" charset="-120"/>
-                <a:ea typeface="微軟正黑體" panose="020B0604030504040204" pitchFamily="34" charset="-120"/>
-              </a:rPr>
-              <a:t>換方發球</a:t>
-            </a:r>
-          </a:p>
-        </p:txBody>
-      </p:sp>
+              <a:rPr lang="zh-TW" altLang="en-US" dirty="0"/>
+              <a:t>對打模組</a:t>
+            </a:r>
+          </a:p>
+        </p:txBody>
+      </p:sp>
+      <p:sp>
+        <p:nvSpPr>
+          <p:cNvPr id="15" name="矩形: 圓角 14">
+            <a:extLst>
+              <a:ext uri="{FF2B5EF4-FFF2-40B4-BE49-F238E27FC236}">
+                <a16:creationId xmlns:a16="http://schemas.microsoft.com/office/drawing/2014/main" id="{CD5BD448-C439-473A-829F-47E4C2975727}"/>
+              </a:ext>
+            </a:extLst>
+          </p:cNvPr>
+          <p:cNvSpPr/>
+          <p:nvPr/>
+        </p:nvSpPr>
+        <p:spPr>
+          <a:xfrm>
+            <a:off x="6304551" y="3620516"/>
+            <a:ext cx="962524" cy="689811"/>
+          </a:xfrm>
+          <a:prstGeom prst="roundRect">
+            <a:avLst/>
+          </a:prstGeom>
+          <a:solidFill>
+            <a:schemeClr val="accent1">
+              <a:lumMod val="75000"/>
+            </a:schemeClr>
+          </a:solidFill>
+        </p:spPr>
+        <p:style>
+          <a:lnRef idx="2">
+            <a:schemeClr val="accent1">
+              <a:shade val="50000"/>
+            </a:schemeClr>
+          </a:lnRef>
+          <a:fillRef idx="1">
+            <a:schemeClr val="accent1"/>
+          </a:fillRef>
+          <a:effectRef idx="0">
+            <a:schemeClr val="accent1"/>
+          </a:effectRef>
+          <a:fontRef idx="minor">
+            <a:schemeClr val="lt1"/>
+          </a:fontRef>
+        </p:style>
+        <p:txBody>
+          <a:bodyPr rtlCol="0" anchor="ctr"/>
+          <a:lstStyle>
+            <a:defPPr>
+              <a:defRPr lang="en-US"/>
+            </a:defPPr>
+            <a:lvl1pPr marL="0" algn="l" defTabSz="457200" rtl="0" eaLnBrk="1" latinLnBrk="0" hangingPunct="1">
+              <a:defRPr sz="1800" kern="1200">
+                <a:solidFill>
+                  <a:schemeClr val="lt1"/>
+                </a:solidFill>
+                <a:latin typeface="+mn-lt"/>
+                <a:ea typeface="+mn-ea"/>
+                <a:cs typeface="+mn-cs"/>
+              </a:defRPr>
+            </a:lvl1pPr>
+            <a:lvl2pPr marL="457200" algn="l" defTabSz="457200" rtl="0" eaLnBrk="1" latinLnBrk="0" hangingPunct="1">
+              <a:defRPr sz="1800" kern="1200">
+                <a:solidFill>
+                  <a:schemeClr val="lt1"/>
+                </a:solidFill>
+                <a:latin typeface="+mn-lt"/>
+                <a:ea typeface="+mn-ea"/>
+                <a:cs typeface="+mn-cs"/>
+              </a:defRPr>
+            </a:lvl2pPr>
+            <a:lvl3pPr marL="914400" algn="l" defTabSz="457200" rtl="0" eaLnBrk="1" latinLnBrk="0" hangingPunct="1">
+              <a:defRPr sz="1800" kern="1200">
+                <a:solidFill>
+                  <a:schemeClr val="lt1"/>
+                </a:solidFill>
+                <a:latin typeface="+mn-lt"/>
+                <a:ea typeface="+mn-ea"/>
+                <a:cs typeface="+mn-cs"/>
+              </a:defRPr>
+            </a:lvl3pPr>
+            <a:lvl4pPr marL="1371600" algn="l" defTabSz="457200" rtl="0" eaLnBrk="1" latinLnBrk="0" hangingPunct="1">
+              <a:defRPr sz="1800" kern="1200">
+                <a:solidFill>
+                  <a:schemeClr val="lt1"/>
+                </a:solidFill>
+                <a:latin typeface="+mn-lt"/>
+                <a:ea typeface="+mn-ea"/>
+                <a:cs typeface="+mn-cs"/>
+              </a:defRPr>
+            </a:lvl4pPr>
+            <a:lvl5pPr marL="1828800" algn="l" defTabSz="457200" rtl="0" eaLnBrk="1" latinLnBrk="0" hangingPunct="1">
+              <a:defRPr sz="1800" kern="1200">
+                <a:solidFill>
+                  <a:schemeClr val="lt1"/>
+                </a:solidFill>
+                <a:latin typeface="+mn-lt"/>
+                <a:ea typeface="+mn-ea"/>
+                <a:cs typeface="+mn-cs"/>
+              </a:defRPr>
+            </a:lvl5pPr>
+            <a:lvl6pPr marL="2286000" algn="l" defTabSz="457200" rtl="0" eaLnBrk="1" latinLnBrk="0" hangingPunct="1">
+              <a:defRPr sz="1800" kern="1200">
+                <a:solidFill>
+                  <a:schemeClr val="lt1"/>
+                </a:solidFill>
+                <a:latin typeface="+mn-lt"/>
+                <a:ea typeface="+mn-ea"/>
+                <a:cs typeface="+mn-cs"/>
+              </a:defRPr>
+            </a:lvl6pPr>
+            <a:lvl7pPr marL="2743200" algn="l" defTabSz="457200" rtl="0" eaLnBrk="1" latinLnBrk="0" hangingPunct="1">
+              <a:defRPr sz="1800" kern="1200">
+                <a:solidFill>
+                  <a:schemeClr val="lt1"/>
+                </a:solidFill>
+                <a:latin typeface="+mn-lt"/>
+                <a:ea typeface="+mn-ea"/>
+                <a:cs typeface="+mn-cs"/>
+              </a:defRPr>
+            </a:lvl7pPr>
+            <a:lvl8pPr marL="3200400" algn="l" defTabSz="457200" rtl="0" eaLnBrk="1" latinLnBrk="0" hangingPunct="1">
+              <a:defRPr sz="1800" kern="1200">
+                <a:solidFill>
+                  <a:schemeClr val="lt1"/>
+                </a:solidFill>
+                <a:latin typeface="+mn-lt"/>
+                <a:ea typeface="+mn-ea"/>
+                <a:cs typeface="+mn-cs"/>
+              </a:defRPr>
+            </a:lvl8pPr>
+            <a:lvl9pPr marL="3657600" algn="l" defTabSz="457200" rtl="0" eaLnBrk="1" latinLnBrk="0" hangingPunct="1">
+              <a:defRPr sz="1800" kern="1200">
+                <a:solidFill>
+                  <a:schemeClr val="lt1"/>
+                </a:solidFill>
+                <a:latin typeface="+mn-lt"/>
+                <a:ea typeface="+mn-ea"/>
+                <a:cs typeface="+mn-cs"/>
+              </a:defRPr>
+            </a:lvl9pPr>
+          </a:lstStyle>
+          <a:p>
+            <a:pPr algn="ctr"/>
+            <a:r>
+              <a:rPr lang="zh-TW" altLang="en-US" dirty="0"/>
+              <a:t>速度測試模組</a:t>
+            </a:r>
+          </a:p>
+        </p:txBody>
+      </p:sp>
+      <p:sp>
+        <p:nvSpPr>
+          <p:cNvPr id="16" name="矩形: 圓角 15">
+            <a:extLst>
+              <a:ext uri="{FF2B5EF4-FFF2-40B4-BE49-F238E27FC236}">
+                <a16:creationId xmlns:a16="http://schemas.microsoft.com/office/drawing/2014/main" id="{35102A37-7540-457F-99EB-FB8240C92AEC}"/>
+              </a:ext>
+            </a:extLst>
+          </p:cNvPr>
+          <p:cNvSpPr/>
+          <p:nvPr/>
+        </p:nvSpPr>
+        <p:spPr>
+          <a:xfrm>
+            <a:off x="7267075" y="4526896"/>
+            <a:ext cx="1704472" cy="697832"/>
+          </a:xfrm>
+          <a:prstGeom prst="roundRect">
+            <a:avLst/>
+          </a:prstGeom>
+          <a:solidFill>
+            <a:schemeClr val="accent1">
+              <a:lumMod val="75000"/>
+            </a:schemeClr>
+          </a:solidFill>
+        </p:spPr>
+        <p:style>
+          <a:lnRef idx="2">
+            <a:schemeClr val="accent1">
+              <a:shade val="50000"/>
+            </a:schemeClr>
+          </a:lnRef>
+          <a:fillRef idx="1">
+            <a:schemeClr val="accent1"/>
+          </a:fillRef>
+          <a:effectRef idx="0">
+            <a:schemeClr val="accent1"/>
+          </a:effectRef>
+          <a:fontRef idx="minor">
+            <a:schemeClr val="lt1"/>
+          </a:fontRef>
+        </p:style>
+        <p:txBody>
+          <a:bodyPr rtlCol="0" anchor="ctr"/>
+          <a:lstStyle>
+            <a:defPPr>
+              <a:defRPr lang="en-US"/>
+            </a:defPPr>
+            <a:lvl1pPr marL="0" algn="l" defTabSz="457200" rtl="0" eaLnBrk="1" latinLnBrk="0" hangingPunct="1">
+              <a:defRPr sz="1800" kern="1200">
+                <a:solidFill>
+                  <a:schemeClr val="lt1"/>
+                </a:solidFill>
+                <a:latin typeface="+mn-lt"/>
+                <a:ea typeface="+mn-ea"/>
+                <a:cs typeface="+mn-cs"/>
+              </a:defRPr>
+            </a:lvl1pPr>
+            <a:lvl2pPr marL="457200" algn="l" defTabSz="457200" rtl="0" eaLnBrk="1" latinLnBrk="0" hangingPunct="1">
+              <a:defRPr sz="1800" kern="1200">
+                <a:solidFill>
+                  <a:schemeClr val="lt1"/>
+                </a:solidFill>
+                <a:latin typeface="+mn-lt"/>
+                <a:ea typeface="+mn-ea"/>
+                <a:cs typeface="+mn-cs"/>
+              </a:defRPr>
+            </a:lvl2pPr>
+            <a:lvl3pPr marL="914400" algn="l" defTabSz="457200" rtl="0" eaLnBrk="1" latinLnBrk="0" hangingPunct="1">
+              <a:defRPr sz="1800" kern="1200">
+                <a:solidFill>
+                  <a:schemeClr val="lt1"/>
+                </a:solidFill>
+                <a:latin typeface="+mn-lt"/>
+                <a:ea typeface="+mn-ea"/>
+                <a:cs typeface="+mn-cs"/>
+              </a:defRPr>
+            </a:lvl3pPr>
+            <a:lvl4pPr marL="1371600" algn="l" defTabSz="457200" rtl="0" eaLnBrk="1" latinLnBrk="0" hangingPunct="1">
+              <a:defRPr sz="1800" kern="1200">
+                <a:solidFill>
+                  <a:schemeClr val="lt1"/>
+                </a:solidFill>
+                <a:latin typeface="+mn-lt"/>
+                <a:ea typeface="+mn-ea"/>
+                <a:cs typeface="+mn-cs"/>
+              </a:defRPr>
+            </a:lvl4pPr>
+            <a:lvl5pPr marL="1828800" algn="l" defTabSz="457200" rtl="0" eaLnBrk="1" latinLnBrk="0" hangingPunct="1">
+              <a:defRPr sz="1800" kern="1200">
+                <a:solidFill>
+                  <a:schemeClr val="lt1"/>
+                </a:solidFill>
+                <a:latin typeface="+mn-lt"/>
+                <a:ea typeface="+mn-ea"/>
+                <a:cs typeface="+mn-cs"/>
+              </a:defRPr>
+            </a:lvl5pPr>
+            <a:lvl6pPr marL="2286000" algn="l" defTabSz="457200" rtl="0" eaLnBrk="1" latinLnBrk="0" hangingPunct="1">
+              <a:defRPr sz="1800" kern="1200">
+                <a:solidFill>
+                  <a:schemeClr val="lt1"/>
+                </a:solidFill>
+                <a:latin typeface="+mn-lt"/>
+                <a:ea typeface="+mn-ea"/>
+                <a:cs typeface="+mn-cs"/>
+              </a:defRPr>
+            </a:lvl6pPr>
+            <a:lvl7pPr marL="2743200" algn="l" defTabSz="457200" rtl="0" eaLnBrk="1" latinLnBrk="0" hangingPunct="1">
+              <a:defRPr sz="1800" kern="1200">
+                <a:solidFill>
+                  <a:schemeClr val="lt1"/>
+                </a:solidFill>
+                <a:latin typeface="+mn-lt"/>
+                <a:ea typeface="+mn-ea"/>
+                <a:cs typeface="+mn-cs"/>
+              </a:defRPr>
+            </a:lvl7pPr>
+            <a:lvl8pPr marL="3200400" algn="l" defTabSz="457200" rtl="0" eaLnBrk="1" latinLnBrk="0" hangingPunct="1">
+              <a:defRPr sz="1800" kern="1200">
+                <a:solidFill>
+                  <a:schemeClr val="lt1"/>
+                </a:solidFill>
+                <a:latin typeface="+mn-lt"/>
+                <a:ea typeface="+mn-ea"/>
+                <a:cs typeface="+mn-cs"/>
+              </a:defRPr>
+            </a:lvl8pPr>
+            <a:lvl9pPr marL="3657600" algn="l" defTabSz="457200" rtl="0" eaLnBrk="1" latinLnBrk="0" hangingPunct="1">
+              <a:defRPr sz="1800" kern="1200">
+                <a:solidFill>
+                  <a:schemeClr val="lt1"/>
+                </a:solidFill>
+                <a:latin typeface="+mn-lt"/>
+                <a:ea typeface="+mn-ea"/>
+                <a:cs typeface="+mn-cs"/>
+              </a:defRPr>
+            </a:lvl9pPr>
+          </a:lstStyle>
+          <a:p>
+            <a:pPr algn="ctr"/>
+            <a:r>
+              <a:rPr lang="zh-TW" altLang="en-US" dirty="0"/>
+              <a:t>軌跡判斷模組</a:t>
+            </a:r>
+          </a:p>
+        </p:txBody>
+      </p:sp>
+      <p:sp>
+        <p:nvSpPr>
+          <p:cNvPr id="17" name="矩形: 圓角 16">
+            <a:extLst>
+              <a:ext uri="{FF2B5EF4-FFF2-40B4-BE49-F238E27FC236}">
+                <a16:creationId xmlns:a16="http://schemas.microsoft.com/office/drawing/2014/main" id="{A40CD843-E159-4DF4-838E-DFBB09C775DD}"/>
+              </a:ext>
+            </a:extLst>
+          </p:cNvPr>
+          <p:cNvSpPr/>
+          <p:nvPr/>
+        </p:nvSpPr>
+        <p:spPr>
+          <a:xfrm>
+            <a:off x="10309062" y="4526896"/>
+            <a:ext cx="1704472" cy="697832"/>
+          </a:xfrm>
+          <a:prstGeom prst="roundRect">
+            <a:avLst/>
+          </a:prstGeom>
+          <a:solidFill>
+            <a:schemeClr val="accent1">
+              <a:lumMod val="75000"/>
+            </a:schemeClr>
+          </a:solidFill>
+        </p:spPr>
+        <p:style>
+          <a:lnRef idx="2">
+            <a:schemeClr val="accent1">
+              <a:shade val="50000"/>
+            </a:schemeClr>
+          </a:lnRef>
+          <a:fillRef idx="1">
+            <a:schemeClr val="accent1"/>
+          </a:fillRef>
+          <a:effectRef idx="0">
+            <a:schemeClr val="accent1"/>
+          </a:effectRef>
+          <a:fontRef idx="minor">
+            <a:schemeClr val="lt1"/>
+          </a:fontRef>
+        </p:style>
+        <p:txBody>
+          <a:bodyPr rtlCol="0" anchor="ctr"/>
+          <a:lstStyle>
+            <a:defPPr>
+              <a:defRPr lang="en-US"/>
+            </a:defPPr>
+            <a:lvl1pPr marL="0" algn="l" defTabSz="457200" rtl="0" eaLnBrk="1" latinLnBrk="0" hangingPunct="1">
+              <a:defRPr sz="1800" kern="1200">
+                <a:solidFill>
+                  <a:schemeClr val="lt1"/>
+                </a:solidFill>
+                <a:latin typeface="+mn-lt"/>
+                <a:ea typeface="+mn-ea"/>
+                <a:cs typeface="+mn-cs"/>
+              </a:defRPr>
+            </a:lvl1pPr>
+            <a:lvl2pPr marL="457200" algn="l" defTabSz="457200" rtl="0" eaLnBrk="1" latinLnBrk="0" hangingPunct="1">
+              <a:defRPr sz="1800" kern="1200">
+                <a:solidFill>
+                  <a:schemeClr val="lt1"/>
+                </a:solidFill>
+                <a:latin typeface="+mn-lt"/>
+                <a:ea typeface="+mn-ea"/>
+                <a:cs typeface="+mn-cs"/>
+              </a:defRPr>
+            </a:lvl2pPr>
+            <a:lvl3pPr marL="914400" algn="l" defTabSz="457200" rtl="0" eaLnBrk="1" latinLnBrk="0" hangingPunct="1">
+              <a:defRPr sz="1800" kern="1200">
+                <a:solidFill>
+                  <a:schemeClr val="lt1"/>
+                </a:solidFill>
+                <a:latin typeface="+mn-lt"/>
+                <a:ea typeface="+mn-ea"/>
+                <a:cs typeface="+mn-cs"/>
+              </a:defRPr>
+            </a:lvl3pPr>
+            <a:lvl4pPr marL="1371600" algn="l" defTabSz="457200" rtl="0" eaLnBrk="1" latinLnBrk="0" hangingPunct="1">
+              <a:defRPr sz="1800" kern="1200">
+                <a:solidFill>
+                  <a:schemeClr val="lt1"/>
+                </a:solidFill>
+                <a:latin typeface="+mn-lt"/>
+                <a:ea typeface="+mn-ea"/>
+                <a:cs typeface="+mn-cs"/>
+              </a:defRPr>
+            </a:lvl4pPr>
+            <a:lvl5pPr marL="1828800" algn="l" defTabSz="457200" rtl="0" eaLnBrk="1" latinLnBrk="0" hangingPunct="1">
+              <a:defRPr sz="1800" kern="1200">
+                <a:solidFill>
+                  <a:schemeClr val="lt1"/>
+                </a:solidFill>
+                <a:latin typeface="+mn-lt"/>
+                <a:ea typeface="+mn-ea"/>
+                <a:cs typeface="+mn-cs"/>
+              </a:defRPr>
+            </a:lvl5pPr>
+            <a:lvl6pPr marL="2286000" algn="l" defTabSz="457200" rtl="0" eaLnBrk="1" latinLnBrk="0" hangingPunct="1">
+              <a:defRPr sz="1800" kern="1200">
+                <a:solidFill>
+                  <a:schemeClr val="lt1"/>
+                </a:solidFill>
+                <a:latin typeface="+mn-lt"/>
+                <a:ea typeface="+mn-ea"/>
+                <a:cs typeface="+mn-cs"/>
+              </a:defRPr>
+            </a:lvl6pPr>
+            <a:lvl7pPr marL="2743200" algn="l" defTabSz="457200" rtl="0" eaLnBrk="1" latinLnBrk="0" hangingPunct="1">
+              <a:defRPr sz="1800" kern="1200">
+                <a:solidFill>
+                  <a:schemeClr val="lt1"/>
+                </a:solidFill>
+                <a:latin typeface="+mn-lt"/>
+                <a:ea typeface="+mn-ea"/>
+                <a:cs typeface="+mn-cs"/>
+              </a:defRPr>
+            </a:lvl7pPr>
+            <a:lvl8pPr marL="3200400" algn="l" defTabSz="457200" rtl="0" eaLnBrk="1" latinLnBrk="0" hangingPunct="1">
+              <a:defRPr sz="1800" kern="1200">
+                <a:solidFill>
+                  <a:schemeClr val="lt1"/>
+                </a:solidFill>
+                <a:latin typeface="+mn-lt"/>
+                <a:ea typeface="+mn-ea"/>
+                <a:cs typeface="+mn-cs"/>
+              </a:defRPr>
+            </a:lvl8pPr>
+            <a:lvl9pPr marL="3657600" algn="l" defTabSz="457200" rtl="0" eaLnBrk="1" latinLnBrk="0" hangingPunct="1">
+              <a:defRPr sz="1800" kern="1200">
+                <a:solidFill>
+                  <a:schemeClr val="lt1"/>
+                </a:solidFill>
+                <a:latin typeface="+mn-lt"/>
+                <a:ea typeface="+mn-ea"/>
+                <a:cs typeface="+mn-cs"/>
+              </a:defRPr>
+            </a:lvl9pPr>
+          </a:lstStyle>
+          <a:p>
+            <a:pPr algn="ctr"/>
+            <a:r>
+              <a:rPr lang="zh-TW" altLang="en-US" dirty="0"/>
+              <a:t>落點預測模組</a:t>
+            </a:r>
+          </a:p>
+        </p:txBody>
+      </p:sp>
+      <p:sp>
+        <p:nvSpPr>
+          <p:cNvPr id="18" name="矩形: 圓角 17">
+            <a:extLst>
+              <a:ext uri="{FF2B5EF4-FFF2-40B4-BE49-F238E27FC236}">
+                <a16:creationId xmlns:a16="http://schemas.microsoft.com/office/drawing/2014/main" id="{DF516377-A996-471C-978F-592077DF066B}"/>
+              </a:ext>
+            </a:extLst>
+          </p:cNvPr>
+          <p:cNvSpPr/>
+          <p:nvPr/>
+        </p:nvSpPr>
+        <p:spPr>
+          <a:xfrm>
+            <a:off x="8793080" y="5669897"/>
+            <a:ext cx="1704472" cy="697832"/>
+          </a:xfrm>
+          <a:prstGeom prst="roundRect">
+            <a:avLst/>
+          </a:prstGeom>
+          <a:solidFill>
+            <a:schemeClr val="accent1">
+              <a:lumMod val="75000"/>
+            </a:schemeClr>
+          </a:solidFill>
+        </p:spPr>
+        <p:style>
+          <a:lnRef idx="2">
+            <a:schemeClr val="accent1">
+              <a:shade val="50000"/>
+            </a:schemeClr>
+          </a:lnRef>
+          <a:fillRef idx="1">
+            <a:schemeClr val="accent1"/>
+          </a:fillRef>
+          <a:effectRef idx="0">
+            <a:schemeClr val="accent1"/>
+          </a:effectRef>
+          <a:fontRef idx="minor">
+            <a:schemeClr val="lt1"/>
+          </a:fontRef>
+        </p:style>
+        <p:txBody>
+          <a:bodyPr rtlCol="0" anchor="ctr"/>
+          <a:lstStyle>
+            <a:defPPr>
+              <a:defRPr lang="en-US"/>
+            </a:defPPr>
+            <a:lvl1pPr marL="0" algn="l" defTabSz="457200" rtl="0" eaLnBrk="1" latinLnBrk="0" hangingPunct="1">
+              <a:defRPr sz="1800" kern="1200">
+                <a:solidFill>
+                  <a:schemeClr val="lt1"/>
+                </a:solidFill>
+                <a:latin typeface="+mn-lt"/>
+                <a:ea typeface="+mn-ea"/>
+                <a:cs typeface="+mn-cs"/>
+              </a:defRPr>
+            </a:lvl1pPr>
+            <a:lvl2pPr marL="457200" algn="l" defTabSz="457200" rtl="0" eaLnBrk="1" latinLnBrk="0" hangingPunct="1">
+              <a:defRPr sz="1800" kern="1200">
+                <a:solidFill>
+                  <a:schemeClr val="lt1"/>
+                </a:solidFill>
+                <a:latin typeface="+mn-lt"/>
+                <a:ea typeface="+mn-ea"/>
+                <a:cs typeface="+mn-cs"/>
+              </a:defRPr>
+            </a:lvl2pPr>
+            <a:lvl3pPr marL="914400" algn="l" defTabSz="457200" rtl="0" eaLnBrk="1" latinLnBrk="0" hangingPunct="1">
+              <a:defRPr sz="1800" kern="1200">
+                <a:solidFill>
+                  <a:schemeClr val="lt1"/>
+                </a:solidFill>
+                <a:latin typeface="+mn-lt"/>
+                <a:ea typeface="+mn-ea"/>
+                <a:cs typeface="+mn-cs"/>
+              </a:defRPr>
+            </a:lvl3pPr>
+            <a:lvl4pPr marL="1371600" algn="l" defTabSz="457200" rtl="0" eaLnBrk="1" latinLnBrk="0" hangingPunct="1">
+              <a:defRPr sz="1800" kern="1200">
+                <a:solidFill>
+                  <a:schemeClr val="lt1"/>
+                </a:solidFill>
+                <a:latin typeface="+mn-lt"/>
+                <a:ea typeface="+mn-ea"/>
+                <a:cs typeface="+mn-cs"/>
+              </a:defRPr>
+            </a:lvl4pPr>
+            <a:lvl5pPr marL="1828800" algn="l" defTabSz="457200" rtl="0" eaLnBrk="1" latinLnBrk="0" hangingPunct="1">
+              <a:defRPr sz="1800" kern="1200">
+                <a:solidFill>
+                  <a:schemeClr val="lt1"/>
+                </a:solidFill>
+                <a:latin typeface="+mn-lt"/>
+                <a:ea typeface="+mn-ea"/>
+                <a:cs typeface="+mn-cs"/>
+              </a:defRPr>
+            </a:lvl5pPr>
+            <a:lvl6pPr marL="2286000" algn="l" defTabSz="457200" rtl="0" eaLnBrk="1" latinLnBrk="0" hangingPunct="1">
+              <a:defRPr sz="1800" kern="1200">
+                <a:solidFill>
+                  <a:schemeClr val="lt1"/>
+                </a:solidFill>
+                <a:latin typeface="+mn-lt"/>
+                <a:ea typeface="+mn-ea"/>
+                <a:cs typeface="+mn-cs"/>
+              </a:defRPr>
+            </a:lvl6pPr>
+            <a:lvl7pPr marL="2743200" algn="l" defTabSz="457200" rtl="0" eaLnBrk="1" latinLnBrk="0" hangingPunct="1">
+              <a:defRPr sz="1800" kern="1200">
+                <a:solidFill>
+                  <a:schemeClr val="lt1"/>
+                </a:solidFill>
+                <a:latin typeface="+mn-lt"/>
+                <a:ea typeface="+mn-ea"/>
+                <a:cs typeface="+mn-cs"/>
+              </a:defRPr>
+            </a:lvl7pPr>
+            <a:lvl8pPr marL="3200400" algn="l" defTabSz="457200" rtl="0" eaLnBrk="1" latinLnBrk="0" hangingPunct="1">
+              <a:defRPr sz="1800" kern="1200">
+                <a:solidFill>
+                  <a:schemeClr val="lt1"/>
+                </a:solidFill>
+                <a:latin typeface="+mn-lt"/>
+                <a:ea typeface="+mn-ea"/>
+                <a:cs typeface="+mn-cs"/>
+              </a:defRPr>
+            </a:lvl8pPr>
+            <a:lvl9pPr marL="3657600" algn="l" defTabSz="457200" rtl="0" eaLnBrk="1" latinLnBrk="0" hangingPunct="1">
+              <a:defRPr sz="1800" kern="1200">
+                <a:solidFill>
+                  <a:schemeClr val="lt1"/>
+                </a:solidFill>
+                <a:latin typeface="+mn-lt"/>
+                <a:ea typeface="+mn-ea"/>
+                <a:cs typeface="+mn-cs"/>
+              </a:defRPr>
+            </a:lvl9pPr>
+          </a:lstStyle>
+          <a:p>
+            <a:pPr algn="ctr"/>
+            <a:r>
+              <a:rPr lang="zh-TW" altLang="en-US" dirty="0"/>
+              <a:t>速度判斷模組</a:t>
+            </a:r>
+          </a:p>
+        </p:txBody>
+      </p:sp>
+      <p:cxnSp>
+        <p:nvCxnSpPr>
+          <p:cNvPr id="19" name="直線單箭頭接點 18">
+            <a:extLst>
+              <a:ext uri="{FF2B5EF4-FFF2-40B4-BE49-F238E27FC236}">
+                <a16:creationId xmlns:a16="http://schemas.microsoft.com/office/drawing/2014/main" id="{D2EF0EA1-7F6E-4B6E-885D-24021671A7EB}"/>
+              </a:ext>
+            </a:extLst>
+          </p:cNvPr>
+          <p:cNvCxnSpPr>
+            <a:cxnSpLocks/>
+            <a:stCxn id="4" idx="2"/>
+            <a:endCxn id="5" idx="0"/>
+          </p:cNvCxnSpPr>
+          <p:nvPr/>
+        </p:nvCxnSpPr>
+        <p:spPr>
+          <a:xfrm flipH="1">
+            <a:off x="2546683" y="1719528"/>
+            <a:ext cx="3549317" cy="627646"/>
+          </a:xfrm>
+          <a:prstGeom prst="straightConnector1">
+            <a:avLst/>
+          </a:prstGeom>
+          <a:ln>
+            <a:solidFill>
+              <a:schemeClr val="bg2"/>
+            </a:solidFill>
+            <a:tailEnd type="triangle"/>
+          </a:ln>
+        </p:spPr>
+        <p:style>
+          <a:lnRef idx="3">
+            <a:schemeClr val="accent1"/>
+          </a:lnRef>
+          <a:fillRef idx="0">
+            <a:schemeClr val="accent1"/>
+          </a:fillRef>
+          <a:effectRef idx="2">
+            <a:schemeClr val="accent1"/>
+          </a:effectRef>
+          <a:fontRef idx="minor">
+            <a:schemeClr val="tx1"/>
+          </a:fontRef>
+        </p:style>
+      </p:cxnSp>
+      <p:cxnSp>
+        <p:nvCxnSpPr>
+          <p:cNvPr id="20" name="直線單箭頭接點 19">
+            <a:extLst>
+              <a:ext uri="{FF2B5EF4-FFF2-40B4-BE49-F238E27FC236}">
+                <a16:creationId xmlns:a16="http://schemas.microsoft.com/office/drawing/2014/main" id="{1331E7D6-7258-4E75-920D-946DCD2CB6AB}"/>
+              </a:ext>
+            </a:extLst>
+          </p:cNvPr>
+          <p:cNvCxnSpPr>
+            <a:cxnSpLocks/>
+            <a:endCxn id="6" idx="0"/>
+          </p:cNvCxnSpPr>
+          <p:nvPr/>
+        </p:nvCxnSpPr>
+        <p:spPr>
+          <a:xfrm flipH="1">
+            <a:off x="6096000" y="1719528"/>
+            <a:ext cx="2" cy="637671"/>
+          </a:xfrm>
+          <a:prstGeom prst="straightConnector1">
+            <a:avLst/>
+          </a:prstGeom>
+          <a:ln>
+            <a:solidFill>
+              <a:schemeClr val="bg2"/>
+            </a:solidFill>
+            <a:tailEnd type="triangle"/>
+          </a:ln>
+        </p:spPr>
+        <p:style>
+          <a:lnRef idx="3">
+            <a:schemeClr val="accent1"/>
+          </a:lnRef>
+          <a:fillRef idx="0">
+            <a:schemeClr val="accent1"/>
+          </a:fillRef>
+          <a:effectRef idx="2">
+            <a:schemeClr val="accent1"/>
+          </a:effectRef>
+          <a:fontRef idx="minor">
+            <a:schemeClr val="tx1"/>
+          </a:fontRef>
+        </p:style>
+      </p:cxnSp>
+      <p:cxnSp>
+        <p:nvCxnSpPr>
+          <p:cNvPr id="21" name="直線單箭頭接點 20">
+            <a:extLst>
+              <a:ext uri="{FF2B5EF4-FFF2-40B4-BE49-F238E27FC236}">
+                <a16:creationId xmlns:a16="http://schemas.microsoft.com/office/drawing/2014/main" id="{E846BE4C-DF26-49C5-B724-AAECC520DD63}"/>
+              </a:ext>
+            </a:extLst>
+          </p:cNvPr>
+          <p:cNvCxnSpPr>
+            <a:cxnSpLocks/>
+            <a:stCxn id="4" idx="2"/>
+            <a:endCxn id="13" idx="0"/>
+          </p:cNvCxnSpPr>
+          <p:nvPr/>
+        </p:nvCxnSpPr>
+        <p:spPr>
+          <a:xfrm>
+            <a:off x="6096000" y="1719528"/>
+            <a:ext cx="3549317" cy="637671"/>
+          </a:xfrm>
+          <a:prstGeom prst="straightConnector1">
+            <a:avLst/>
+          </a:prstGeom>
+          <a:ln>
+            <a:solidFill>
+              <a:schemeClr val="bg2"/>
+            </a:solidFill>
+            <a:tailEnd type="triangle"/>
+          </a:ln>
+        </p:spPr>
+        <p:style>
+          <a:lnRef idx="3">
+            <a:schemeClr val="accent1"/>
+          </a:lnRef>
+          <a:fillRef idx="0">
+            <a:schemeClr val="accent1"/>
+          </a:fillRef>
+          <a:effectRef idx="2">
+            <a:schemeClr val="accent1"/>
+          </a:effectRef>
+          <a:fontRef idx="minor">
+            <a:schemeClr val="tx1"/>
+          </a:fontRef>
+        </p:style>
+      </p:cxnSp>
+      <p:cxnSp>
+        <p:nvCxnSpPr>
+          <p:cNvPr id="22" name="直線單箭頭接點 21">
+            <a:extLst>
+              <a:ext uri="{FF2B5EF4-FFF2-40B4-BE49-F238E27FC236}">
+                <a16:creationId xmlns:a16="http://schemas.microsoft.com/office/drawing/2014/main" id="{FBD2E3C7-2D5E-4BAE-85BF-00374764A324}"/>
+              </a:ext>
+            </a:extLst>
+          </p:cNvPr>
+          <p:cNvCxnSpPr>
+            <a:cxnSpLocks/>
+            <a:endCxn id="16" idx="0"/>
+          </p:cNvCxnSpPr>
+          <p:nvPr/>
+        </p:nvCxnSpPr>
+        <p:spPr>
+          <a:xfrm flipH="1">
+            <a:off x="8119311" y="3065056"/>
+            <a:ext cx="1526006" cy="1461840"/>
+          </a:xfrm>
+          <a:prstGeom prst="straightConnector1">
+            <a:avLst/>
+          </a:prstGeom>
+          <a:ln>
+            <a:solidFill>
+              <a:schemeClr val="bg2"/>
+            </a:solidFill>
+            <a:tailEnd type="triangle"/>
+          </a:ln>
+        </p:spPr>
+        <p:style>
+          <a:lnRef idx="3">
+            <a:schemeClr val="accent1"/>
+          </a:lnRef>
+          <a:fillRef idx="0">
+            <a:schemeClr val="accent1"/>
+          </a:fillRef>
+          <a:effectRef idx="2">
+            <a:schemeClr val="accent1"/>
+          </a:effectRef>
+          <a:fontRef idx="minor">
+            <a:schemeClr val="tx1"/>
+          </a:fontRef>
+        </p:style>
+      </p:cxnSp>
+      <p:cxnSp>
+        <p:nvCxnSpPr>
+          <p:cNvPr id="23" name="直線單箭頭接點 22">
+            <a:extLst>
+              <a:ext uri="{FF2B5EF4-FFF2-40B4-BE49-F238E27FC236}">
+                <a16:creationId xmlns:a16="http://schemas.microsoft.com/office/drawing/2014/main" id="{D8F3774F-CA13-404E-A4BA-73EE1B9EDE8E}"/>
+              </a:ext>
+            </a:extLst>
+          </p:cNvPr>
+          <p:cNvCxnSpPr>
+            <a:cxnSpLocks/>
+            <a:stCxn id="13" idx="2"/>
+            <a:endCxn id="17" idx="0"/>
+          </p:cNvCxnSpPr>
+          <p:nvPr/>
+        </p:nvCxnSpPr>
+        <p:spPr>
+          <a:xfrm>
+            <a:off x="9645317" y="3055031"/>
+            <a:ext cx="1515981" cy="1471865"/>
+          </a:xfrm>
+          <a:prstGeom prst="straightConnector1">
+            <a:avLst/>
+          </a:prstGeom>
+          <a:ln>
+            <a:solidFill>
+              <a:schemeClr val="bg2"/>
+            </a:solidFill>
+            <a:tailEnd type="triangle"/>
+          </a:ln>
+        </p:spPr>
+        <p:style>
+          <a:lnRef idx="3">
+            <a:schemeClr val="accent1"/>
+          </a:lnRef>
+          <a:fillRef idx="0">
+            <a:schemeClr val="accent1"/>
+          </a:fillRef>
+          <a:effectRef idx="2">
+            <a:schemeClr val="accent1"/>
+          </a:effectRef>
+          <a:fontRef idx="minor">
+            <a:schemeClr val="tx1"/>
+          </a:fontRef>
+        </p:style>
+      </p:cxnSp>
+      <p:cxnSp>
+        <p:nvCxnSpPr>
+          <p:cNvPr id="24" name="直線單箭頭接點 23">
+            <a:extLst>
+              <a:ext uri="{FF2B5EF4-FFF2-40B4-BE49-F238E27FC236}">
+                <a16:creationId xmlns:a16="http://schemas.microsoft.com/office/drawing/2014/main" id="{E5AD83B0-73A6-4029-9E5D-62EF9A3EB5BC}"/>
+              </a:ext>
+            </a:extLst>
+          </p:cNvPr>
+          <p:cNvCxnSpPr>
+            <a:cxnSpLocks/>
+            <a:stCxn id="13" idx="2"/>
+            <a:endCxn id="18" idx="0"/>
+          </p:cNvCxnSpPr>
+          <p:nvPr/>
+        </p:nvCxnSpPr>
+        <p:spPr>
+          <a:xfrm flipH="1">
+            <a:off x="9645316" y="3055031"/>
+            <a:ext cx="1" cy="2614866"/>
+          </a:xfrm>
+          <a:prstGeom prst="straightConnector1">
+            <a:avLst/>
+          </a:prstGeom>
+          <a:ln>
+            <a:solidFill>
+              <a:schemeClr val="bg2"/>
+            </a:solidFill>
+            <a:tailEnd type="triangle"/>
+          </a:ln>
+        </p:spPr>
+        <p:style>
+          <a:lnRef idx="3">
+            <a:schemeClr val="accent1"/>
+          </a:lnRef>
+          <a:fillRef idx="0">
+            <a:schemeClr val="accent1"/>
+          </a:fillRef>
+          <a:effectRef idx="2">
+            <a:schemeClr val="accent1"/>
+          </a:effectRef>
+          <a:fontRef idx="minor">
+            <a:schemeClr val="tx1"/>
+          </a:fontRef>
+        </p:style>
+      </p:cxnSp>
+      <p:cxnSp>
+        <p:nvCxnSpPr>
+          <p:cNvPr id="25" name="直線單箭頭接點 24">
+            <a:extLst>
+              <a:ext uri="{FF2B5EF4-FFF2-40B4-BE49-F238E27FC236}">
+                <a16:creationId xmlns:a16="http://schemas.microsoft.com/office/drawing/2014/main" id="{AB10E92A-6718-4CEE-81FC-DF555D78363C}"/>
+              </a:ext>
+            </a:extLst>
+          </p:cNvPr>
+          <p:cNvCxnSpPr>
+            <a:cxnSpLocks/>
+            <a:endCxn id="14" idx="0"/>
+          </p:cNvCxnSpPr>
+          <p:nvPr/>
+        </p:nvCxnSpPr>
+        <p:spPr>
+          <a:xfrm flipH="1">
+            <a:off x="5378116" y="3042997"/>
+            <a:ext cx="717886" cy="561478"/>
+          </a:xfrm>
+          <a:prstGeom prst="straightConnector1">
+            <a:avLst/>
+          </a:prstGeom>
+          <a:ln>
+            <a:solidFill>
+              <a:schemeClr val="bg2"/>
+            </a:solidFill>
+            <a:tailEnd type="triangle"/>
+          </a:ln>
+        </p:spPr>
+        <p:style>
+          <a:lnRef idx="3">
+            <a:schemeClr val="accent1"/>
+          </a:lnRef>
+          <a:fillRef idx="0">
+            <a:schemeClr val="accent1"/>
+          </a:fillRef>
+          <a:effectRef idx="2">
+            <a:schemeClr val="accent1"/>
+          </a:effectRef>
+          <a:fontRef idx="minor">
+            <a:schemeClr val="tx1"/>
+          </a:fontRef>
+        </p:style>
+      </p:cxnSp>
+      <p:cxnSp>
+        <p:nvCxnSpPr>
+          <p:cNvPr id="26" name="直線單箭頭接點 25">
+            <a:extLst>
+              <a:ext uri="{FF2B5EF4-FFF2-40B4-BE49-F238E27FC236}">
+                <a16:creationId xmlns:a16="http://schemas.microsoft.com/office/drawing/2014/main" id="{10E85247-7282-46A4-A093-71FD40387E5A}"/>
+              </a:ext>
+            </a:extLst>
+          </p:cNvPr>
+          <p:cNvCxnSpPr>
+            <a:cxnSpLocks/>
+            <a:endCxn id="15" idx="0"/>
+          </p:cNvCxnSpPr>
+          <p:nvPr/>
+        </p:nvCxnSpPr>
+        <p:spPr>
+          <a:xfrm>
+            <a:off x="6096005" y="3053022"/>
+            <a:ext cx="689808" cy="567494"/>
+          </a:xfrm>
+          <a:prstGeom prst="straightConnector1">
+            <a:avLst/>
+          </a:prstGeom>
+          <a:ln>
+            <a:solidFill>
+              <a:schemeClr val="bg2"/>
+            </a:solidFill>
+            <a:tailEnd type="triangle"/>
+          </a:ln>
+        </p:spPr>
+        <p:style>
+          <a:lnRef idx="3">
+            <a:schemeClr val="accent1"/>
+          </a:lnRef>
+          <a:fillRef idx="0">
+            <a:schemeClr val="accent1"/>
+          </a:fillRef>
+          <a:effectRef idx="2">
+            <a:schemeClr val="accent1"/>
+          </a:effectRef>
+          <a:fontRef idx="minor">
+            <a:schemeClr val="tx1"/>
+          </a:fontRef>
+        </p:style>
+      </p:cxnSp>
       <p:cxnSp>
         <p:nvCxnSpPr>
           <p:cNvPr id="27" name="直線單箭頭接點 26">
             <a:extLst>
               <a:ext uri="{FF2B5EF4-FFF2-40B4-BE49-F238E27FC236}">
-                <a16:creationId xmlns:a16="http://schemas.microsoft.com/office/drawing/2014/main" id="{0D71FF28-C062-4A75-93A2-7737C5CDFF29}"/>
+                <a16:creationId xmlns:a16="http://schemas.microsoft.com/office/drawing/2014/main" id="{B79A7551-CF78-41BC-9F91-8F17C948A99E}"/>
               </a:ext>
             </a:extLst>
           </p:cNvPr>
           <p:cNvCxnSpPr>
             <a:cxnSpLocks/>
-            <a:stCxn id="10" idx="0"/>
-            <a:endCxn id="26" idx="2"/>
+            <a:endCxn id="7" idx="0"/>
           </p:cNvCxnSpPr>
           <p:nvPr/>
         </p:nvCxnSpPr>
         <p:spPr>
-          <a:xfrm flipH="1" flipV="1">
-            <a:off x="6843112" y="4566821"/>
-            <a:ext cx="1" cy="881067"/>
+          <a:xfrm flipH="1">
+            <a:off x="1331496" y="3042997"/>
+            <a:ext cx="1094870" cy="569499"/>
           </a:xfrm>
           <a:prstGeom prst="straightConnector1">
             <a:avLst/>
           </a:prstGeom>
           <a:ln>
+            <a:solidFill>
+              <a:schemeClr val="bg2"/>
+            </a:solidFill>
             <a:tailEnd type="triangle"/>
           </a:ln>
         </p:spPr>
         <p:style>
-          <a:lnRef idx="1">
+          <a:lnRef idx="3">
             <a:schemeClr val="accent1"/>
           </a:lnRef>
           <a:fillRef idx="0">
             <a:schemeClr val="accent1"/>
           </a:fillRef>
-          <a:effectRef idx="0">
+          <a:effectRef idx="2">
             <a:schemeClr val="accent1"/>
           </a:effectRef>
           <a:fontRef idx="minor">
@@ -10862,37 +11389,39 @@
           <p:cNvPr id="28" name="直線單箭頭接點 27">
             <a:extLst>
               <a:ext uri="{FF2B5EF4-FFF2-40B4-BE49-F238E27FC236}">
-                <a16:creationId xmlns:a16="http://schemas.microsoft.com/office/drawing/2014/main" id="{20F4F40B-5C47-49CE-AF58-B64EAB50B815}"/>
+                <a16:creationId xmlns:a16="http://schemas.microsoft.com/office/drawing/2014/main" id="{527FF900-281A-4AF9-A94B-2FB19A4ACF6D}"/>
               </a:ext>
             </a:extLst>
           </p:cNvPr>
           <p:cNvCxnSpPr>
             <a:cxnSpLocks/>
-            <a:stCxn id="9" idx="3"/>
-            <a:endCxn id="25" idx="1"/>
+            <a:endCxn id="8" idx="0"/>
           </p:cNvCxnSpPr>
           <p:nvPr/>
         </p:nvCxnSpPr>
         <p:spPr>
-          <a:xfrm flipV="1">
-            <a:off x="2491674" y="5908385"/>
-            <a:ext cx="967097" cy="1"/>
+          <a:xfrm>
+            <a:off x="2447426" y="3051018"/>
+            <a:ext cx="907380" cy="553457"/>
           </a:xfrm>
           <a:prstGeom prst="straightConnector1">
             <a:avLst/>
           </a:prstGeom>
           <a:ln>
+            <a:solidFill>
+              <a:schemeClr val="bg2"/>
+            </a:solidFill>
             <a:tailEnd type="triangle"/>
           </a:ln>
         </p:spPr>
         <p:style>
-          <a:lnRef idx="1">
+          <a:lnRef idx="3">
             <a:schemeClr val="accent1"/>
           </a:lnRef>
           <a:fillRef idx="0">
             <a:schemeClr val="accent1"/>
           </a:fillRef>
-          <a:effectRef idx="0">
+          <a:effectRef idx="2">
             <a:schemeClr val="accent1"/>
           </a:effectRef>
           <a:fontRef idx="minor">
@@ -10905,37 +11434,160 @@
           <p:cNvPr id="29" name="直線單箭頭接點 28">
             <a:extLst>
               <a:ext uri="{FF2B5EF4-FFF2-40B4-BE49-F238E27FC236}">
-                <a16:creationId xmlns:a16="http://schemas.microsoft.com/office/drawing/2014/main" id="{738F39E5-140F-40B0-8102-E11BEAEFE7D4}"/>
+                <a16:creationId xmlns:a16="http://schemas.microsoft.com/office/drawing/2014/main" id="{0B233120-C26D-402D-AF7A-A8BC58B39B71}"/>
               </a:ext>
             </a:extLst>
           </p:cNvPr>
           <p:cNvCxnSpPr>
             <a:cxnSpLocks/>
-            <a:stCxn id="25" idx="3"/>
-            <a:endCxn id="10" idx="1"/>
+            <a:stCxn id="8" idx="2"/>
+            <a:endCxn id="11" idx="0"/>
           </p:cNvCxnSpPr>
           <p:nvPr/>
         </p:nvCxnSpPr>
         <p:spPr>
-          <a:xfrm flipV="1">
-            <a:off x="4637866" y="5901078"/>
-            <a:ext cx="1547520" cy="7307"/>
+          <a:xfrm flipH="1">
+            <a:off x="3354805" y="4302307"/>
+            <a:ext cx="1" cy="530221"/>
           </a:xfrm>
           <a:prstGeom prst="straightConnector1">
             <a:avLst/>
           </a:prstGeom>
           <a:ln>
+            <a:solidFill>
+              <a:schemeClr val="bg2"/>
+            </a:solidFill>
             <a:tailEnd type="triangle"/>
           </a:ln>
         </p:spPr>
         <p:style>
-          <a:lnRef idx="1">
+          <a:lnRef idx="3">
             <a:schemeClr val="accent1"/>
           </a:lnRef>
           <a:fillRef idx="0">
             <a:schemeClr val="accent1"/>
           </a:fillRef>
-          <a:effectRef idx="0">
+          <a:effectRef idx="2">
+            <a:schemeClr val="accent1"/>
+          </a:effectRef>
+          <a:fontRef idx="minor">
+            <a:schemeClr val="tx1"/>
+          </a:fontRef>
+        </p:style>
+      </p:cxnSp>
+      <p:cxnSp>
+        <p:nvCxnSpPr>
+          <p:cNvPr id="30" name="直線單箭頭接點 29">
+            <a:extLst>
+              <a:ext uri="{FF2B5EF4-FFF2-40B4-BE49-F238E27FC236}">
+                <a16:creationId xmlns:a16="http://schemas.microsoft.com/office/drawing/2014/main" id="{CEC5CD62-9A1C-4E58-B0BF-A37F6BE9C352}"/>
+              </a:ext>
+            </a:extLst>
+          </p:cNvPr>
+          <p:cNvCxnSpPr>
+            <a:cxnSpLocks/>
+            <a:stCxn id="7" idx="2"/>
+            <a:endCxn id="9" idx="0"/>
+          </p:cNvCxnSpPr>
+          <p:nvPr/>
+        </p:nvCxnSpPr>
+        <p:spPr>
+          <a:xfrm flipH="1">
+            <a:off x="1331495" y="4310328"/>
+            <a:ext cx="1" cy="519717"/>
+          </a:xfrm>
+          <a:prstGeom prst="straightConnector1">
+            <a:avLst/>
+          </a:prstGeom>
+          <a:ln>
+            <a:solidFill>
+              <a:schemeClr val="bg2"/>
+            </a:solidFill>
+            <a:tailEnd type="triangle"/>
+          </a:ln>
+        </p:spPr>
+        <p:style>
+          <a:lnRef idx="3">
+            <a:schemeClr val="accent1"/>
+          </a:lnRef>
+          <a:fillRef idx="0">
+            <a:schemeClr val="accent1"/>
+          </a:fillRef>
+          <a:effectRef idx="2">
+            <a:schemeClr val="accent1"/>
+          </a:effectRef>
+          <a:fontRef idx="minor">
+            <a:schemeClr val="tx1"/>
+          </a:fontRef>
+        </p:style>
+      </p:cxnSp>
+      <p:cxnSp>
+        <p:nvCxnSpPr>
+          <p:cNvPr id="33" name="直線接點 32">
+            <a:extLst>
+              <a:ext uri="{FF2B5EF4-FFF2-40B4-BE49-F238E27FC236}">
+                <a16:creationId xmlns:a16="http://schemas.microsoft.com/office/drawing/2014/main" id="{4181A5D7-D242-4D18-AFD7-C25A2A3600FF}"/>
+              </a:ext>
+            </a:extLst>
+          </p:cNvPr>
+          <p:cNvCxnSpPr/>
+          <p:nvPr/>
+        </p:nvCxnSpPr>
+        <p:spPr>
+          <a:xfrm>
+            <a:off x="397042" y="355949"/>
+            <a:ext cx="1227221" cy="0"/>
+          </a:xfrm>
+          <a:prstGeom prst="line">
+            <a:avLst/>
+          </a:prstGeom>
+        </p:spPr>
+        <p:style>
+          <a:lnRef idx="3">
+            <a:schemeClr val="accent1"/>
+          </a:lnRef>
+          <a:fillRef idx="0">
+            <a:schemeClr val="accent1"/>
+          </a:fillRef>
+          <a:effectRef idx="2">
+            <a:schemeClr val="accent1"/>
+          </a:effectRef>
+          <a:fontRef idx="minor">
+            <a:schemeClr val="tx1"/>
+          </a:fontRef>
+        </p:style>
+      </p:cxnSp>
+      <p:cxnSp>
+        <p:nvCxnSpPr>
+          <p:cNvPr id="34" name="直線接點 33">
+            <a:extLst>
+              <a:ext uri="{FF2B5EF4-FFF2-40B4-BE49-F238E27FC236}">
+                <a16:creationId xmlns:a16="http://schemas.microsoft.com/office/drawing/2014/main" id="{50025B96-E87B-495A-9D22-6DA9E74A74B4}"/>
+              </a:ext>
+            </a:extLst>
+          </p:cNvPr>
+          <p:cNvCxnSpPr>
+            <a:cxnSpLocks/>
+          </p:cNvCxnSpPr>
+          <p:nvPr/>
+        </p:nvCxnSpPr>
+        <p:spPr>
+          <a:xfrm>
+            <a:off x="537410" y="87244"/>
+            <a:ext cx="0" cy="1014663"/>
+          </a:xfrm>
+          <a:prstGeom prst="line">
+            <a:avLst/>
+          </a:prstGeom>
+        </p:spPr>
+        <p:style>
+          <a:lnRef idx="3">
+            <a:schemeClr val="accent1"/>
+          </a:lnRef>
+          <a:fillRef idx="0">
+            <a:schemeClr val="accent1"/>
+          </a:fillRef>
+          <a:effectRef idx="2">
             <a:schemeClr val="accent1"/>
           </a:effectRef>
           <a:fontRef idx="minor">
@@ -10946,7 +11598,7 @@
     </p:spTree>
     <p:extLst>
       <p:ext uri="{BB962C8B-B14F-4D97-AF65-F5344CB8AC3E}">
-        <p14:creationId xmlns:p14="http://schemas.microsoft.com/office/powerpoint/2010/main" val="388282396"/>
+        <p14:creationId xmlns:p14="http://schemas.microsoft.com/office/powerpoint/2010/main" val="2231846775"/>
       </p:ext>
     </p:extLst>
   </p:cSld>
@@ -11777,11 +12429,12 @@
 </file>
 
 <file path=customXml/item1.xml><?xml version="1.0" encoding="utf-8"?>
-<p:properties xmlns:p="http://schemas.microsoft.com/office/2006/metadata/properties" xmlns:xsi="http://www.w3.org/2001/XMLSchema-instance" xmlns:pc="http://schemas.microsoft.com/office/infopath/2007/PartnerControls">
-  <documentManagement>
-    <MediaServiceKeyPoints xmlns="71af3243-3dd4-4a8d-8c0d-dd76da1f02a5" xsi:nil="true"/>
-  </documentManagement>
-</p:properties>
+<?mso-contentType ?>
+<FormTemplates xmlns="http://schemas.microsoft.com/sharepoint/v3/contenttype/forms">
+  <Display>DocumentLibraryForm</Display>
+  <Edit>DocumentLibraryForm</Edit>
+  <New>DocumentLibraryForm</New>
+</FormTemplates>
 </file>
 
 <file path=customXml/item2.xml><?xml version="1.0" encoding="utf-8"?>
@@ -11996,20 +12649,17 @@
 </file>
 
 <file path=customXml/item3.xml><?xml version="1.0" encoding="utf-8"?>
-<?mso-contentType ?>
-<FormTemplates xmlns="http://schemas.microsoft.com/sharepoint/v3/contenttype/forms">
-  <Display>DocumentLibraryForm</Display>
-  <Edit>DocumentLibraryForm</Edit>
-  <New>DocumentLibraryForm</New>
-</FormTemplates>
+<p:properties xmlns:p="http://schemas.microsoft.com/office/2006/metadata/properties" xmlns:xsi="http://www.w3.org/2001/XMLSchema-instance" xmlns:pc="http://schemas.microsoft.com/office/infopath/2007/PartnerControls">
+  <documentManagement>
+    <MediaServiceKeyPoints xmlns="71af3243-3dd4-4a8d-8c0d-dd76da1f02a5" xsi:nil="true"/>
+  </documentManagement>
+</p:properties>
 </file>
 
 <file path=customXml/itemProps1.xml><?xml version="1.0" encoding="utf-8"?>
-<ds:datastoreItem xmlns:ds="http://schemas.openxmlformats.org/officeDocument/2006/customXml" ds:itemID="{5E99C30C-D4EF-40A1-90A6-0C8077024112}">
+<ds:datastoreItem xmlns:ds="http://schemas.openxmlformats.org/officeDocument/2006/customXml" ds:itemID="{31E252AE-1687-4F4A-AAAD-EE8304DE9099}">
   <ds:schemaRefs>
-    <ds:schemaRef ds:uri="http://schemas.microsoft.com/office/2006/metadata/properties"/>
-    <ds:schemaRef ds:uri="http://schemas.microsoft.com/office/infopath/2007/PartnerControls"/>
-    <ds:schemaRef ds:uri="71af3243-3dd4-4a8d-8c0d-dd76da1f02a5"/>
+    <ds:schemaRef ds:uri="http://schemas.microsoft.com/sharepoint/v3/contenttype/forms"/>
   </ds:schemaRefs>
 </ds:datastoreItem>
 </file>
@@ -12034,9 +12684,11 @@
 </file>
 
 <file path=customXml/itemProps3.xml><?xml version="1.0" encoding="utf-8"?>
-<ds:datastoreItem xmlns:ds="http://schemas.openxmlformats.org/officeDocument/2006/customXml" ds:itemID="{31E252AE-1687-4F4A-AAAD-EE8304DE9099}">
+<ds:datastoreItem xmlns:ds="http://schemas.openxmlformats.org/officeDocument/2006/customXml" ds:itemID="{5E99C30C-D4EF-40A1-90A6-0C8077024112}">
   <ds:schemaRefs>
-    <ds:schemaRef ds:uri="http://schemas.microsoft.com/sharepoint/v3/contenttype/forms"/>
+    <ds:schemaRef ds:uri="http://schemas.microsoft.com/office/2006/metadata/properties"/>
+    <ds:schemaRef ds:uri="http://schemas.microsoft.com/office/infopath/2007/PartnerControls"/>
+    <ds:schemaRef ds:uri="71af3243-3dd4-4a8d-8c0d-dd76da1f02a5"/>
   </ds:schemaRefs>
 </ds:datastoreItem>
 </file>